--- a/Final_Project.pptx
+++ b/Final_Project.pptx
@@ -20,6 +20,8 @@
     <p:sldId id="265" r:id="rId15"/>
     <p:sldId id="266" r:id="rId16"/>
     <p:sldId id="267" r:id="rId17"/>
+    <p:sldId id="268" r:id="rId18"/>
+    <p:sldId id="269" r:id="rId19"/>
   </p:sldIdLst>
   <p:sldSz cy="5143500" cx="9144000"/>
   <p:notesSz cx="6858000" cy="9144000"/>
@@ -801,7 +803,7 @@
   <p:cSld>
     <p:spTree>
       <p:nvGrpSpPr>
-        <p:cNvPr id="108" name="Shape 108"/>
+        <p:cNvPr id="104" name="Shape 104"/>
         <p:cNvGrpSpPr/>
         <p:nvPr/>
       </p:nvGrpSpPr>
@@ -815,7 +817,7 @@
       </p:grpSpPr>
       <p:sp>
         <p:nvSpPr>
-          <p:cNvPr id="109" name="Google Shape;109;g30f3df4da10_0_125:notes"/>
+          <p:cNvPr id="105" name="Google Shape;105;g30f3df4da10_0_104:notes"/>
           <p:cNvSpPr/>
           <p:nvPr>
             <p:ph idx="2" type="sldImg"/>
@@ -850,7 +852,7 @@
       </p:sp>
       <p:sp>
         <p:nvSpPr>
-          <p:cNvPr id="110" name="Google Shape;110;g30f3df4da10_0_125:notes"/>
+          <p:cNvPr id="106" name="Google Shape;106;g30f3df4da10_0_104:notes"/>
           <p:cNvSpPr txBox="1"/>
           <p:nvPr>
             <p:ph idx="1" type="body"/>
@@ -900,7 +902,7 @@
   <p:cSld>
     <p:spTree>
       <p:nvGrpSpPr>
-        <p:cNvPr id="115" name="Shape 115"/>
+        <p:cNvPr id="110" name="Shape 110"/>
         <p:cNvGrpSpPr/>
         <p:nvPr/>
       </p:nvGrpSpPr>
@@ -914,7 +916,7 @@
       </p:grpSpPr>
       <p:sp>
         <p:nvSpPr>
-          <p:cNvPr id="116" name="Google Shape;116;g30f3df4da10_0_136:notes"/>
+          <p:cNvPr id="111" name="Google Shape;111;g30f3df4da10_0_109:notes"/>
           <p:cNvSpPr/>
           <p:nvPr>
             <p:ph idx="2" type="sldImg"/>
@@ -949,7 +951,7 @@
       </p:sp>
       <p:sp>
         <p:nvSpPr>
-          <p:cNvPr id="117" name="Google Shape;117;g30f3df4da10_0_136:notes"/>
+          <p:cNvPr id="112" name="Google Shape;112;g30f3df4da10_0_109:notes"/>
           <p:cNvSpPr txBox="1"/>
           <p:nvPr>
             <p:ph idx="1" type="body"/>
@@ -999,7 +1001,7 @@
   <p:cSld>
     <p:spTree>
       <p:nvGrpSpPr>
-        <p:cNvPr id="121" name="Shape 121"/>
+        <p:cNvPr id="120" name="Shape 120"/>
         <p:cNvGrpSpPr/>
         <p:nvPr/>
       </p:nvGrpSpPr>
@@ -1013,7 +1015,7 @@
       </p:grpSpPr>
       <p:sp>
         <p:nvSpPr>
-          <p:cNvPr id="122" name="Google Shape;122;g30f3df4da10_0_141:notes"/>
+          <p:cNvPr id="121" name="Google Shape;121;g30f3df4da10_0_125:notes"/>
           <p:cNvSpPr/>
           <p:nvPr>
             <p:ph idx="2" type="sldImg"/>
@@ -1048,7 +1050,205 @@
       </p:sp>
       <p:sp>
         <p:nvSpPr>
-          <p:cNvPr id="123" name="Google Shape;123;g30f3df4da10_0_141:notes"/>
+          <p:cNvPr id="122" name="Google Shape;122;g30f3df4da10_0_125:notes"/>
+          <p:cNvSpPr txBox="1"/>
+          <p:nvPr>
+            <p:ph idx="1" type="body"/>
+          </p:nvPr>
+        </p:nvSpPr>
+        <p:spPr>
+          <a:xfrm>
+            <a:off x="685800" y="4343400"/>
+            <a:ext cx="5486400" cy="4114800"/>
+          </a:xfrm>
+          <a:prstGeom prst="rect">
+            <a:avLst/>
+          </a:prstGeom>
+        </p:spPr>
+        <p:txBody>
+          <a:bodyPr anchorCtr="0" anchor="t" bIns="91425" lIns="91425" spcFirstLastPara="1" rIns="91425" wrap="square" tIns="91425">
+            <a:noAutofit/>
+          </a:bodyPr>
+          <a:lstStyle/>
+          <a:p>
+            <a:pPr indent="0" lvl="0" marL="0" rtl="0" algn="l">
+              <a:spcBef>
+                <a:spcPts val="0"/>
+              </a:spcBef>
+              <a:spcAft>
+                <a:spcPts val="0"/>
+              </a:spcAft>
+              <a:buNone/>
+            </a:pPr>
+            <a:r>
+              <a:t/>
+            </a:r>
+            <a:endParaRPr/>
+          </a:p>
+        </p:txBody>
+      </p:sp>
+    </p:spTree>
+  </p:cSld>
+  <p:clrMapOvr>
+    <a:masterClrMapping/>
+  </p:clrMapOvr>
+</p:notes>
+</file>
+
+<file path=ppt/notesSlides/notesSlide13.xml><?xml version="1.0" encoding="utf-8"?>
+<p:notes xmlns:a="http://schemas.openxmlformats.org/drawingml/2006/main" xmlns:r="http://schemas.openxmlformats.org/officeDocument/2006/relationships" xmlns:mc="http://schemas.openxmlformats.org/markup-compatibility/2006" xmlns:mv="urn:schemas-microsoft-com:mac:vml" xmlns:p="http://schemas.openxmlformats.org/presentationml/2006/main" xmlns:c="http://schemas.openxmlformats.org/drawingml/2006/chart" xmlns:dgm="http://schemas.openxmlformats.org/drawingml/2006/diagram" xmlns:o="urn:schemas-microsoft-com:office:office" xmlns:v="urn:schemas-microsoft-com:vml" xmlns:pvml="urn:schemas-microsoft-com:office:powerpoint" xmlns:com="http://schemas.openxmlformats.org/drawingml/2006/compatibility" xmlns:p14="http://schemas.microsoft.com/office/powerpoint/2010/main" xmlns:p15="http://schemas.microsoft.com/office/powerpoint/2012/main" xmlns:ahyp="http://schemas.microsoft.com/office/drawing/2018/hyperlinkcolor" showMasterPhAnim="0" showMasterSp="0">
+  <p:cSld>
+    <p:spTree>
+      <p:nvGrpSpPr>
+        <p:cNvPr id="127" name="Shape 127"/>
+        <p:cNvGrpSpPr/>
+        <p:nvPr/>
+      </p:nvGrpSpPr>
+      <p:grpSpPr>
+        <a:xfrm>
+          <a:off x="0" y="0"/>
+          <a:ext cx="0" cy="0"/>
+          <a:chOff x="0" y="0"/>
+          <a:chExt cx="0" cy="0"/>
+        </a:xfrm>
+      </p:grpSpPr>
+      <p:sp>
+        <p:nvSpPr>
+          <p:cNvPr id="128" name="Google Shape;128;g30f3df4da10_0_136:notes"/>
+          <p:cNvSpPr/>
+          <p:nvPr>
+            <p:ph idx="2" type="sldImg"/>
+          </p:nvPr>
+        </p:nvSpPr>
+        <p:spPr>
+          <a:xfrm>
+            <a:off x="381300" y="685800"/>
+            <a:ext cx="6096000" cy="3429000"/>
+          </a:xfrm>
+          <a:custGeom>
+            <a:rect b="b" l="l" r="r" t="t"/>
+            <a:pathLst>
+              <a:path extrusionOk="0" h="120000" w="120000">
+                <a:moveTo>
+                  <a:pt x="0" y="0"/>
+                </a:moveTo>
+                <a:lnTo>
+                  <a:pt x="120000" y="0"/>
+                </a:lnTo>
+                <a:lnTo>
+                  <a:pt x="120000" y="120000"/>
+                </a:lnTo>
+                <a:lnTo>
+                  <a:pt x="0" y="120000"/>
+                </a:lnTo>
+                <a:close/>
+              </a:path>
+            </a:pathLst>
+          </a:custGeom>
+        </p:spPr>
+      </p:sp>
+      <p:sp>
+        <p:nvSpPr>
+          <p:cNvPr id="129" name="Google Shape;129;g30f3df4da10_0_136:notes"/>
+          <p:cNvSpPr txBox="1"/>
+          <p:nvPr>
+            <p:ph idx="1" type="body"/>
+          </p:nvPr>
+        </p:nvSpPr>
+        <p:spPr>
+          <a:xfrm>
+            <a:off x="685800" y="4343400"/>
+            <a:ext cx="5486400" cy="4114800"/>
+          </a:xfrm>
+          <a:prstGeom prst="rect">
+            <a:avLst/>
+          </a:prstGeom>
+        </p:spPr>
+        <p:txBody>
+          <a:bodyPr anchorCtr="0" anchor="t" bIns="91425" lIns="91425" spcFirstLastPara="1" rIns="91425" wrap="square" tIns="91425">
+            <a:noAutofit/>
+          </a:bodyPr>
+          <a:lstStyle/>
+          <a:p>
+            <a:pPr indent="0" lvl="0" marL="0" rtl="0" algn="l">
+              <a:spcBef>
+                <a:spcPts val="0"/>
+              </a:spcBef>
+              <a:spcAft>
+                <a:spcPts val="0"/>
+              </a:spcAft>
+              <a:buNone/>
+            </a:pPr>
+            <a:r>
+              <a:t/>
+            </a:r>
+            <a:endParaRPr/>
+          </a:p>
+        </p:txBody>
+      </p:sp>
+    </p:spTree>
+  </p:cSld>
+  <p:clrMapOvr>
+    <a:masterClrMapping/>
+  </p:clrMapOvr>
+</p:notes>
+</file>
+
+<file path=ppt/notesSlides/notesSlide14.xml><?xml version="1.0" encoding="utf-8"?>
+<p:notes xmlns:a="http://schemas.openxmlformats.org/drawingml/2006/main" xmlns:r="http://schemas.openxmlformats.org/officeDocument/2006/relationships" xmlns:mc="http://schemas.openxmlformats.org/markup-compatibility/2006" xmlns:mv="urn:schemas-microsoft-com:mac:vml" xmlns:p="http://schemas.openxmlformats.org/presentationml/2006/main" xmlns:c="http://schemas.openxmlformats.org/drawingml/2006/chart" xmlns:dgm="http://schemas.openxmlformats.org/drawingml/2006/diagram" xmlns:o="urn:schemas-microsoft-com:office:office" xmlns:v="urn:schemas-microsoft-com:vml" xmlns:pvml="urn:schemas-microsoft-com:office:powerpoint" xmlns:com="http://schemas.openxmlformats.org/drawingml/2006/compatibility" xmlns:p14="http://schemas.microsoft.com/office/powerpoint/2010/main" xmlns:p15="http://schemas.microsoft.com/office/powerpoint/2012/main" xmlns:ahyp="http://schemas.microsoft.com/office/drawing/2018/hyperlinkcolor" showMasterPhAnim="0" showMasterSp="0">
+  <p:cSld>
+    <p:spTree>
+      <p:nvGrpSpPr>
+        <p:cNvPr id="133" name="Shape 133"/>
+        <p:cNvGrpSpPr/>
+        <p:nvPr/>
+      </p:nvGrpSpPr>
+      <p:grpSpPr>
+        <a:xfrm>
+          <a:off x="0" y="0"/>
+          <a:ext cx="0" cy="0"/>
+          <a:chOff x="0" y="0"/>
+          <a:chExt cx="0" cy="0"/>
+        </a:xfrm>
+      </p:grpSpPr>
+      <p:sp>
+        <p:nvSpPr>
+          <p:cNvPr id="134" name="Google Shape;134;g30f3df4da10_0_141:notes"/>
+          <p:cNvSpPr/>
+          <p:nvPr>
+            <p:ph idx="2" type="sldImg"/>
+          </p:nvPr>
+        </p:nvSpPr>
+        <p:spPr>
+          <a:xfrm>
+            <a:off x="381300" y="685800"/>
+            <a:ext cx="6096000" cy="3429000"/>
+          </a:xfrm>
+          <a:custGeom>
+            <a:rect b="b" l="l" r="r" t="t"/>
+            <a:pathLst>
+              <a:path extrusionOk="0" h="120000" w="120000">
+                <a:moveTo>
+                  <a:pt x="0" y="0"/>
+                </a:moveTo>
+                <a:lnTo>
+                  <a:pt x="120000" y="0"/>
+                </a:lnTo>
+                <a:lnTo>
+                  <a:pt x="120000" y="120000"/>
+                </a:lnTo>
+                <a:lnTo>
+                  <a:pt x="0" y="120000"/>
+                </a:lnTo>
+                <a:close/>
+              </a:path>
+            </a:pathLst>
+          </a:custGeom>
+        </p:spPr>
+      </p:sp>
+      <p:sp>
+        <p:nvSpPr>
+          <p:cNvPr id="135" name="Google Shape;135;g30f3df4da10_0_141:notes"/>
           <p:cNvSpPr txBox="1"/>
           <p:nvPr>
             <p:ph idx="1" type="body"/>
@@ -1211,7 +1411,7 @@
       </p:grpSpPr>
       <p:sp>
         <p:nvSpPr>
-          <p:cNvPr id="63" name="Google Shape;63;g30f3df4da10_0_61:notes"/>
+          <p:cNvPr id="63" name="Google Shape;63;g30f433c4428_0_0:notes"/>
           <p:cNvSpPr/>
           <p:nvPr>
             <p:ph idx="2" type="sldImg"/>
@@ -1246,7 +1446,7 @@
       </p:sp>
       <p:sp>
         <p:nvSpPr>
-          <p:cNvPr id="64" name="Google Shape;64;g30f3df4da10_0_61:notes"/>
+          <p:cNvPr id="64" name="Google Shape;64;g30f433c4428_0_0:notes"/>
           <p:cNvSpPr txBox="1"/>
           <p:nvPr>
             <p:ph idx="1" type="body"/>
@@ -1310,7 +1510,7 @@
       </p:grpSpPr>
       <p:sp>
         <p:nvSpPr>
-          <p:cNvPr id="69" name="Google Shape;69;g30f3df4da10_0_67:notes"/>
+          <p:cNvPr id="69" name="Google Shape;69;g30f433c4428_0_5:notes"/>
           <p:cNvSpPr/>
           <p:nvPr>
             <p:ph idx="2" type="sldImg"/>
@@ -1345,7 +1545,7 @@
       </p:sp>
       <p:sp>
         <p:nvSpPr>
-          <p:cNvPr id="70" name="Google Shape;70;g30f3df4da10_0_67:notes"/>
+          <p:cNvPr id="70" name="Google Shape;70;g30f433c4428_0_5:notes"/>
           <p:cNvSpPr txBox="1"/>
           <p:nvPr>
             <p:ph idx="1" type="body"/>
@@ -1409,7 +1609,7 @@
       </p:grpSpPr>
       <p:sp>
         <p:nvSpPr>
-          <p:cNvPr id="75" name="Google Shape;75;g30f3df4da10_0_81:notes"/>
+          <p:cNvPr id="75" name="Google Shape;75;g30f3df4da10_0_61:notes"/>
           <p:cNvSpPr/>
           <p:nvPr>
             <p:ph idx="2" type="sldImg"/>
@@ -1444,7 +1644,7 @@
       </p:sp>
       <p:sp>
         <p:nvSpPr>
-          <p:cNvPr id="76" name="Google Shape;76;g30f3df4da10_0_81:notes"/>
+          <p:cNvPr id="76" name="Google Shape;76;g30f3df4da10_0_61:notes"/>
           <p:cNvSpPr txBox="1"/>
           <p:nvPr>
             <p:ph idx="1" type="body"/>
@@ -1508,7 +1708,7 @@
       </p:grpSpPr>
       <p:sp>
         <p:nvSpPr>
-          <p:cNvPr id="81" name="Google Shape;81;g30f3df4da10_0_90:notes"/>
+          <p:cNvPr id="81" name="Google Shape;81;g30f3df4da10_0_67:notes"/>
           <p:cNvSpPr/>
           <p:nvPr>
             <p:ph idx="2" type="sldImg"/>
@@ -1543,7 +1743,7 @@
       </p:sp>
       <p:sp>
         <p:nvSpPr>
-          <p:cNvPr id="82" name="Google Shape;82;g30f3df4da10_0_90:notes"/>
+          <p:cNvPr id="82" name="Google Shape;82;g30f3df4da10_0_67:notes"/>
           <p:cNvSpPr txBox="1"/>
           <p:nvPr>
             <p:ph idx="1" type="body"/>
@@ -1607,7 +1807,7 @@
       </p:grpSpPr>
       <p:sp>
         <p:nvSpPr>
-          <p:cNvPr id="87" name="Google Shape;87;g30f3df4da10_0_97:notes"/>
+          <p:cNvPr id="87" name="Google Shape;87;g30f3df4da10_0_81:notes"/>
           <p:cNvSpPr/>
           <p:nvPr>
             <p:ph idx="2" type="sldImg"/>
@@ -1642,7 +1842,7 @@
       </p:sp>
       <p:sp>
         <p:nvSpPr>
-          <p:cNvPr id="88" name="Google Shape;88;g30f3df4da10_0_97:notes"/>
+          <p:cNvPr id="88" name="Google Shape;88;g30f3df4da10_0_81:notes"/>
           <p:cNvSpPr txBox="1"/>
           <p:nvPr>
             <p:ph idx="1" type="body"/>
@@ -1706,7 +1906,7 @@
       </p:grpSpPr>
       <p:sp>
         <p:nvSpPr>
-          <p:cNvPr id="93" name="Google Shape;93;g30f3df4da10_0_104:notes"/>
+          <p:cNvPr id="93" name="Google Shape;93;g30f3df4da10_0_90:notes"/>
           <p:cNvSpPr/>
           <p:nvPr>
             <p:ph idx="2" type="sldImg"/>
@@ -1741,7 +1941,7 @@
       </p:sp>
       <p:sp>
         <p:nvSpPr>
-          <p:cNvPr id="94" name="Google Shape;94;g30f3df4da10_0_104:notes"/>
+          <p:cNvPr id="94" name="Google Shape;94;g30f3df4da10_0_90:notes"/>
           <p:cNvSpPr txBox="1"/>
           <p:nvPr>
             <p:ph idx="1" type="body"/>
@@ -1805,7 +2005,7 @@
       </p:grpSpPr>
       <p:sp>
         <p:nvSpPr>
-          <p:cNvPr id="99" name="Google Shape;99;g30f3df4da10_0_109:notes"/>
+          <p:cNvPr id="99" name="Google Shape;99;g30f3df4da10_0_97:notes"/>
           <p:cNvSpPr/>
           <p:nvPr>
             <p:ph idx="2" type="sldImg"/>
@@ -1840,7 +2040,7 @@
       </p:sp>
       <p:sp>
         <p:nvSpPr>
-          <p:cNvPr id="100" name="Google Shape;100;g30f3df4da10_0_109:notes"/>
+          <p:cNvPr id="100" name="Google Shape;100;g30f3df4da10_0_97:notes"/>
           <p:cNvSpPr txBox="1"/>
           <p:nvPr>
             <p:ph idx="1" type="body"/>
@@ -6688,7 +6888,7 @@
   <p:cSld>
     <p:spTree>
       <p:nvGrpSpPr>
-        <p:cNvPr id="111" name="Shape 111"/>
+        <p:cNvPr id="107" name="Shape 107"/>
         <p:cNvGrpSpPr/>
         <p:nvPr/>
       </p:nvGrpSpPr>
@@ -6702,7 +6902,7 @@
       </p:grpSpPr>
       <p:sp>
         <p:nvSpPr>
-          <p:cNvPr id="112" name="Google Shape;112;p22"/>
+          <p:cNvPr id="108" name="Google Shape;108;p22"/>
           <p:cNvSpPr txBox="1"/>
           <p:nvPr>
             <p:ph type="title"/>
@@ -6734,7 +6934,7 @@
             </a:pPr>
             <a:r>
               <a:rPr lang="iw"/>
-              <a:t>תוצאות ותוצרים</a:t>
+              <a:t>תהליך העבודה</a:t>
             </a:r>
             <a:endParaRPr/>
           </a:p>
@@ -6742,7 +6942,414 @@
       </p:sp>
       <p:sp>
         <p:nvSpPr>
-          <p:cNvPr id="113" name="Google Shape;113;p22"/>
+          <p:cNvPr id="109" name="Google Shape;109;p22"/>
+          <p:cNvSpPr txBox="1"/>
+          <p:nvPr>
+            <p:ph idx="1" type="body"/>
+          </p:nvPr>
+        </p:nvSpPr>
+        <p:spPr>
+          <a:xfrm>
+            <a:off x="311700" y="1152475"/>
+            <a:ext cx="8520600" cy="3416400"/>
+          </a:xfrm>
+          <a:prstGeom prst="rect">
+            <a:avLst/>
+          </a:prstGeom>
+        </p:spPr>
+        <p:txBody>
+          <a:bodyPr anchorCtr="0" anchor="t" bIns="91425" lIns="91425" spcFirstLastPara="1" rIns="91425" wrap="square" tIns="91425">
+            <a:normAutofit/>
+          </a:bodyPr>
+          <a:lstStyle/>
+          <a:p>
+            <a:pPr indent="-342900" lvl="0" marL="457200" rtl="1" algn="r">
+              <a:spcBef>
+                <a:spcPts val="0"/>
+              </a:spcBef>
+              <a:spcAft>
+                <a:spcPts val="0"/>
+              </a:spcAft>
+              <a:buSzPts val="1800"/>
+              <a:buChar char="●"/>
+            </a:pPr>
+            <a:r>
+              <a:rPr lang="iw"/>
+              <a:t>חילוץ תמונות מווידאו על ידי הכלי: video2Images.py</a:t>
+            </a:r>
+            <a:endParaRPr/>
+          </a:p>
+          <a:p>
+            <a:pPr indent="0" lvl="0" marL="457200" rtl="1" algn="r">
+              <a:spcBef>
+                <a:spcPts val="1200"/>
+              </a:spcBef>
+              <a:spcAft>
+                <a:spcPts val="0"/>
+              </a:spcAft>
+              <a:buNone/>
+            </a:pPr>
+            <a:r>
+              <a:t/>
+            </a:r>
+            <a:endParaRPr/>
+          </a:p>
+          <a:p>
+            <a:pPr indent="-342900" lvl="0" marL="457200" rtl="1" algn="r">
+              <a:spcBef>
+                <a:spcPts val="1200"/>
+              </a:spcBef>
+              <a:spcAft>
+                <a:spcPts val="0"/>
+              </a:spcAft>
+              <a:buSzPts val="1800"/>
+              <a:buChar char="●"/>
+            </a:pPr>
+            <a:r>
+              <a:rPr lang="iw"/>
+              <a:t>הפקת ענני נקודות על ידי הכלי: images2PointCloud.py</a:t>
+            </a:r>
+            <a:endParaRPr/>
+          </a:p>
+          <a:p>
+            <a:pPr indent="0" lvl="0" marL="457200" rtl="1" algn="r">
+              <a:spcBef>
+                <a:spcPts val="1200"/>
+              </a:spcBef>
+              <a:spcAft>
+                <a:spcPts val="0"/>
+              </a:spcAft>
+              <a:buNone/>
+            </a:pPr>
+            <a:r>
+              <a:t/>
+            </a:r>
+            <a:endParaRPr/>
+          </a:p>
+          <a:p>
+            <a:pPr indent="-342900" lvl="0" marL="457200" rtl="1" algn="r">
+              <a:spcBef>
+                <a:spcPts val="1200"/>
+              </a:spcBef>
+              <a:spcAft>
+                <a:spcPts val="0"/>
+              </a:spcAft>
+              <a:buSzPts val="1800"/>
+              <a:buChar char="●"/>
+            </a:pPr>
+            <a:r>
+              <a:rPr lang="iw"/>
+              <a:t>שילוב של כל שני ענני נקודות ליצירת ענן נקודות גדול ואחיד</a:t>
+            </a:r>
+            <a:endParaRPr sz="2000"/>
+          </a:p>
+        </p:txBody>
+      </p:sp>
+    </p:spTree>
+  </p:cSld>
+  <p:clrMapOvr>
+    <a:masterClrMapping/>
+  </p:clrMapOvr>
+</p:sld>
+</file>
+
+<file path=ppt/slides/slide11.xml><?xml version="1.0" encoding="utf-8"?>
+<p:sld xmlns:a="http://schemas.openxmlformats.org/drawingml/2006/main" xmlns:r="http://schemas.openxmlformats.org/officeDocument/2006/relationships" xmlns:mc="http://schemas.openxmlformats.org/markup-compatibility/2006" xmlns:mv="urn:schemas-microsoft-com:mac:vml" xmlns:p="http://schemas.openxmlformats.org/presentationml/2006/main" xmlns:c="http://schemas.openxmlformats.org/drawingml/2006/chart" xmlns:dgm="http://schemas.openxmlformats.org/drawingml/2006/diagram" xmlns:o="urn:schemas-microsoft-com:office:office" xmlns:v="urn:schemas-microsoft-com:vml" xmlns:pvml="urn:schemas-microsoft-com:office:powerpoint" xmlns:com="http://schemas.openxmlformats.org/drawingml/2006/compatibility" xmlns:p14="http://schemas.microsoft.com/office/powerpoint/2010/main" xmlns:p15="http://schemas.microsoft.com/office/powerpoint/2012/main" xmlns:ahyp="http://schemas.microsoft.com/office/drawing/2018/hyperlinkcolor">
+  <p:cSld>
+    <p:spTree>
+      <p:nvGrpSpPr>
+        <p:cNvPr id="113" name="Shape 113"/>
+        <p:cNvGrpSpPr/>
+        <p:nvPr/>
+      </p:nvGrpSpPr>
+      <p:grpSpPr>
+        <a:xfrm>
+          <a:off x="0" y="0"/>
+          <a:ext cx="0" cy="0"/>
+          <a:chOff x="0" y="0"/>
+          <a:chExt cx="0" cy="0"/>
+        </a:xfrm>
+      </p:grpSpPr>
+      <p:sp>
+        <p:nvSpPr>
+          <p:cNvPr id="114" name="Google Shape;114;p23"/>
+          <p:cNvSpPr txBox="1"/>
+          <p:nvPr/>
+        </p:nvSpPr>
+        <p:spPr>
+          <a:xfrm>
+            <a:off x="2247450" y="668350"/>
+            <a:ext cx="4649100" cy="569400"/>
+          </a:xfrm>
+          <a:prstGeom prst="rect">
+            <a:avLst/>
+          </a:prstGeom>
+          <a:noFill/>
+          <a:ln>
+            <a:noFill/>
+          </a:ln>
+        </p:spPr>
+        <p:txBody>
+          <a:bodyPr anchorCtr="0" anchor="t" bIns="91425" lIns="91425" spcFirstLastPara="1" rIns="91425" wrap="square" tIns="91425">
+            <a:spAutoFit/>
+          </a:bodyPr>
+          <a:lstStyle/>
+          <a:p>
+            <a:pPr indent="0" lvl="0" marL="0" rtl="1" algn="ctr">
+              <a:spcBef>
+                <a:spcPts val="0"/>
+              </a:spcBef>
+              <a:spcAft>
+                <a:spcPts val="0"/>
+              </a:spcAft>
+              <a:buNone/>
+            </a:pPr>
+            <a:r>
+              <a:rPr lang="iw" sz="2500">
+                <a:solidFill>
+                  <a:schemeClr val="dk1"/>
+                </a:solidFill>
+              </a:rPr>
+              <a:t>תוצאות ותוצרים</a:t>
+            </a:r>
+            <a:endParaRPr sz="2500">
+              <a:solidFill>
+                <a:schemeClr val="dk1"/>
+              </a:solidFill>
+            </a:endParaRPr>
+          </a:p>
+        </p:txBody>
+      </p:sp>
+      <p:sp>
+        <p:nvSpPr>
+          <p:cNvPr id="115" name="Google Shape;115;p23"/>
+          <p:cNvSpPr txBox="1"/>
+          <p:nvPr/>
+        </p:nvSpPr>
+        <p:spPr>
+          <a:xfrm>
+            <a:off x="2210700" y="1237750"/>
+            <a:ext cx="4722600" cy="461700"/>
+          </a:xfrm>
+          <a:prstGeom prst="rect">
+            <a:avLst/>
+          </a:prstGeom>
+          <a:noFill/>
+          <a:ln>
+            <a:noFill/>
+          </a:ln>
+        </p:spPr>
+        <p:txBody>
+          <a:bodyPr anchorCtr="0" anchor="t" bIns="91425" lIns="91425" spcFirstLastPara="1" rIns="91425" wrap="square" tIns="91425">
+            <a:spAutoFit/>
+          </a:bodyPr>
+          <a:lstStyle/>
+          <a:p>
+            <a:pPr indent="0" lvl="0" marL="0" rtl="1" algn="ctr">
+              <a:spcBef>
+                <a:spcPts val="0"/>
+              </a:spcBef>
+              <a:spcAft>
+                <a:spcPts val="0"/>
+              </a:spcAft>
+              <a:buNone/>
+            </a:pPr>
+            <a:r>
+              <a:rPr lang="iw" sz="1800">
+                <a:solidFill>
+                  <a:schemeClr val="dk2"/>
+                </a:solidFill>
+              </a:rPr>
+              <a:t>ענני נקודות בודדים לפני המיזוג</a:t>
+            </a:r>
+            <a:endParaRPr sz="1800">
+              <a:solidFill>
+                <a:schemeClr val="dk2"/>
+              </a:solidFill>
+            </a:endParaRPr>
+          </a:p>
+        </p:txBody>
+      </p:sp>
+      <p:pic>
+        <p:nvPicPr>
+          <p:cNvPr id="116" name="Google Shape;116;p23"/>
+          <p:cNvPicPr preferRelativeResize="0"/>
+          <p:nvPr/>
+        </p:nvPicPr>
+        <p:blipFill>
+          <a:blip r:embed="rId3">
+            <a:alphaModFix/>
+          </a:blip>
+          <a:stretch>
+            <a:fillRect/>
+          </a:stretch>
+        </p:blipFill>
+        <p:spPr>
+          <a:xfrm>
+            <a:off x="936350" y="2003200"/>
+            <a:ext cx="1778529" cy="2738475"/>
+          </a:xfrm>
+          <a:prstGeom prst="rect">
+            <a:avLst/>
+          </a:prstGeom>
+          <a:noFill/>
+          <a:ln>
+            <a:noFill/>
+          </a:ln>
+        </p:spPr>
+      </p:pic>
+      <p:pic>
+        <p:nvPicPr>
+          <p:cNvPr id="117" name="Google Shape;117;p23"/>
+          <p:cNvPicPr preferRelativeResize="0"/>
+          <p:nvPr/>
+        </p:nvPicPr>
+        <p:blipFill>
+          <a:blip r:embed="rId4">
+            <a:alphaModFix/>
+          </a:blip>
+          <a:stretch>
+            <a:fillRect/>
+          </a:stretch>
+        </p:blipFill>
+        <p:spPr>
+          <a:xfrm>
+            <a:off x="3001165" y="2003122"/>
+            <a:ext cx="1570824" cy="2738622"/>
+          </a:xfrm>
+          <a:prstGeom prst="rect">
+            <a:avLst/>
+          </a:prstGeom>
+          <a:noFill/>
+          <a:ln>
+            <a:noFill/>
+          </a:ln>
+        </p:spPr>
+      </p:pic>
+      <p:pic>
+        <p:nvPicPr>
+          <p:cNvPr id="118" name="Google Shape;118;p23"/>
+          <p:cNvPicPr preferRelativeResize="0"/>
+          <p:nvPr/>
+        </p:nvPicPr>
+        <p:blipFill>
+          <a:blip r:embed="rId5">
+            <a:alphaModFix/>
+          </a:blip>
+          <a:stretch>
+            <a:fillRect/>
+          </a:stretch>
+        </p:blipFill>
+        <p:spPr>
+          <a:xfrm>
+            <a:off x="4751952" y="2020101"/>
+            <a:ext cx="1570824" cy="2738475"/>
+          </a:xfrm>
+          <a:prstGeom prst="rect">
+            <a:avLst/>
+          </a:prstGeom>
+          <a:noFill/>
+          <a:ln>
+            <a:noFill/>
+          </a:ln>
+        </p:spPr>
+      </p:pic>
+      <p:pic>
+        <p:nvPicPr>
+          <p:cNvPr id="119" name="Google Shape;119;p23"/>
+          <p:cNvPicPr preferRelativeResize="0"/>
+          <p:nvPr/>
+        </p:nvPicPr>
+        <p:blipFill>
+          <a:blip r:embed="rId6">
+            <a:alphaModFix/>
+          </a:blip>
+          <a:stretch>
+            <a:fillRect/>
+          </a:stretch>
+        </p:blipFill>
+        <p:spPr>
+          <a:xfrm>
+            <a:off x="6543574" y="2020016"/>
+            <a:ext cx="1570824" cy="2738559"/>
+          </a:xfrm>
+          <a:prstGeom prst="rect">
+            <a:avLst/>
+          </a:prstGeom>
+          <a:noFill/>
+          <a:ln>
+            <a:noFill/>
+          </a:ln>
+        </p:spPr>
+      </p:pic>
+    </p:spTree>
+  </p:cSld>
+  <p:clrMapOvr>
+    <a:masterClrMapping/>
+  </p:clrMapOvr>
+</p:sld>
+</file>
+
+<file path=ppt/slides/slide12.xml><?xml version="1.0" encoding="utf-8"?>
+<p:sld xmlns:a="http://schemas.openxmlformats.org/drawingml/2006/main" xmlns:r="http://schemas.openxmlformats.org/officeDocument/2006/relationships" xmlns:mc="http://schemas.openxmlformats.org/markup-compatibility/2006" xmlns:mv="urn:schemas-microsoft-com:mac:vml" xmlns:p="http://schemas.openxmlformats.org/presentationml/2006/main" xmlns:c="http://schemas.openxmlformats.org/drawingml/2006/chart" xmlns:dgm="http://schemas.openxmlformats.org/drawingml/2006/diagram" xmlns:o="urn:schemas-microsoft-com:office:office" xmlns:v="urn:schemas-microsoft-com:vml" xmlns:pvml="urn:schemas-microsoft-com:office:powerpoint" xmlns:com="http://schemas.openxmlformats.org/drawingml/2006/compatibility" xmlns:p14="http://schemas.microsoft.com/office/powerpoint/2010/main" xmlns:p15="http://schemas.microsoft.com/office/powerpoint/2012/main" xmlns:ahyp="http://schemas.microsoft.com/office/drawing/2018/hyperlinkcolor">
+  <p:cSld>
+    <p:spTree>
+      <p:nvGrpSpPr>
+        <p:cNvPr id="123" name="Shape 123"/>
+        <p:cNvGrpSpPr/>
+        <p:nvPr/>
+      </p:nvGrpSpPr>
+      <p:grpSpPr>
+        <a:xfrm>
+          <a:off x="0" y="0"/>
+          <a:ext cx="0" cy="0"/>
+          <a:chOff x="0" y="0"/>
+          <a:chExt cx="0" cy="0"/>
+        </a:xfrm>
+      </p:grpSpPr>
+      <p:sp>
+        <p:nvSpPr>
+          <p:cNvPr id="124" name="Google Shape;124;p24"/>
+          <p:cNvSpPr txBox="1"/>
+          <p:nvPr>
+            <p:ph type="title"/>
+          </p:nvPr>
+        </p:nvSpPr>
+        <p:spPr>
+          <a:xfrm>
+            <a:off x="311700" y="445025"/>
+            <a:ext cx="8520600" cy="572700"/>
+          </a:xfrm>
+          <a:prstGeom prst="rect">
+            <a:avLst/>
+          </a:prstGeom>
+        </p:spPr>
+        <p:txBody>
+          <a:bodyPr anchorCtr="0" anchor="t" bIns="91425" lIns="91425" spcFirstLastPara="1" rIns="91425" wrap="square" tIns="91425">
+            <a:normAutofit fontScale="90000"/>
+          </a:bodyPr>
+          <a:lstStyle/>
+          <a:p>
+            <a:pPr indent="0" lvl="0" marL="0" rtl="1" algn="ctr">
+              <a:spcBef>
+                <a:spcPts val="0"/>
+              </a:spcBef>
+              <a:spcAft>
+                <a:spcPts val="0"/>
+              </a:spcAft>
+              <a:buNone/>
+            </a:pPr>
+            <a:r>
+              <a:rPr lang="iw"/>
+              <a:t>תוצאות ותוצרים</a:t>
+            </a:r>
+            <a:endParaRPr/>
+          </a:p>
+        </p:txBody>
+      </p:sp>
+      <p:sp>
+        <p:nvSpPr>
+          <p:cNvPr id="125" name="Google Shape;125;p24"/>
           <p:cNvSpPr txBox="1"/>
           <p:nvPr/>
         </p:nvSpPr>
@@ -6792,7 +7399,7 @@
       </p:sp>
       <p:pic>
         <p:nvPicPr>
-          <p:cNvPr id="114" name="Google Shape;114;p22"/>
+          <p:cNvPr id="126" name="Google Shape;126;p24"/>
           <p:cNvPicPr preferRelativeResize="0"/>
           <p:nvPr/>
         </p:nvPicPr>
@@ -6826,12 +7433,12 @@
 </p:sld>
 </file>
 
-<file path=ppt/slides/slide11.xml><?xml version="1.0" encoding="utf-8"?>
+<file path=ppt/slides/slide13.xml><?xml version="1.0" encoding="utf-8"?>
 <p:sld xmlns:a="http://schemas.openxmlformats.org/drawingml/2006/main" xmlns:r="http://schemas.openxmlformats.org/officeDocument/2006/relationships" xmlns:mc="http://schemas.openxmlformats.org/markup-compatibility/2006" xmlns:mv="urn:schemas-microsoft-com:mac:vml" xmlns:p="http://schemas.openxmlformats.org/presentationml/2006/main" xmlns:c="http://schemas.openxmlformats.org/drawingml/2006/chart" xmlns:dgm="http://schemas.openxmlformats.org/drawingml/2006/diagram" xmlns:o="urn:schemas-microsoft-com:office:office" xmlns:v="urn:schemas-microsoft-com:vml" xmlns:pvml="urn:schemas-microsoft-com:office:powerpoint" xmlns:com="http://schemas.openxmlformats.org/drawingml/2006/compatibility" xmlns:p14="http://schemas.microsoft.com/office/powerpoint/2010/main" xmlns:p15="http://schemas.microsoft.com/office/powerpoint/2012/main" xmlns:ahyp="http://schemas.microsoft.com/office/drawing/2018/hyperlinkcolor">
   <p:cSld>
     <p:spTree>
       <p:nvGrpSpPr>
-        <p:cNvPr id="118" name="Shape 118"/>
+        <p:cNvPr id="130" name="Shape 130"/>
         <p:cNvGrpSpPr/>
         <p:nvPr/>
       </p:nvGrpSpPr>
@@ -6845,7 +7452,7 @@
       </p:grpSpPr>
       <p:sp>
         <p:nvSpPr>
-          <p:cNvPr id="119" name="Google Shape;119;p23"/>
+          <p:cNvPr id="131" name="Google Shape;131;p25"/>
           <p:cNvSpPr txBox="1"/>
           <p:nvPr>
             <p:ph type="title"/>
@@ -6885,7 +7492,7 @@
       </p:sp>
       <p:sp>
         <p:nvSpPr>
-          <p:cNvPr id="120" name="Google Shape;120;p23"/>
+          <p:cNvPr id="132" name="Google Shape;132;p25"/>
           <p:cNvSpPr txBox="1"/>
           <p:nvPr>
             <p:ph idx="1" type="body"/>
@@ -7065,12 +7672,12 @@
 </p:sld>
 </file>
 
-<file path=ppt/slides/slide12.xml><?xml version="1.0" encoding="utf-8"?>
+<file path=ppt/slides/slide14.xml><?xml version="1.0" encoding="utf-8"?>
 <p:sld xmlns:a="http://schemas.openxmlformats.org/drawingml/2006/main" xmlns:r="http://schemas.openxmlformats.org/officeDocument/2006/relationships" xmlns:mc="http://schemas.openxmlformats.org/markup-compatibility/2006" xmlns:mv="urn:schemas-microsoft-com:mac:vml" xmlns:p="http://schemas.openxmlformats.org/presentationml/2006/main" xmlns:c="http://schemas.openxmlformats.org/drawingml/2006/chart" xmlns:dgm="http://schemas.openxmlformats.org/drawingml/2006/diagram" xmlns:o="urn:schemas-microsoft-com:office:office" xmlns:v="urn:schemas-microsoft-com:vml" xmlns:pvml="urn:schemas-microsoft-com:office:powerpoint" xmlns:com="http://schemas.openxmlformats.org/drawingml/2006/compatibility" xmlns:p14="http://schemas.microsoft.com/office/powerpoint/2010/main" xmlns:p15="http://schemas.microsoft.com/office/powerpoint/2012/main" xmlns:ahyp="http://schemas.microsoft.com/office/drawing/2018/hyperlinkcolor">
   <p:cSld>
     <p:spTree>
       <p:nvGrpSpPr>
-        <p:cNvPr id="124" name="Shape 124"/>
+        <p:cNvPr id="136" name="Shape 136"/>
         <p:cNvGrpSpPr/>
         <p:nvPr/>
       </p:nvGrpSpPr>
@@ -7084,7 +7691,7 @@
       </p:grpSpPr>
       <p:sp>
         <p:nvSpPr>
-          <p:cNvPr id="125" name="Google Shape;125;p24"/>
+          <p:cNvPr id="137" name="Google Shape;137;p26"/>
           <p:cNvSpPr txBox="1"/>
           <p:nvPr>
             <p:ph type="title"/>
@@ -7124,7 +7731,7 @@
       </p:sp>
       <p:sp>
         <p:nvSpPr>
-          <p:cNvPr id="126" name="Google Shape;126;p24"/>
+          <p:cNvPr id="138" name="Google Shape;138;p26"/>
           <p:cNvSpPr txBox="1"/>
           <p:nvPr>
             <p:ph idx="1" type="body"/>
@@ -7640,7 +8247,7 @@
             </a:pPr>
             <a:r>
               <a:rPr lang="iw"/>
-              <a:t>כלים וטכנולוגיות בפרוייקט</a:t>
+              <a:t>חברות מובילות בתחום הפוטוגרמטריה</a:t>
             </a:r>
             <a:endParaRPr/>
           </a:p>
@@ -7669,25 +8276,9 @@
           </a:bodyPr>
           <a:lstStyle/>
           <a:p>
-            <a:pPr indent="0" lvl="0" marL="0" rtl="0" algn="ctr">
-              <a:spcBef>
-                <a:spcPts val="0"/>
-              </a:spcBef>
-              <a:spcAft>
-                <a:spcPts val="0"/>
-              </a:spcAft>
-              <a:buNone/>
-            </a:pPr>
-            <a:r>
-              <a:rPr lang="iw"/>
-              <a:t>Meshroom</a:t>
-            </a:r>
-            <a:endParaRPr/>
-          </a:p>
-          <a:p>
             <a:pPr indent="-342900" lvl="0" marL="457200" rtl="1" algn="r">
               <a:spcBef>
-                <a:spcPts val="1200"/>
+                <a:spcPts val="0"/>
               </a:spcBef>
               <a:spcAft>
                 <a:spcPts val="0"/>
@@ -7697,14 +8288,29 @@
             </a:pPr>
             <a:r>
               <a:rPr lang="iw"/>
-              <a:t>כלי עיבוד פוטוגרמטרי בקוד פתוח שממיר תמונות דו-מימדיות לענני נקודות תלת מימדיים</a:t>
+              <a:t>Pix4D: חברה שוויצרית המתמחה בפיתוח תוכנות לעיבוד תמונות לפוטוגרמטריה כמו Pix4Dmapper</a:t>
             </a:r>
             <a:endParaRPr/>
           </a:p>
           <a:p>
+            <a:pPr indent="0" lvl="0" marL="457200" rtl="1" algn="r">
+              <a:spcBef>
+                <a:spcPts val="1200"/>
+              </a:spcBef>
+              <a:spcAft>
+                <a:spcPts val="0"/>
+              </a:spcAft>
+              <a:buNone/>
+            </a:pPr>
+            <a:r>
+              <a:t/>
+            </a:r>
+            <a:endParaRPr/>
+          </a:p>
+          <a:p>
             <a:pPr indent="-342900" lvl="0" marL="457200" rtl="1" algn="r">
               <a:spcBef>
-                <a:spcPts val="0"/>
+                <a:spcPts val="1200"/>
               </a:spcBef>
               <a:spcAft>
                 <a:spcPts val="0"/>
@@ -7714,7 +8320,7 @@
             </a:pPr>
             <a:r>
               <a:rPr lang="iw"/>
-              <a:t>שימוש פרוייקט: יצירת ענני נקודות מהתמונות שנבחרו לפי איכותן, בעזרת הכלי vide2Images.py, בתהליך אוטומטי על ידי הכלי images2PointCloud.py</a:t>
+              <a:t>Agisoft Metashape: תוכנה מתקדמת לפוטוגרמטריה שמספקת כלים ליצירת מודלים תלת-מימדיים, תצלומי אוויר וסריקות שטח</a:t>
             </a:r>
             <a:endParaRPr/>
           </a:p>
@@ -7724,12 +8330,29 @@
                 <a:spcPts val="1200"/>
               </a:spcBef>
               <a:spcAft>
+                <a:spcPts val="0"/>
+              </a:spcAft>
+              <a:buNone/>
+            </a:pPr>
+            <a:r>
+              <a:t/>
+            </a:r>
+            <a:endParaRPr/>
+          </a:p>
+          <a:p>
+            <a:pPr indent="-342900" lvl="0" marL="457200" rtl="1" algn="r">
+              <a:spcBef>
                 <a:spcPts val="1200"/>
-              </a:spcAft>
-              <a:buNone/>
-            </a:pPr>
-            <a:r>
-              <a:t/>
+              </a:spcBef>
+              <a:spcAft>
+                <a:spcPts val="0"/>
+              </a:spcAft>
+              <a:buSzPts val="1800"/>
+              <a:buChar char="●"/>
+            </a:pPr>
+            <a:r>
+              <a:rPr lang="iw"/>
+              <a:t>DroneDeploy: חברה אמריקאית המתמחה בתוכנות מיפוי וצילום מבוססות רחפנים בדגש על חקלאות, בנייה ותחום האנרגיה</a:t>
             </a:r>
             <a:endParaRPr/>
           </a:p>
@@ -7794,7 +8417,7 @@
             </a:pPr>
             <a:r>
               <a:rPr lang="iw"/>
-              <a:t>כלים וטכנולוגיות בפרוייקט</a:t>
+              <a:t>שלבים מרכזיים בפרויקט</a:t>
             </a:r>
             <a:endParaRPr/>
           </a:p>
@@ -7823,25 +8446,9 @@
           </a:bodyPr>
           <a:lstStyle/>
           <a:p>
-            <a:pPr indent="0" lvl="0" marL="457200" rtl="0" algn="ctr">
-              <a:spcBef>
-                <a:spcPts val="0"/>
-              </a:spcBef>
-              <a:spcAft>
-                <a:spcPts val="0"/>
-              </a:spcAft>
-              <a:buNone/>
-            </a:pPr>
-            <a:r>
-              <a:rPr lang="iw"/>
-              <a:t>CloudCompare</a:t>
-            </a:r>
-            <a:endParaRPr/>
-          </a:p>
-          <a:p>
             <a:pPr indent="-342900" lvl="0" marL="457200" rtl="1" algn="r">
               <a:spcBef>
-                <a:spcPts val="1200"/>
+                <a:spcPts val="0"/>
               </a:spcBef>
               <a:spcAft>
                 <a:spcPts val="0"/>
@@ -7851,14 +8458,29 @@
             </a:pPr>
             <a:r>
               <a:rPr lang="iw"/>
-              <a:t>כלי לעיבוד וניתוח ענני נקודות עם אפשרויות מיזוג ועיבוד מידע תלת-ממדי</a:t>
+              <a:t>בחירות פריימים מיטבית: שימוש בכלי שפיתחנו על מנת למפות פריימים בעלי חדות גבוהה, תנועה מינימלית וחפיפה נמוכה לכיסוי שטח מקסימלי ושיפור ענן הנקודות</a:t>
             </a:r>
             <a:endParaRPr/>
           </a:p>
           <a:p>
+            <a:pPr indent="0" lvl="0" marL="457200" rtl="1" algn="r">
+              <a:spcBef>
+                <a:spcPts val="1200"/>
+              </a:spcBef>
+              <a:spcAft>
+                <a:spcPts val="0"/>
+              </a:spcAft>
+              <a:buNone/>
+            </a:pPr>
+            <a:r>
+              <a:t/>
+            </a:r>
+            <a:endParaRPr/>
+          </a:p>
+          <a:p>
             <a:pPr indent="-342900" lvl="0" marL="457200" rtl="1" algn="r">
               <a:spcBef>
-                <a:spcPts val="0"/>
+                <a:spcPts val="1200"/>
               </a:spcBef>
               <a:spcAft>
                 <a:spcPts val="0"/>
@@ -7868,7 +8490,7 @@
             </a:pPr>
             <a:r>
               <a:rPr lang="iw"/>
-              <a:t>שימוש בפרויקט: מיזוג שני ענני נקודות (שהופקו ב-Meshroom) בעזרת הכלי combinePointClouds.py למודל אחיד.</a:t>
+              <a:t>יצירת ענני נקודות: שימוש בכלי שפיתחנו ו- Meshroom ליצירת ענני נקודות מדוייקים מהפריימים שנבחרו</a:t>
             </a:r>
             <a:endParaRPr/>
           </a:p>
@@ -7878,12 +8500,29 @@
                 <a:spcPts val="1200"/>
               </a:spcBef>
               <a:spcAft>
+                <a:spcPts val="0"/>
+              </a:spcAft>
+              <a:buNone/>
+            </a:pPr>
+            <a:r>
+              <a:t/>
+            </a:r>
+            <a:endParaRPr/>
+          </a:p>
+          <a:p>
+            <a:pPr indent="-342900" lvl="0" marL="457200" rtl="1" algn="r">
+              <a:spcBef>
                 <a:spcPts val="1200"/>
-              </a:spcAft>
-              <a:buNone/>
-            </a:pPr>
-            <a:r>
-              <a:t/>
+              </a:spcBef>
+              <a:spcAft>
+                <a:spcPts val="0"/>
+              </a:spcAft>
+              <a:buSzPts val="1800"/>
+              <a:buChar char="●"/>
+            </a:pPr>
+            <a:r>
+              <a:rPr lang="iw"/>
+              <a:t>מיזוג עננים: שילוב ענני נקודות ממספר סרטונים כדי ליצור מבנה תלת-מימדי גדול</a:t>
             </a:r>
             <a:endParaRPr/>
           </a:p>
@@ -7977,7 +8616,7 @@
           </a:bodyPr>
           <a:lstStyle/>
           <a:p>
-            <a:pPr indent="0" lvl="0" marL="457200" rtl="0" algn="ctr">
+            <a:pPr indent="0" lvl="0" marL="0" rtl="0" algn="ctr">
               <a:spcBef>
                 <a:spcPts val="0"/>
               </a:spcBef>
@@ -7988,7 +8627,7 @@
             </a:pPr>
             <a:r>
               <a:rPr lang="iw"/>
-              <a:t>video2Images.py</a:t>
+              <a:t>Meshroom</a:t>
             </a:r>
             <a:endParaRPr/>
           </a:p>
@@ -8005,14 +8644,29 @@
             </a:pPr>
             <a:r>
               <a:rPr lang="iw"/>
-              <a:t>סקריפט שמחלץ פריימים מווידאו ומסנן אותם לפי חדות ותנועה</a:t>
+              <a:t>כלי עיבוד פוטוגרמטרי בקוד פתוח שממיר תמונות דו-מימדיות לענני נקודות תלת מימדיים</a:t>
             </a:r>
             <a:endParaRPr/>
           </a:p>
           <a:p>
+            <a:pPr indent="0" lvl="0" marL="457200" rtl="1" algn="r">
+              <a:spcBef>
+                <a:spcPts val="1200"/>
+              </a:spcBef>
+              <a:spcAft>
+                <a:spcPts val="0"/>
+              </a:spcAft>
+              <a:buNone/>
+            </a:pPr>
+            <a:r>
+              <a:t/>
+            </a:r>
+            <a:endParaRPr/>
+          </a:p>
+          <a:p>
             <a:pPr indent="-342900" lvl="0" marL="457200" rtl="1" algn="r">
               <a:spcBef>
-                <a:spcPts val="0"/>
+                <a:spcPts val="1200"/>
               </a:spcBef>
               <a:spcAft>
                 <a:spcPts val="0"/>
@@ -8022,63 +8676,22 @@
             </a:pPr>
             <a:r>
               <a:rPr lang="iw"/>
-              <a:t>שימוש בפרויקט: מיצוי תמונות באיכות הגבוהה ביותר</a:t>
+              <a:t>שימוש פרוייקט: יצירת ענני נקודות מהתמונות שנבחרו לפי איכותן, בעזרת הכלי vide2Images.py, בתהליך אוטומטי על ידי הכלי images2PointCloud.py</a:t>
             </a:r>
             <a:endParaRPr/>
           </a:p>
           <a:p>
-            <a:pPr indent="-342900" lvl="0" marL="457200" rtl="1" algn="r">
-              <a:spcBef>
-                <a:spcPts val="0"/>
-              </a:spcBef>
-              <a:spcAft>
-                <a:spcPts val="0"/>
-              </a:spcAft>
-              <a:buSzPts val="1800"/>
-              <a:buChar char="●"/>
-            </a:pPr>
-            <a:r>
-              <a:rPr lang="iw"/>
-              <a:t>פונקציות עיקריות:</a:t>
-            </a:r>
-            <a:br>
-              <a:rPr lang="iw"/>
-            </a:br>
-            <a:r>
-              <a:rPr lang="iw"/>
-              <a:t>1. calculate_sharpness: מחשבת את מידת הבהירות/חדות של פריים</a:t>
-            </a:r>
-            <a:endParaRPr/>
-          </a:p>
-          <a:p>
             <a:pPr indent="0" lvl="0" marL="457200" rtl="1" algn="r">
               <a:spcBef>
                 <a:spcPts val="1200"/>
               </a:spcBef>
               <a:spcAft>
-                <a:spcPts val="0"/>
-              </a:spcAft>
-              <a:buNone/>
-            </a:pPr>
-            <a:r>
-              <a:rPr lang="iw"/>
-              <a:t>2. estimate_mothin: מודדת מהירות תנועה בין פריים לפריים</a:t>
-            </a:r>
-            <a:endParaRPr/>
-          </a:p>
-          <a:p>
-            <a:pPr indent="0" lvl="0" marL="457200" rtl="1" algn="r">
-              <a:spcBef>
                 <a:spcPts val="1200"/>
-              </a:spcBef>
-              <a:spcAft>
-                <a:spcPts val="1200"/>
-              </a:spcAft>
-              <a:buNone/>
-            </a:pPr>
-            <a:r>
-              <a:rPr lang="iw"/>
-              <a:t>3. capture_best_frames: שומרת את הפריימים הנבחרים בתיקייה שהוגדרה</a:t>
+              </a:spcAft>
+              <a:buNone/>
+            </a:pPr>
+            <a:r>
+              <a:t/>
             </a:r>
             <a:endParaRPr/>
           </a:p>
@@ -8183,7 +8796,7 @@
             </a:pPr>
             <a:r>
               <a:rPr lang="iw"/>
-              <a:t>images2PointCloud.py</a:t>
+              <a:t>CloudCompare</a:t>
             </a:r>
             <a:endParaRPr/>
           </a:p>
@@ -8200,14 +8813,29 @@
             </a:pPr>
             <a:r>
               <a:rPr lang="iw"/>
-              <a:t>סקריפט שמפעיל את Meshroom על התמונות ליצירת ענני נקודות</a:t>
+              <a:t>כלי לעיבוד וניתוח ענני נקודות עם אפשרויות מיזוג ועיבוד מידע תלת-ממדי</a:t>
             </a:r>
             <a:endParaRPr/>
           </a:p>
           <a:p>
+            <a:pPr indent="0" lvl="0" marL="457200" rtl="1" algn="r">
+              <a:spcBef>
+                <a:spcPts val="1200"/>
+              </a:spcBef>
+              <a:spcAft>
+                <a:spcPts val="0"/>
+              </a:spcAft>
+              <a:buNone/>
+            </a:pPr>
+            <a:r>
+              <a:t/>
+            </a:r>
+            <a:endParaRPr/>
+          </a:p>
+          <a:p>
             <a:pPr indent="-342900" lvl="0" marL="457200" rtl="1" algn="r">
               <a:spcBef>
-                <a:spcPts val="0"/>
+                <a:spcPts val="1200"/>
               </a:spcBef>
               <a:spcAft>
                 <a:spcPts val="0"/>
@@ -8217,7 +8845,22 @@
             </a:pPr>
             <a:r>
               <a:rPr lang="iw"/>
-              <a:t>שימוש בפרויקט: עיבוד אוטומטי ליצירת ענני נקודות מכל קבוצה נתונה של תמונות ושמירה של ענן נקודות בתיקיה שהוגדרה</a:t>
+              <a:t>שימוש בפרויקט: מיזוג שני ענני נקודות (שהופקו ב-Meshroom) בעזרת הכלי combinePointClouds.py למודל אחיד.</a:t>
+            </a:r>
+            <a:endParaRPr/>
+          </a:p>
+          <a:p>
+            <a:pPr indent="0" lvl="0" marL="457200" rtl="1" algn="r">
+              <a:spcBef>
+                <a:spcPts val="1200"/>
+              </a:spcBef>
+              <a:spcAft>
+                <a:spcPts val="1200"/>
+              </a:spcAft>
+              <a:buNone/>
+            </a:pPr>
+            <a:r>
+              <a:t/>
             </a:r>
             <a:endParaRPr/>
           </a:p>
@@ -8322,7 +8965,7 @@
             </a:pPr>
             <a:r>
               <a:rPr lang="iw"/>
-              <a:t>combinePointCloud.py</a:t>
+              <a:t>video2Images.py</a:t>
             </a:r>
             <a:endParaRPr/>
           </a:p>
@@ -8339,7 +8982,7 @@
             </a:pPr>
             <a:r>
               <a:rPr lang="iw"/>
-              <a:t>סקריפט שממזג שני ענני נקודות ליצירת מודל אחיד באמצעות CloudCompare</a:t>
+              <a:t>סקריפט שמחלץ פריימים מווידאו ומסנן אותם לפי חדות ותנועה</a:t>
             </a:r>
             <a:endParaRPr/>
           </a:p>
@@ -8356,7 +8999,7 @@
             </a:pPr>
             <a:r>
               <a:rPr lang="iw"/>
-              <a:t>שימוש בפרויקט: מבצע מיזוג בין העננים הסופיים למודל אחד</a:t>
+              <a:t>שימוש בפרויקט: מיצוי תמונות באיכות הגבוהה ביותר</a:t>
             </a:r>
             <a:endParaRPr/>
           </a:p>
@@ -8373,31 +9016,46 @@
             </a:pPr>
             <a:r>
               <a:rPr lang="iw"/>
-              <a:t>שימוש ב ICP בכלי:</a:t>
+              <a:t>פונקציות עיקריות:</a:t>
             </a:r>
             <a:br>
               <a:rPr lang="iw"/>
             </a:br>
             <a:r>
               <a:rPr lang="iw"/>
-              <a:t>ICP הינו אלגוריתם שמטרתו "ליישר" שני ענני נקודות במרחב כך שהם יתאימו זה לזה בצורה הטובה ביותר</a:t>
+              <a:t>1. calculate_sharpness: מחשבת את מידת הבהירות/חדות של פריים</a:t>
             </a:r>
             <a:endParaRPr/>
           </a:p>
           <a:p>
-            <a:pPr indent="-342900" lvl="0" marL="457200" rtl="1" algn="r">
-              <a:spcBef>
-                <a:spcPts val="0"/>
-              </a:spcBef>
-              <a:spcAft>
-                <a:spcPts val="0"/>
-              </a:spcAft>
-              <a:buSzPts val="1800"/>
-              <a:buChar char="●"/>
+            <a:pPr indent="0" lvl="0" marL="457200" rtl="1" algn="r">
+              <a:spcBef>
+                <a:spcPts val="1200"/>
+              </a:spcBef>
+              <a:spcAft>
+                <a:spcPts val="0"/>
+              </a:spcAft>
+              <a:buNone/>
             </a:pPr>
             <a:r>
               <a:rPr lang="iw"/>
-              <a:t>השתמשנו ב-ICP כדי ליישר את שתי ענני הנקודות לפני המיזוג שלהם כך שהם יתאימו זה לזה במרחב וייצרו ענן נקודות מדוייק</a:t>
+              <a:t>2. estimate_mothin: מודדת מהירות תנועה בין פריים לפריים</a:t>
+            </a:r>
+            <a:endParaRPr/>
+          </a:p>
+          <a:p>
+            <a:pPr indent="0" lvl="0" marL="457200" rtl="1" algn="r">
+              <a:spcBef>
+                <a:spcPts val="1200"/>
+              </a:spcBef>
+              <a:spcAft>
+                <a:spcPts val="1200"/>
+              </a:spcAft>
+              <a:buNone/>
+            </a:pPr>
+            <a:r>
+              <a:rPr lang="iw"/>
+              <a:t>3. capture_best_frames: שומרת את הפריימים הנבחרים בתיקייה שהוגדרה</a:t>
             </a:r>
             <a:endParaRPr/>
           </a:p>
@@ -8462,7 +9120,7 @@
             </a:pPr>
             <a:r>
               <a:rPr lang="iw"/>
-              <a:t>תהליך העבודה</a:t>
+              <a:t>כלים וטכנולוגיות בפרוייקט</a:t>
             </a:r>
             <a:endParaRPr/>
           </a:p>
@@ -8491,9 +9149,25 @@
           </a:bodyPr>
           <a:lstStyle/>
           <a:p>
+            <a:pPr indent="0" lvl="0" marL="457200" rtl="0" algn="ctr">
+              <a:spcBef>
+                <a:spcPts val="0"/>
+              </a:spcBef>
+              <a:spcAft>
+                <a:spcPts val="0"/>
+              </a:spcAft>
+              <a:buNone/>
+            </a:pPr>
+            <a:r>
+              <a:rPr lang="iw"/>
+              <a:t>images2PointCloud.py</a:t>
+            </a:r>
+            <a:endParaRPr/>
+          </a:p>
+          <a:p>
             <a:pPr indent="-342900" lvl="0" marL="457200" rtl="1" algn="r">
               <a:spcBef>
-                <a:spcPts val="0"/>
+                <a:spcPts val="1200"/>
               </a:spcBef>
               <a:spcAft>
                 <a:spcPts val="0"/>
@@ -8503,14 +9177,29 @@
             </a:pPr>
             <a:r>
               <a:rPr lang="iw"/>
-              <a:t>חילוץ תמונות מווידאו על ידי הכלי: video2Images.py</a:t>
+              <a:t>סקריפט שמפעיל את Meshroom על התמונות ליצירת ענני נקודות</a:t>
             </a:r>
             <a:endParaRPr/>
           </a:p>
           <a:p>
+            <a:pPr indent="0" lvl="0" marL="457200" rtl="1" algn="r">
+              <a:spcBef>
+                <a:spcPts val="1200"/>
+              </a:spcBef>
+              <a:spcAft>
+                <a:spcPts val="0"/>
+              </a:spcAft>
+              <a:buNone/>
+            </a:pPr>
+            <a:r>
+              <a:t/>
+            </a:r>
+            <a:endParaRPr/>
+          </a:p>
+          <a:p>
             <a:pPr indent="-342900" lvl="0" marL="457200" rtl="1" algn="r">
               <a:spcBef>
-                <a:spcPts val="0"/>
+                <a:spcPts val="1200"/>
               </a:spcBef>
               <a:spcAft>
                 <a:spcPts val="0"/>
@@ -8520,26 +9209,9 @@
             </a:pPr>
             <a:r>
               <a:rPr lang="iw"/>
-              <a:t>הפקת ענני נקודות על ידי הכלי: images2PointCloud.py</a:t>
+              <a:t>שימוש בפרויקט: עיבוד אוטומטי ליצירת ענני נקודות מכל קבוצה נתונה של תמונות ושמירה של ענן נקודות בתיקיה שהוגדרה</a:t>
             </a:r>
             <a:endParaRPr/>
-          </a:p>
-          <a:p>
-            <a:pPr indent="-342900" lvl="0" marL="457200" rtl="1" algn="r">
-              <a:spcBef>
-                <a:spcPts val="0"/>
-              </a:spcBef>
-              <a:spcAft>
-                <a:spcPts val="0"/>
-              </a:spcAft>
-              <a:buSzPts val="1800"/>
-              <a:buChar char="●"/>
-            </a:pPr>
-            <a:r>
-              <a:rPr lang="iw"/>
-              <a:t>שילוב של כל שני ענני נקודות ליצירת ענן נקודות גדול ואחיד</a:t>
-            </a:r>
-            <a:endParaRPr sz="2000"/>
           </a:p>
         </p:txBody>
       </p:sp>
@@ -8572,24 +9244,22 @@
         <p:nvSpPr>
           <p:cNvPr id="102" name="Google Shape;102;p21"/>
           <p:cNvSpPr txBox="1"/>
-          <p:nvPr/>
+          <p:nvPr>
+            <p:ph type="title"/>
+          </p:nvPr>
         </p:nvSpPr>
         <p:spPr>
           <a:xfrm>
-            <a:off x="2247450" y="668350"/>
-            <a:ext cx="4649100" cy="569400"/>
+            <a:off x="311700" y="445025"/>
+            <a:ext cx="8520600" cy="572700"/>
           </a:xfrm>
           <a:prstGeom prst="rect">
             <a:avLst/>
           </a:prstGeom>
-          <a:noFill/>
-          <a:ln>
-            <a:noFill/>
-          </a:ln>
         </p:spPr>
         <p:txBody>
           <a:bodyPr anchorCtr="0" anchor="t" bIns="91425" lIns="91425" spcFirstLastPara="1" rIns="91425" wrap="square" tIns="91425">
-            <a:spAutoFit/>
+            <a:normAutofit fontScale="90000"/>
           </a:bodyPr>
           <a:lstStyle/>
           <a:p>
@@ -8603,18 +9273,10 @@
               <a:buNone/>
             </a:pPr>
             <a:r>
-              <a:rPr lang="iw" sz="2500">
-                <a:solidFill>
-                  <a:schemeClr val="dk1"/>
-                </a:solidFill>
-              </a:rPr>
-              <a:t>תוצאות ותוצרים</a:t>
-            </a:r>
-            <a:endParaRPr sz="2500">
-              <a:solidFill>
-                <a:schemeClr val="dk1"/>
-              </a:solidFill>
-            </a:endParaRPr>
+              <a:rPr lang="iw"/>
+              <a:t>כלים וטכנולוגיות בפרוייקט</a:t>
+            </a:r>
+            <a:endParaRPr/>
           </a:p>
         </p:txBody>
       </p:sp>
@@ -8622,164 +9284,117 @@
         <p:nvSpPr>
           <p:cNvPr id="103" name="Google Shape;103;p21"/>
           <p:cNvSpPr txBox="1"/>
-          <p:nvPr/>
+          <p:nvPr>
+            <p:ph idx="1" type="body"/>
+          </p:nvPr>
         </p:nvSpPr>
         <p:spPr>
           <a:xfrm>
-            <a:off x="2210700" y="1237750"/>
-            <a:ext cx="4722600" cy="461700"/>
+            <a:off x="311700" y="1152475"/>
+            <a:ext cx="8520600" cy="3416400"/>
           </a:xfrm>
           <a:prstGeom prst="rect">
             <a:avLst/>
           </a:prstGeom>
-          <a:noFill/>
-          <a:ln>
-            <a:noFill/>
-          </a:ln>
         </p:spPr>
         <p:txBody>
           <a:bodyPr anchorCtr="0" anchor="t" bIns="91425" lIns="91425" spcFirstLastPara="1" rIns="91425" wrap="square" tIns="91425">
-            <a:spAutoFit/>
+            <a:normAutofit/>
           </a:bodyPr>
           <a:lstStyle/>
           <a:p>
-            <a:pPr indent="0" lvl="0" marL="0" rtl="1" algn="ctr">
-              <a:spcBef>
-                <a:spcPts val="0"/>
-              </a:spcBef>
-              <a:spcAft>
-                <a:spcPts val="0"/>
-              </a:spcAft>
-              <a:buNone/>
-            </a:pPr>
-            <a:r>
-              <a:rPr lang="iw" sz="1800">
-                <a:solidFill>
-                  <a:schemeClr val="dk2"/>
-                </a:solidFill>
-              </a:rPr>
-              <a:t>ענני נקודות בודדים לפני המיזוג</a:t>
-            </a:r>
-            <a:endParaRPr sz="1800">
-              <a:solidFill>
-                <a:schemeClr val="dk2"/>
-              </a:solidFill>
-            </a:endParaRPr>
+            <a:pPr indent="0" lvl="0" marL="457200" rtl="0" algn="ctr">
+              <a:spcBef>
+                <a:spcPts val="0"/>
+              </a:spcBef>
+              <a:spcAft>
+                <a:spcPts val="0"/>
+              </a:spcAft>
+              <a:buNone/>
+            </a:pPr>
+            <a:r>
+              <a:rPr lang="iw"/>
+              <a:t>combinePointCloud.py</a:t>
+            </a:r>
+            <a:endParaRPr/>
+          </a:p>
+          <a:p>
+            <a:pPr indent="-342900" lvl="0" marL="457200" rtl="1" algn="r">
+              <a:spcBef>
+                <a:spcPts val="1200"/>
+              </a:spcBef>
+              <a:spcAft>
+                <a:spcPts val="0"/>
+              </a:spcAft>
+              <a:buSzPts val="1800"/>
+              <a:buChar char="●"/>
+            </a:pPr>
+            <a:r>
+              <a:rPr lang="iw"/>
+              <a:t>סקריפט שממזג שני ענני נקודות ליצירת מודל אחיד באמצעות CloudCompare</a:t>
+            </a:r>
+            <a:endParaRPr/>
+          </a:p>
+          <a:p>
+            <a:pPr indent="-342900" lvl="0" marL="457200" rtl="1" algn="r">
+              <a:spcBef>
+                <a:spcPts val="0"/>
+              </a:spcBef>
+              <a:spcAft>
+                <a:spcPts val="0"/>
+              </a:spcAft>
+              <a:buSzPts val="1800"/>
+              <a:buChar char="●"/>
+            </a:pPr>
+            <a:r>
+              <a:rPr lang="iw"/>
+              <a:t>שימוש בפרויקט: מבצע מיזוג בין העננים הסופיים למודל אחד</a:t>
+            </a:r>
+            <a:endParaRPr/>
+          </a:p>
+          <a:p>
+            <a:pPr indent="-342900" lvl="0" marL="457200" rtl="1" algn="r">
+              <a:spcBef>
+                <a:spcPts val="0"/>
+              </a:spcBef>
+              <a:spcAft>
+                <a:spcPts val="0"/>
+              </a:spcAft>
+              <a:buSzPts val="1800"/>
+              <a:buChar char="●"/>
+            </a:pPr>
+            <a:r>
+              <a:rPr lang="iw"/>
+              <a:t>שימוש ב ICP בכלי:</a:t>
+            </a:r>
+            <a:br>
+              <a:rPr lang="iw"/>
+            </a:br>
+            <a:r>
+              <a:rPr lang="iw"/>
+              <a:t>ICP הינו אלגוריתם שמטרתו "ליישר" שני ענני נקודות במרחב כך שהם יתאימו זה לזה בצורה הטובה ביותר</a:t>
+            </a:r>
+            <a:endParaRPr/>
+          </a:p>
+          <a:p>
+            <a:pPr indent="-342900" lvl="0" marL="457200" rtl="1" algn="r">
+              <a:spcBef>
+                <a:spcPts val="0"/>
+              </a:spcBef>
+              <a:spcAft>
+                <a:spcPts val="0"/>
+              </a:spcAft>
+              <a:buSzPts val="1800"/>
+              <a:buChar char="●"/>
+            </a:pPr>
+            <a:r>
+              <a:rPr lang="iw"/>
+              <a:t>השתמשנו ב-ICP כדי ליישר את שתי ענני הנקודות לפני המיזוג שלהם כך שהם יתאימו זה לזה במרחב וייצרו ענן נקודות מדוייק</a:t>
+            </a:r>
+            <a:endParaRPr/>
           </a:p>
         </p:txBody>
       </p:sp>
-      <p:pic>
-        <p:nvPicPr>
-          <p:cNvPr id="104" name="Google Shape;104;p21"/>
-          <p:cNvPicPr preferRelativeResize="0"/>
-          <p:nvPr/>
-        </p:nvPicPr>
-        <p:blipFill>
-          <a:blip r:embed="rId3">
-            <a:alphaModFix/>
-          </a:blip>
-          <a:stretch>
-            <a:fillRect/>
-          </a:stretch>
-        </p:blipFill>
-        <p:spPr>
-          <a:xfrm>
-            <a:off x="936350" y="2003200"/>
-            <a:ext cx="1778529" cy="2738475"/>
-          </a:xfrm>
-          <a:prstGeom prst="rect">
-            <a:avLst/>
-          </a:prstGeom>
-          <a:noFill/>
-          <a:ln>
-            <a:noFill/>
-          </a:ln>
-        </p:spPr>
-      </p:pic>
-      <p:pic>
-        <p:nvPicPr>
-          <p:cNvPr id="105" name="Google Shape;105;p21"/>
-          <p:cNvPicPr preferRelativeResize="0"/>
-          <p:nvPr/>
-        </p:nvPicPr>
-        <p:blipFill>
-          <a:blip r:embed="rId4">
-            <a:alphaModFix/>
-          </a:blip>
-          <a:stretch>
-            <a:fillRect/>
-          </a:stretch>
-        </p:blipFill>
-        <p:spPr>
-          <a:xfrm>
-            <a:off x="3001165" y="2003122"/>
-            <a:ext cx="1570824" cy="2738622"/>
-          </a:xfrm>
-          <a:prstGeom prst="rect">
-            <a:avLst/>
-          </a:prstGeom>
-          <a:noFill/>
-          <a:ln>
-            <a:noFill/>
-          </a:ln>
-        </p:spPr>
-      </p:pic>
-      <p:pic>
-        <p:nvPicPr>
-          <p:cNvPr id="106" name="Google Shape;106;p21"/>
-          <p:cNvPicPr preferRelativeResize="0"/>
-          <p:nvPr/>
-        </p:nvPicPr>
-        <p:blipFill>
-          <a:blip r:embed="rId5">
-            <a:alphaModFix/>
-          </a:blip>
-          <a:stretch>
-            <a:fillRect/>
-          </a:stretch>
-        </p:blipFill>
-        <p:spPr>
-          <a:xfrm>
-            <a:off x="4751952" y="2020101"/>
-            <a:ext cx="1570824" cy="2738475"/>
-          </a:xfrm>
-          <a:prstGeom prst="rect">
-            <a:avLst/>
-          </a:prstGeom>
-          <a:noFill/>
-          <a:ln>
-            <a:noFill/>
-          </a:ln>
-        </p:spPr>
-      </p:pic>
-      <p:pic>
-        <p:nvPicPr>
-          <p:cNvPr id="107" name="Google Shape;107;p21"/>
-          <p:cNvPicPr preferRelativeResize="0"/>
-          <p:nvPr/>
-        </p:nvPicPr>
-        <p:blipFill>
-          <a:blip r:embed="rId6">
-            <a:alphaModFix/>
-          </a:blip>
-          <a:stretch>
-            <a:fillRect/>
-          </a:stretch>
-        </p:blipFill>
-        <p:spPr>
-          <a:xfrm>
-            <a:off x="6543574" y="2020016"/>
-            <a:ext cx="1570824" cy="2738559"/>
-          </a:xfrm>
-          <a:prstGeom prst="rect">
-            <a:avLst/>
-          </a:prstGeom>
-          <a:noFill/>
-          <a:ln>
-            <a:noFill/>
-          </a:ln>
-        </p:spPr>
-      </p:pic>
     </p:spTree>
   </p:cSld>
   <p:clrMapOvr>
@@ -8789,6 +9404,285 @@
 </file>
 
 <file path=ppt/theme/theme1.xml><?xml version="1.0" encoding="utf-8"?>
+<a:theme xmlns:a="http://schemas.openxmlformats.org/drawingml/2006/main" xmlns:r="http://schemas.openxmlformats.org/officeDocument/2006/relationships">
+  <a:themeElements>
+    <a:clrScheme name="Default">
+      <a:dk1>
+        <a:srgbClr val="000000"/>
+      </a:dk1>
+      <a:lt1>
+        <a:srgbClr val="FFFFFF"/>
+      </a:lt1>
+      <a:dk2>
+        <a:srgbClr val="158158"/>
+      </a:dk2>
+      <a:lt2>
+        <a:srgbClr val="F3F3F3"/>
+      </a:lt2>
+      <a:accent1>
+        <a:srgbClr val="058DC7"/>
+      </a:accent1>
+      <a:accent2>
+        <a:srgbClr val="50B432"/>
+      </a:accent2>
+      <a:accent3>
+        <a:srgbClr val="ED561B"/>
+      </a:accent3>
+      <a:accent4>
+        <a:srgbClr val="EDEF00"/>
+      </a:accent4>
+      <a:accent5>
+        <a:srgbClr val="24CBE5"/>
+      </a:accent5>
+      <a:accent6>
+        <a:srgbClr val="64E572"/>
+      </a:accent6>
+      <a:hlink>
+        <a:srgbClr val="2200CC"/>
+      </a:hlink>
+      <a:folHlink>
+        <a:srgbClr val="551A8B"/>
+      </a:folHlink>
+    </a:clrScheme>
+    <a:fontScheme name="Office">
+      <a:majorFont>
+        <a:latin typeface="Arial"/>
+        <a:ea typeface=""/>
+        <a:cs typeface=""/>
+        <a:font script="Jpan" typeface="ＭＳ Ｐゴシック"/>
+        <a:font script="Hang" typeface="맑은 고딕"/>
+        <a:font script="Hans" typeface="宋体"/>
+        <a:font script="Hant" typeface="新細明體"/>
+        <a:font script="Arab" typeface="Times New Roman"/>
+        <a:font script="Hebr" typeface="Times New Roman"/>
+        <a:font script="Thai" typeface="Angsana New"/>
+        <a:font script="Ethi" typeface="Nyala"/>
+        <a:font script="Beng" typeface="Vrinda"/>
+        <a:font script="Gujr" typeface="Shruti"/>
+        <a:font script="Khmr" typeface="MoolBoran"/>
+        <a:font script="Knda" typeface="Tunga"/>
+        <a:font script="Guru" typeface="Raavi"/>
+        <a:font script="Cans" typeface="Euphemia"/>
+        <a:font script="Cher" typeface="Plantagenet Cherokee"/>
+        <a:font script="Yiii" typeface="Microsoft Yi Baiti"/>
+        <a:font script="Tibt" typeface="Microsoft Himalaya"/>
+        <a:font script="Thaa" typeface="MV Boli"/>
+        <a:font script="Deva" typeface="Mangal"/>
+        <a:font script="Telu" typeface="Gautami"/>
+        <a:font script="Taml" typeface="Latha"/>
+        <a:font script="Syrc" typeface="Estrangelo Edessa"/>
+        <a:font script="Orya" typeface="Kalinga"/>
+        <a:font script="Mlym" typeface="Kartika"/>
+        <a:font script="Laoo" typeface="DokChampa"/>
+        <a:font script="Sinh" typeface="Iskoola Pota"/>
+        <a:font script="Mong" typeface="Mongolian Baiti"/>
+        <a:font script="Viet" typeface="Times New Roman"/>
+        <a:font script="Uigh" typeface="Microsoft Uighur"/>
+        <a:font script="Geor" typeface="Sylfaen"/>
+      </a:majorFont>
+      <a:minorFont>
+        <a:latin typeface="Arial"/>
+        <a:ea typeface=""/>
+        <a:cs typeface=""/>
+        <a:font script="Jpan" typeface="ＭＳ Ｐゴシック"/>
+        <a:font script="Hang" typeface="맑은 고딕"/>
+        <a:font script="Hans" typeface="宋体"/>
+        <a:font script="Hant" typeface="新細明體"/>
+        <a:font script="Arab" typeface="Arial"/>
+        <a:font script="Hebr" typeface="Arial"/>
+        <a:font script="Thai" typeface="Cordia New"/>
+        <a:font script="Ethi" typeface="Nyala"/>
+        <a:font script="Beng" typeface="Vrinda"/>
+        <a:font script="Gujr" typeface="Shruti"/>
+        <a:font script="Khmr" typeface="DaunPenh"/>
+        <a:font script="Knda" typeface="Tunga"/>
+        <a:font script="Guru" typeface="Raavi"/>
+        <a:font script="Cans" typeface="Euphemia"/>
+        <a:font script="Cher" typeface="Plantagenet Cherokee"/>
+        <a:font script="Yiii" typeface="Microsoft Yi Baiti"/>
+        <a:font script="Tibt" typeface="Microsoft Himalaya"/>
+        <a:font script="Thaa" typeface="MV Boli"/>
+        <a:font script="Deva" typeface="Mangal"/>
+        <a:font script="Telu" typeface="Gautami"/>
+        <a:font script="Taml" typeface="Latha"/>
+        <a:font script="Syrc" typeface="Estrangelo Edessa"/>
+        <a:font script="Orya" typeface="Kalinga"/>
+        <a:font script="Mlym" typeface="Kartika"/>
+        <a:font script="Laoo" typeface="DokChampa"/>
+        <a:font script="Sinh" typeface="Iskoola Pota"/>
+        <a:font script="Mong" typeface="Mongolian Baiti"/>
+        <a:font script="Viet" typeface="Arial"/>
+        <a:font script="Uigh" typeface="Microsoft Uighur"/>
+        <a:font script="Geor" typeface="Sylfaen"/>
+      </a:minorFont>
+    </a:fontScheme>
+    <a:fmtScheme name="Office">
+      <a:fillStyleLst>
+        <a:solidFill>
+          <a:schemeClr val="phClr"/>
+        </a:solidFill>
+        <a:gradFill rotWithShape="1">
+          <a:gsLst>
+            <a:gs pos="0">
+              <a:schemeClr val="phClr">
+                <a:tint val="50000"/>
+                <a:satMod val="300000"/>
+              </a:schemeClr>
+            </a:gs>
+            <a:gs pos="35000">
+              <a:schemeClr val="phClr">
+                <a:tint val="37000"/>
+                <a:satMod val="300000"/>
+              </a:schemeClr>
+            </a:gs>
+            <a:gs pos="100000">
+              <a:schemeClr val="phClr">
+                <a:tint val="15000"/>
+                <a:satMod val="350000"/>
+              </a:schemeClr>
+            </a:gs>
+          </a:gsLst>
+          <a:lin ang="16200000" scaled="1"/>
+        </a:gradFill>
+        <a:gradFill rotWithShape="1">
+          <a:gsLst>
+            <a:gs pos="0">
+              <a:schemeClr val="phClr">
+                <a:tint val="100000"/>
+                <a:shade val="100000"/>
+                <a:satMod val="130000"/>
+              </a:schemeClr>
+            </a:gs>
+            <a:gs pos="100000">
+              <a:schemeClr val="phClr">
+                <a:tint val="50000"/>
+                <a:shade val="100000"/>
+                <a:satMod val="350000"/>
+              </a:schemeClr>
+            </a:gs>
+          </a:gsLst>
+          <a:lin ang="16200000" scaled="0"/>
+        </a:gradFill>
+      </a:fillStyleLst>
+      <a:lnStyleLst>
+        <a:ln w="9525" cap="flat" cmpd="sng" algn="ctr">
+          <a:solidFill>
+            <a:schemeClr val="phClr">
+              <a:shade val="95000"/>
+              <a:satMod val="105000"/>
+            </a:schemeClr>
+          </a:solidFill>
+          <a:prstDash val="solid"/>
+        </a:ln>
+        <a:ln w="25400" cap="flat" cmpd="sng" algn="ctr">
+          <a:solidFill>
+            <a:schemeClr val="phClr"/>
+          </a:solidFill>
+          <a:prstDash val="solid"/>
+        </a:ln>
+        <a:ln w="38100" cap="flat" cmpd="sng" algn="ctr">
+          <a:solidFill>
+            <a:schemeClr val="phClr"/>
+          </a:solidFill>
+          <a:prstDash val="solid"/>
+        </a:ln>
+      </a:lnStyleLst>
+      <a:effectStyleLst>
+        <a:effectStyle>
+          <a:effectLst>
+            <a:outerShdw blurRad="40000" dist="20000" dir="5400000" rotWithShape="0">
+              <a:srgbClr val="000000">
+                <a:alpha val="38000"/>
+              </a:srgbClr>
+            </a:outerShdw>
+          </a:effectLst>
+        </a:effectStyle>
+        <a:effectStyle>
+          <a:effectLst>
+            <a:outerShdw blurRad="40000" dist="23000" dir="5400000" rotWithShape="0">
+              <a:srgbClr val="000000">
+                <a:alpha val="35000"/>
+              </a:srgbClr>
+            </a:outerShdw>
+          </a:effectLst>
+        </a:effectStyle>
+        <a:effectStyle>
+          <a:effectLst>
+            <a:outerShdw blurRad="40000" dist="23000" dir="5400000" rotWithShape="0">
+              <a:srgbClr val="000000">
+                <a:alpha val="35000"/>
+              </a:srgbClr>
+            </a:outerShdw>
+          </a:effectLst>
+          <a:scene3d>
+            <a:camera prst="orthographicFront">
+              <a:rot lat="0" lon="0" rev="0"/>
+            </a:camera>
+            <a:lightRig rig="threePt" dir="t">
+              <a:rot lat="0" lon="0" rev="1200000"/>
+            </a:lightRig>
+          </a:scene3d>
+          <a:sp3d>
+            <a:bevelT w="63500" h="25400"/>
+          </a:sp3d>
+        </a:effectStyle>
+      </a:effectStyleLst>
+      <a:bgFillStyleLst>
+        <a:solidFill>
+          <a:schemeClr val="phClr"/>
+        </a:solidFill>
+        <a:gradFill rotWithShape="1">
+          <a:gsLst>
+            <a:gs pos="0">
+              <a:schemeClr val="phClr">
+                <a:tint val="40000"/>
+                <a:satMod val="350000"/>
+              </a:schemeClr>
+            </a:gs>
+            <a:gs pos="40000">
+              <a:schemeClr val="phClr">
+                <a:tint val="45000"/>
+                <a:shade val="99000"/>
+                <a:satMod val="350000"/>
+              </a:schemeClr>
+            </a:gs>
+            <a:gs pos="100000">
+              <a:schemeClr val="phClr">
+                <a:shade val="20000"/>
+                <a:satMod val="255000"/>
+              </a:schemeClr>
+            </a:gs>
+          </a:gsLst>
+          <a:path path="circle">
+            <a:fillToRect l="50000" t="-80000" r="50000" b="180000"/>
+          </a:path>
+        </a:gradFill>
+        <a:gradFill rotWithShape="1">
+          <a:gsLst>
+            <a:gs pos="0">
+              <a:schemeClr val="phClr">
+                <a:tint val="80000"/>
+                <a:satMod val="300000"/>
+              </a:schemeClr>
+            </a:gs>
+            <a:gs pos="100000">
+              <a:schemeClr val="phClr">
+                <a:shade val="30000"/>
+                <a:satMod val="200000"/>
+              </a:schemeClr>
+            </a:gs>
+          </a:gsLst>
+          <a:path path="circle">
+            <a:fillToRect l="50000" t="50000" r="50000" b="50000"/>
+          </a:path>
+        </a:gradFill>
+      </a:bgFillStyleLst>
+    </a:fmtScheme>
+  </a:themeElements>
+</a:theme>
+</file>
+
+<file path=ppt/theme/theme2.xml><?xml version="1.0" encoding="utf-8"?>
 <a:theme xmlns:a="http://schemas.openxmlformats.org/drawingml/2006/main" xmlns:r="http://schemas.openxmlformats.org/officeDocument/2006/relationships" name="Simple Light">
   <a:themeElements>
     <a:clrScheme name="Simple Light">
@@ -9065,283 +9959,4 @@
     </a:fmtScheme>
   </a:themeElements>
 </a:theme>
-</file>
-
-<file path=ppt/theme/theme2.xml><?xml version="1.0" encoding="utf-8"?>
-<a:theme xmlns:a="http://schemas.openxmlformats.org/drawingml/2006/main" xmlns:r="http://schemas.openxmlformats.org/officeDocument/2006/relationships">
-  <a:themeElements>
-    <a:clrScheme name="Default">
-      <a:dk1>
-        <a:srgbClr val="000000"/>
-      </a:dk1>
-      <a:lt1>
-        <a:srgbClr val="FFFFFF"/>
-      </a:lt1>
-      <a:dk2>
-        <a:srgbClr val="158158"/>
-      </a:dk2>
-      <a:lt2>
-        <a:srgbClr val="F3F3F3"/>
-      </a:lt2>
-      <a:accent1>
-        <a:srgbClr val="058DC7"/>
-      </a:accent1>
-      <a:accent2>
-        <a:srgbClr val="50B432"/>
-      </a:accent2>
-      <a:accent3>
-        <a:srgbClr val="ED561B"/>
-      </a:accent3>
-      <a:accent4>
-        <a:srgbClr val="EDEF00"/>
-      </a:accent4>
-      <a:accent5>
-        <a:srgbClr val="24CBE5"/>
-      </a:accent5>
-      <a:accent6>
-        <a:srgbClr val="64E572"/>
-      </a:accent6>
-      <a:hlink>
-        <a:srgbClr val="2200CC"/>
-      </a:hlink>
-      <a:folHlink>
-        <a:srgbClr val="551A8B"/>
-      </a:folHlink>
-    </a:clrScheme>
-    <a:fontScheme name="Office">
-      <a:majorFont>
-        <a:latin typeface="Arial"/>
-        <a:ea typeface=""/>
-        <a:cs typeface=""/>
-        <a:font script="Jpan" typeface="ＭＳ Ｐゴシック"/>
-        <a:font script="Hang" typeface="맑은 고딕"/>
-        <a:font script="Hans" typeface="宋体"/>
-        <a:font script="Hant" typeface="新細明體"/>
-        <a:font script="Arab" typeface="Times New Roman"/>
-        <a:font script="Hebr" typeface="Times New Roman"/>
-        <a:font script="Thai" typeface="Angsana New"/>
-        <a:font script="Ethi" typeface="Nyala"/>
-        <a:font script="Beng" typeface="Vrinda"/>
-        <a:font script="Gujr" typeface="Shruti"/>
-        <a:font script="Khmr" typeface="MoolBoran"/>
-        <a:font script="Knda" typeface="Tunga"/>
-        <a:font script="Guru" typeface="Raavi"/>
-        <a:font script="Cans" typeface="Euphemia"/>
-        <a:font script="Cher" typeface="Plantagenet Cherokee"/>
-        <a:font script="Yiii" typeface="Microsoft Yi Baiti"/>
-        <a:font script="Tibt" typeface="Microsoft Himalaya"/>
-        <a:font script="Thaa" typeface="MV Boli"/>
-        <a:font script="Deva" typeface="Mangal"/>
-        <a:font script="Telu" typeface="Gautami"/>
-        <a:font script="Taml" typeface="Latha"/>
-        <a:font script="Syrc" typeface="Estrangelo Edessa"/>
-        <a:font script="Orya" typeface="Kalinga"/>
-        <a:font script="Mlym" typeface="Kartika"/>
-        <a:font script="Laoo" typeface="DokChampa"/>
-        <a:font script="Sinh" typeface="Iskoola Pota"/>
-        <a:font script="Mong" typeface="Mongolian Baiti"/>
-        <a:font script="Viet" typeface="Times New Roman"/>
-        <a:font script="Uigh" typeface="Microsoft Uighur"/>
-        <a:font script="Geor" typeface="Sylfaen"/>
-      </a:majorFont>
-      <a:minorFont>
-        <a:latin typeface="Arial"/>
-        <a:ea typeface=""/>
-        <a:cs typeface=""/>
-        <a:font script="Jpan" typeface="ＭＳ Ｐゴシック"/>
-        <a:font script="Hang" typeface="맑은 고딕"/>
-        <a:font script="Hans" typeface="宋体"/>
-        <a:font script="Hant" typeface="新細明體"/>
-        <a:font script="Arab" typeface="Arial"/>
-        <a:font script="Hebr" typeface="Arial"/>
-        <a:font script="Thai" typeface="Cordia New"/>
-        <a:font script="Ethi" typeface="Nyala"/>
-        <a:font script="Beng" typeface="Vrinda"/>
-        <a:font script="Gujr" typeface="Shruti"/>
-        <a:font script="Khmr" typeface="DaunPenh"/>
-        <a:font script="Knda" typeface="Tunga"/>
-        <a:font script="Guru" typeface="Raavi"/>
-        <a:font script="Cans" typeface="Euphemia"/>
-        <a:font script="Cher" typeface="Plantagenet Cherokee"/>
-        <a:font script="Yiii" typeface="Microsoft Yi Baiti"/>
-        <a:font script="Tibt" typeface="Microsoft Himalaya"/>
-        <a:font script="Thaa" typeface="MV Boli"/>
-        <a:font script="Deva" typeface="Mangal"/>
-        <a:font script="Telu" typeface="Gautami"/>
-        <a:font script="Taml" typeface="Latha"/>
-        <a:font script="Syrc" typeface="Estrangelo Edessa"/>
-        <a:font script="Orya" typeface="Kalinga"/>
-        <a:font script="Mlym" typeface="Kartika"/>
-        <a:font script="Laoo" typeface="DokChampa"/>
-        <a:font script="Sinh" typeface="Iskoola Pota"/>
-        <a:font script="Mong" typeface="Mongolian Baiti"/>
-        <a:font script="Viet" typeface="Arial"/>
-        <a:font script="Uigh" typeface="Microsoft Uighur"/>
-        <a:font script="Geor" typeface="Sylfaen"/>
-      </a:minorFont>
-    </a:fontScheme>
-    <a:fmtScheme name="Office">
-      <a:fillStyleLst>
-        <a:solidFill>
-          <a:schemeClr val="phClr"/>
-        </a:solidFill>
-        <a:gradFill rotWithShape="1">
-          <a:gsLst>
-            <a:gs pos="0">
-              <a:schemeClr val="phClr">
-                <a:tint val="50000"/>
-                <a:satMod val="300000"/>
-              </a:schemeClr>
-            </a:gs>
-            <a:gs pos="35000">
-              <a:schemeClr val="phClr">
-                <a:tint val="37000"/>
-                <a:satMod val="300000"/>
-              </a:schemeClr>
-            </a:gs>
-            <a:gs pos="100000">
-              <a:schemeClr val="phClr">
-                <a:tint val="15000"/>
-                <a:satMod val="350000"/>
-              </a:schemeClr>
-            </a:gs>
-          </a:gsLst>
-          <a:lin ang="16200000" scaled="1"/>
-        </a:gradFill>
-        <a:gradFill rotWithShape="1">
-          <a:gsLst>
-            <a:gs pos="0">
-              <a:schemeClr val="phClr">
-                <a:tint val="100000"/>
-                <a:shade val="100000"/>
-                <a:satMod val="130000"/>
-              </a:schemeClr>
-            </a:gs>
-            <a:gs pos="100000">
-              <a:schemeClr val="phClr">
-                <a:tint val="50000"/>
-                <a:shade val="100000"/>
-                <a:satMod val="350000"/>
-              </a:schemeClr>
-            </a:gs>
-          </a:gsLst>
-          <a:lin ang="16200000" scaled="0"/>
-        </a:gradFill>
-      </a:fillStyleLst>
-      <a:lnStyleLst>
-        <a:ln w="9525" cap="flat" cmpd="sng" algn="ctr">
-          <a:solidFill>
-            <a:schemeClr val="phClr">
-              <a:shade val="95000"/>
-              <a:satMod val="105000"/>
-            </a:schemeClr>
-          </a:solidFill>
-          <a:prstDash val="solid"/>
-        </a:ln>
-        <a:ln w="25400" cap="flat" cmpd="sng" algn="ctr">
-          <a:solidFill>
-            <a:schemeClr val="phClr"/>
-          </a:solidFill>
-          <a:prstDash val="solid"/>
-        </a:ln>
-        <a:ln w="38100" cap="flat" cmpd="sng" algn="ctr">
-          <a:solidFill>
-            <a:schemeClr val="phClr"/>
-          </a:solidFill>
-          <a:prstDash val="solid"/>
-        </a:ln>
-      </a:lnStyleLst>
-      <a:effectStyleLst>
-        <a:effectStyle>
-          <a:effectLst>
-            <a:outerShdw blurRad="40000" dist="20000" dir="5400000" rotWithShape="0">
-              <a:srgbClr val="000000">
-                <a:alpha val="38000"/>
-              </a:srgbClr>
-            </a:outerShdw>
-          </a:effectLst>
-        </a:effectStyle>
-        <a:effectStyle>
-          <a:effectLst>
-            <a:outerShdw blurRad="40000" dist="23000" dir="5400000" rotWithShape="0">
-              <a:srgbClr val="000000">
-                <a:alpha val="35000"/>
-              </a:srgbClr>
-            </a:outerShdw>
-          </a:effectLst>
-        </a:effectStyle>
-        <a:effectStyle>
-          <a:effectLst>
-            <a:outerShdw blurRad="40000" dist="23000" dir="5400000" rotWithShape="0">
-              <a:srgbClr val="000000">
-                <a:alpha val="35000"/>
-              </a:srgbClr>
-            </a:outerShdw>
-          </a:effectLst>
-          <a:scene3d>
-            <a:camera prst="orthographicFront">
-              <a:rot lat="0" lon="0" rev="0"/>
-            </a:camera>
-            <a:lightRig rig="threePt" dir="t">
-              <a:rot lat="0" lon="0" rev="1200000"/>
-            </a:lightRig>
-          </a:scene3d>
-          <a:sp3d>
-            <a:bevelT w="63500" h="25400"/>
-          </a:sp3d>
-        </a:effectStyle>
-      </a:effectStyleLst>
-      <a:bgFillStyleLst>
-        <a:solidFill>
-          <a:schemeClr val="phClr"/>
-        </a:solidFill>
-        <a:gradFill rotWithShape="1">
-          <a:gsLst>
-            <a:gs pos="0">
-              <a:schemeClr val="phClr">
-                <a:tint val="40000"/>
-                <a:satMod val="350000"/>
-              </a:schemeClr>
-            </a:gs>
-            <a:gs pos="40000">
-              <a:schemeClr val="phClr">
-                <a:tint val="45000"/>
-                <a:shade val="99000"/>
-                <a:satMod val="350000"/>
-              </a:schemeClr>
-            </a:gs>
-            <a:gs pos="100000">
-              <a:schemeClr val="phClr">
-                <a:shade val="20000"/>
-                <a:satMod val="255000"/>
-              </a:schemeClr>
-            </a:gs>
-          </a:gsLst>
-          <a:path path="circle">
-            <a:fillToRect l="50000" t="-80000" r="50000" b="180000"/>
-          </a:path>
-        </a:gradFill>
-        <a:gradFill rotWithShape="1">
-          <a:gsLst>
-            <a:gs pos="0">
-              <a:schemeClr val="phClr">
-                <a:tint val="80000"/>
-                <a:satMod val="300000"/>
-              </a:schemeClr>
-            </a:gs>
-            <a:gs pos="100000">
-              <a:schemeClr val="phClr">
-                <a:shade val="30000"/>
-                <a:satMod val="200000"/>
-              </a:schemeClr>
-            </a:gs>
-          </a:gsLst>
-          <a:path path="circle">
-            <a:fillToRect l="50000" t="50000" r="50000" b="50000"/>
-          </a:path>
-        </a:gradFill>
-      </a:bgFillStyleLst>
-    </a:fmtScheme>
-  </a:themeElements>
-</a:theme>
 </file>
--- a/Final_Project.pptx
+++ b/Final_Project.pptx
@@ -1,6 +1,6 @@
 
 <file path=ppt/presentation.xml><?xml version="1.0" encoding="utf-8"?>
-<p:presentation xmlns:a="http://schemas.openxmlformats.org/drawingml/2006/main" xmlns:r="http://schemas.openxmlformats.org/officeDocument/2006/relationships" xmlns:mc="http://schemas.openxmlformats.org/markup-compatibility/2006" xmlns:mv="urn:schemas-microsoft-com:mac:vml" xmlns:p="http://schemas.openxmlformats.org/presentationml/2006/main" xmlns:c="http://schemas.openxmlformats.org/drawingml/2006/chart" xmlns:dgm="http://schemas.openxmlformats.org/drawingml/2006/diagram" xmlns:o="urn:schemas-microsoft-com:office:office" xmlns:v="urn:schemas-microsoft-com:vml" xmlns:pvml="urn:schemas-microsoft-com:office:powerpoint" xmlns:com="http://schemas.openxmlformats.org/drawingml/2006/compatibility" xmlns:p14="http://schemas.microsoft.com/office/powerpoint/2010/main" xmlns:p15="http://schemas.microsoft.com/office/powerpoint/2012/main" xmlns:ahyp="http://schemas.microsoft.com/office/drawing/2018/hyperlinkcolor" autoCompressPictures="0" strictFirstAndLastChars="0" saveSubsetFonts="1">
+<p:presentation xmlns:a="http://schemas.openxmlformats.org/drawingml/2006/main" xmlns:r="http://schemas.openxmlformats.org/officeDocument/2006/relationships" xmlns:mc="http://schemas.openxmlformats.org/markup-compatibility/2006" xmlns:mv="urn:schemas-microsoft-com:mac:vml" xmlns:p="http://schemas.openxmlformats.org/presentationml/2006/main" xmlns:c="http://schemas.openxmlformats.org/drawingml/2006/chart" xmlns:dgm="http://schemas.openxmlformats.org/drawingml/2006/diagram" xmlns:o="urn:schemas-microsoft-com:office:office" xmlns:v="urn:schemas-microsoft-com:vml" xmlns:pvml="urn:schemas-microsoft-com:office:powerpoint" xmlns:com="http://schemas.openxmlformats.org/drawingml/2006/compatibility" xmlns:p14="http://schemas.microsoft.com/office/powerpoint/2010/main" xmlns:p15="http://schemas.microsoft.com/office/powerpoint/2012/main" xmlns:ahyp="http://schemas.microsoft.com/office/drawing/2018/hyperlinkcolor" autoCompressPictures="0" embedTrueTypeFonts="1" strictFirstAndLastChars="0" saveSubsetFonts="1">
   <p:sldMasterIdLst>
     <p:sldMasterId id="2147483659" r:id="rId4"/>
   </p:sldMasterIdLst>
@@ -25,6 +25,13 @@
   </p:sldIdLst>
   <p:sldSz cy="5143500" cx="9144000"/>
   <p:notesSz cx="6858000" cy="9144000"/>
+  <p:embeddedFontLst>
+    <p:embeddedFont>
+      <p:font typeface="David Libre"/>
+      <p:regular r:id="rId20"/>
+      <p:bold r:id="rId21"/>
+    </p:embeddedFont>
+  </p:embeddedFontLst>
   <p:defaultTextStyle>
     <a:defPPr lvl="0" marR="0" rtl="0" algn="l">
       <a:lnSpc>
@@ -6792,10 +6799,20 @@
               <a:buNone/>
             </a:pPr>
             <a:r>
-              <a:rPr lang="iw"/>
+              <a:rPr lang="iw">
+                <a:latin typeface="David Libre"/>
+                <a:ea typeface="David Libre"/>
+                <a:cs typeface="David Libre"/>
+                <a:sym typeface="David Libre"/>
+              </a:rPr>
               <a:t>Photogrammetry</a:t>
             </a:r>
-            <a:endParaRPr/>
+            <a:endParaRPr>
+              <a:latin typeface="David Libre"/>
+              <a:ea typeface="David Libre"/>
+              <a:cs typeface="David Libre"/>
+              <a:sym typeface="David Libre"/>
+            </a:endParaRPr>
           </a:p>
         </p:txBody>
       </p:sp>
@@ -6832,10 +6849,20 @@
               <a:buNone/>
             </a:pPr>
             <a:r>
-              <a:rPr lang="iw"/>
+              <a:rPr lang="iw">
+                <a:latin typeface="David Libre"/>
+                <a:ea typeface="David Libre"/>
+                <a:cs typeface="David Libre"/>
+                <a:sym typeface="David Libre"/>
+              </a:rPr>
               <a:t>גל הלל - 211696521</a:t>
             </a:r>
-            <a:endParaRPr/>
+            <a:endParaRPr>
+              <a:latin typeface="David Libre"/>
+              <a:ea typeface="David Libre"/>
+              <a:cs typeface="David Libre"/>
+              <a:sym typeface="David Libre"/>
+            </a:endParaRPr>
           </a:p>
           <a:p>
             <a:pPr indent="0" lvl="0" marL="0" rtl="1" algn="ctr">
@@ -6848,14 +6875,29 @@
               <a:buNone/>
             </a:pPr>
             <a:r>
-              <a:rPr lang="iw"/>
+              <a:rPr lang="iw">
+                <a:latin typeface="David Libre"/>
+                <a:ea typeface="David Libre"/>
+                <a:cs typeface="David Libre"/>
+                <a:sym typeface="David Libre"/>
+              </a:rPr>
               <a:t>מרואן הרייש - </a:t>
             </a:r>
             <a:r>
-              <a:rPr lang="iw"/>
+              <a:rPr lang="iw">
+                <a:latin typeface="David Libre"/>
+                <a:ea typeface="David Libre"/>
+                <a:cs typeface="David Libre"/>
+                <a:sym typeface="David Libre"/>
+              </a:rPr>
               <a:t>206467292 </a:t>
             </a:r>
-            <a:endParaRPr/>
+            <a:endParaRPr>
+              <a:latin typeface="David Libre"/>
+              <a:ea typeface="David Libre"/>
+              <a:cs typeface="David Libre"/>
+              <a:sym typeface="David Libre"/>
+            </a:endParaRPr>
           </a:p>
           <a:p>
             <a:pPr indent="0" lvl="0" marL="0" rtl="1" algn="ctr">
@@ -6868,10 +6910,20 @@
               <a:buNone/>
             </a:pPr>
             <a:r>
-              <a:rPr lang="iw"/>
+              <a:rPr lang="iw">
+                <a:latin typeface="David Libre"/>
+                <a:ea typeface="David Libre"/>
+                <a:cs typeface="David Libre"/>
+                <a:sym typeface="David Libre"/>
+              </a:rPr>
               <a:t>נור אגא - </a:t>
             </a:r>
-            <a:endParaRPr/>
+            <a:endParaRPr>
+              <a:latin typeface="David Libre"/>
+              <a:ea typeface="David Libre"/>
+              <a:cs typeface="David Libre"/>
+              <a:sym typeface="David Libre"/>
+            </a:endParaRPr>
           </a:p>
         </p:txBody>
       </p:sp>
@@ -6933,10 +6985,20 @@
               <a:buNone/>
             </a:pPr>
             <a:r>
-              <a:rPr lang="iw"/>
+              <a:rPr lang="iw">
+                <a:latin typeface="David Libre"/>
+                <a:ea typeface="David Libre"/>
+                <a:cs typeface="David Libre"/>
+                <a:sym typeface="David Libre"/>
+              </a:rPr>
               <a:t>תהליך העבודה</a:t>
             </a:r>
-            <a:endParaRPr/>
+            <a:endParaRPr>
+              <a:latin typeface="David Libre"/>
+              <a:ea typeface="David Libre"/>
+              <a:cs typeface="David Libre"/>
+              <a:sym typeface="David Libre"/>
+            </a:endParaRPr>
           </a:p>
         </p:txBody>
       </p:sp>
@@ -6971,13 +7033,24 @@
                 <a:spcPts val="0"/>
               </a:spcAft>
               <a:buSzPts val="1800"/>
+              <a:buFont typeface="David Libre"/>
               <a:buChar char="●"/>
             </a:pPr>
             <a:r>
-              <a:rPr lang="iw"/>
+              <a:rPr lang="iw">
+                <a:latin typeface="David Libre"/>
+                <a:ea typeface="David Libre"/>
+                <a:cs typeface="David Libre"/>
+                <a:sym typeface="David Libre"/>
+              </a:rPr>
               <a:t>חילוץ תמונות מווידאו על ידי הכלי: video2Images.py</a:t>
             </a:r>
-            <a:endParaRPr/>
+            <a:endParaRPr>
+              <a:latin typeface="David Libre"/>
+              <a:ea typeface="David Libre"/>
+              <a:cs typeface="David Libre"/>
+              <a:sym typeface="David Libre"/>
+            </a:endParaRPr>
           </a:p>
           <a:p>
             <a:pPr indent="0" lvl="0" marL="457200" rtl="1" algn="r">
@@ -6992,7 +7065,12 @@
             <a:r>
               <a:t/>
             </a:r>
-            <a:endParaRPr/>
+            <a:endParaRPr>
+              <a:latin typeface="David Libre"/>
+              <a:ea typeface="David Libre"/>
+              <a:cs typeface="David Libre"/>
+              <a:sym typeface="David Libre"/>
+            </a:endParaRPr>
           </a:p>
           <a:p>
             <a:pPr indent="-342900" lvl="0" marL="457200" rtl="1" algn="r">
@@ -7003,13 +7081,24 @@
                 <a:spcPts val="0"/>
               </a:spcAft>
               <a:buSzPts val="1800"/>
+              <a:buFont typeface="David Libre"/>
               <a:buChar char="●"/>
             </a:pPr>
             <a:r>
-              <a:rPr lang="iw"/>
+              <a:rPr lang="iw">
+                <a:latin typeface="David Libre"/>
+                <a:ea typeface="David Libre"/>
+                <a:cs typeface="David Libre"/>
+                <a:sym typeface="David Libre"/>
+              </a:rPr>
               <a:t>הפקת ענני נקודות על ידי הכלי: images2PointCloud.py</a:t>
             </a:r>
-            <a:endParaRPr/>
+            <a:endParaRPr>
+              <a:latin typeface="David Libre"/>
+              <a:ea typeface="David Libre"/>
+              <a:cs typeface="David Libre"/>
+              <a:sym typeface="David Libre"/>
+            </a:endParaRPr>
           </a:p>
           <a:p>
             <a:pPr indent="0" lvl="0" marL="457200" rtl="1" algn="r">
@@ -7024,7 +7113,12 @@
             <a:r>
               <a:t/>
             </a:r>
-            <a:endParaRPr/>
+            <a:endParaRPr>
+              <a:latin typeface="David Libre"/>
+              <a:ea typeface="David Libre"/>
+              <a:cs typeface="David Libre"/>
+              <a:sym typeface="David Libre"/>
+            </a:endParaRPr>
           </a:p>
           <a:p>
             <a:pPr indent="-342900" lvl="0" marL="457200" rtl="1" algn="r">
@@ -7035,13 +7129,24 @@
                 <a:spcPts val="0"/>
               </a:spcAft>
               <a:buSzPts val="1800"/>
+              <a:buFont typeface="David Libre"/>
               <a:buChar char="●"/>
             </a:pPr>
             <a:r>
-              <a:rPr lang="iw"/>
+              <a:rPr lang="iw">
+                <a:latin typeface="David Libre"/>
+                <a:ea typeface="David Libre"/>
+                <a:cs typeface="David Libre"/>
+                <a:sym typeface="David Libre"/>
+              </a:rPr>
               <a:t>שילוב של כל שני ענני נקודות ליצירת ענן נקודות גדול ואחיד</a:t>
             </a:r>
-            <a:endParaRPr sz="2000"/>
+            <a:endParaRPr sz="2000">
+              <a:latin typeface="David Libre"/>
+              <a:ea typeface="David Libre"/>
+              <a:cs typeface="David Libre"/>
+              <a:sym typeface="David Libre"/>
+            </a:endParaRPr>
           </a:p>
         </p:txBody>
       </p:sp>
@@ -7109,6 +7214,10 @@
                 <a:solidFill>
                   <a:schemeClr val="dk1"/>
                 </a:solidFill>
+                <a:latin typeface="David Libre"/>
+                <a:ea typeface="David Libre"/>
+                <a:cs typeface="David Libre"/>
+                <a:sym typeface="David Libre"/>
               </a:rPr>
               <a:t>תוצאות ותוצרים</a:t>
             </a:r>
@@ -7116,6 +7225,10 @@
               <a:solidFill>
                 <a:schemeClr val="dk1"/>
               </a:solidFill>
+              <a:latin typeface="David Libre"/>
+              <a:ea typeface="David Libre"/>
+              <a:cs typeface="David Libre"/>
+              <a:sym typeface="David Libre"/>
             </a:endParaRPr>
           </a:p>
         </p:txBody>
@@ -7159,6 +7272,10 @@
                 <a:solidFill>
                   <a:schemeClr val="dk2"/>
                 </a:solidFill>
+                <a:latin typeface="David Libre"/>
+                <a:ea typeface="David Libre"/>
+                <a:cs typeface="David Libre"/>
+                <a:sym typeface="David Libre"/>
               </a:rPr>
               <a:t>ענני נקודות בודדים לפני המיזוג</a:t>
             </a:r>
@@ -7166,6 +7283,10 @@
               <a:solidFill>
                 <a:schemeClr val="dk2"/>
               </a:solidFill>
+              <a:latin typeface="David Libre"/>
+              <a:ea typeface="David Libre"/>
+              <a:cs typeface="David Libre"/>
+              <a:sym typeface="David Libre"/>
             </a:endParaRPr>
           </a:p>
         </p:txBody>
@@ -7340,10 +7461,20 @@
               <a:buNone/>
             </a:pPr>
             <a:r>
-              <a:rPr lang="iw"/>
+              <a:rPr lang="iw">
+                <a:latin typeface="David Libre"/>
+                <a:ea typeface="David Libre"/>
+                <a:cs typeface="David Libre"/>
+                <a:sym typeface="David Libre"/>
+              </a:rPr>
               <a:t>תוצאות ותוצרים</a:t>
             </a:r>
-            <a:endParaRPr/>
+            <a:endParaRPr>
+              <a:latin typeface="David Libre"/>
+              <a:ea typeface="David Libre"/>
+              <a:cs typeface="David Libre"/>
+              <a:sym typeface="David Libre"/>
+            </a:endParaRPr>
           </a:p>
         </p:txBody>
       </p:sp>
@@ -7386,6 +7517,10 @@
                 <a:solidFill>
                   <a:schemeClr val="dk2"/>
                 </a:solidFill>
+                <a:latin typeface="David Libre"/>
+                <a:ea typeface="David Libre"/>
+                <a:cs typeface="David Libre"/>
+                <a:sym typeface="David Libre"/>
               </a:rPr>
               <a:t>תוצר סופי</a:t>
             </a:r>
@@ -7393,6 +7528,10 @@
               <a:solidFill>
                 <a:schemeClr val="dk2"/>
               </a:solidFill>
+              <a:latin typeface="David Libre"/>
+              <a:ea typeface="David Libre"/>
+              <a:cs typeface="David Libre"/>
+              <a:sym typeface="David Libre"/>
             </a:endParaRPr>
           </a:p>
         </p:txBody>
@@ -7483,10 +7622,20 @@
               <a:buNone/>
             </a:pPr>
             <a:r>
-              <a:rPr lang="iw"/>
+              <a:rPr lang="iw">
+                <a:latin typeface="David Libre"/>
+                <a:ea typeface="David Libre"/>
+                <a:cs typeface="David Libre"/>
+                <a:sym typeface="David Libre"/>
+              </a:rPr>
               <a:t>קשיים בפרוייקט</a:t>
             </a:r>
-            <a:endParaRPr/>
+            <a:endParaRPr>
+              <a:latin typeface="David Libre"/>
+              <a:ea typeface="David Libre"/>
+              <a:cs typeface="David Libre"/>
+              <a:sym typeface="David Libre"/>
+            </a:endParaRPr>
           </a:p>
         </p:txBody>
       </p:sp>
@@ -7523,10 +7672,20 @@
               <a:buNone/>
             </a:pPr>
             <a:r>
-              <a:rPr lang="iw"/>
+              <a:rPr lang="iw">
+                <a:latin typeface="David Libre"/>
+                <a:ea typeface="David Libre"/>
+                <a:cs typeface="David Libre"/>
+                <a:sym typeface="David Libre"/>
+              </a:rPr>
               <a:t>דיוק בבחירת פריימים:</a:t>
             </a:r>
-            <a:endParaRPr/>
+            <a:endParaRPr>
+              <a:latin typeface="David Libre"/>
+              <a:ea typeface="David Libre"/>
+              <a:cs typeface="David Libre"/>
+              <a:sym typeface="David Libre"/>
+            </a:endParaRPr>
           </a:p>
           <a:p>
             <a:pPr indent="-325755" lvl="0" marL="457200" rtl="1" algn="r">
@@ -7537,13 +7696,24 @@
                 <a:spcPts val="0"/>
               </a:spcAft>
               <a:buSzPct val="100000"/>
+              <a:buFont typeface="David Libre"/>
               <a:buChar char="●"/>
             </a:pPr>
             <a:r>
-              <a:rPr lang="iw"/>
+              <a:rPr lang="iw">
+                <a:latin typeface="David Libre"/>
+                <a:ea typeface="David Libre"/>
+                <a:cs typeface="David Libre"/>
+                <a:sym typeface="David Libre"/>
+              </a:rPr>
               <a:t>זיהוי פריימים חדים עם כיסוי מספק היה מתאגר</a:t>
             </a:r>
-            <a:endParaRPr/>
+            <a:endParaRPr>
+              <a:latin typeface="David Libre"/>
+              <a:ea typeface="David Libre"/>
+              <a:cs typeface="David Libre"/>
+              <a:sym typeface="David Libre"/>
+            </a:endParaRPr>
           </a:p>
           <a:p>
             <a:pPr indent="-325755" lvl="0" marL="457200" rtl="1" algn="r">
@@ -7554,13 +7724,24 @@
                 <a:spcPts val="0"/>
               </a:spcAft>
               <a:buSzPct val="100000"/>
+              <a:buFont typeface="David Libre"/>
               <a:buChar char="●"/>
             </a:pPr>
             <a:r>
-              <a:rPr lang="iw"/>
+              <a:rPr lang="iw">
+                <a:latin typeface="David Libre"/>
+                <a:ea typeface="David Libre"/>
+                <a:cs typeface="David Libre"/>
+                <a:sym typeface="David Libre"/>
+              </a:rPr>
               <a:t>הפתרון: יישמנו פונקציות calculate_sharpness ו- estimate_motion למדוד חדות ותנועה בפריימים כדי לשפר את האיכות</a:t>
             </a:r>
-            <a:endParaRPr/>
+            <a:endParaRPr>
+              <a:latin typeface="David Libre"/>
+              <a:ea typeface="David Libre"/>
+              <a:cs typeface="David Libre"/>
+              <a:sym typeface="David Libre"/>
+            </a:endParaRPr>
           </a:p>
           <a:p>
             <a:pPr indent="0" lvl="0" marL="0" rtl="1" algn="r">
@@ -7573,10 +7754,20 @@
               <a:buNone/>
             </a:pPr>
             <a:r>
-              <a:rPr lang="iw"/>
+              <a:rPr lang="iw">
+                <a:latin typeface="David Libre"/>
+                <a:ea typeface="David Libre"/>
+                <a:cs typeface="David Libre"/>
+                <a:sym typeface="David Libre"/>
+              </a:rPr>
               <a:t>זמן עיבוד ארוך:</a:t>
             </a:r>
-            <a:endParaRPr/>
+            <a:endParaRPr>
+              <a:latin typeface="David Libre"/>
+              <a:ea typeface="David Libre"/>
+              <a:cs typeface="David Libre"/>
+              <a:sym typeface="David Libre"/>
+            </a:endParaRPr>
           </a:p>
           <a:p>
             <a:pPr indent="-325755" lvl="0" marL="457200" rtl="1" algn="r">
@@ -7587,13 +7778,24 @@
                 <a:spcPts val="0"/>
               </a:spcAft>
               <a:buSzPct val="100000"/>
+              <a:buFont typeface="David Libre"/>
               <a:buChar char="●"/>
             </a:pPr>
             <a:r>
-              <a:rPr lang="iw"/>
+              <a:rPr lang="iw">
+                <a:latin typeface="David Libre"/>
+                <a:ea typeface="David Libre"/>
+                <a:cs typeface="David Libre"/>
+                <a:sym typeface="David Libre"/>
+              </a:rPr>
               <a:t>פעולות עיבוד גרמו לזמני ריצה גבוהים</a:t>
             </a:r>
-            <a:endParaRPr/>
+            <a:endParaRPr>
+              <a:latin typeface="David Libre"/>
+              <a:ea typeface="David Libre"/>
+              <a:cs typeface="David Libre"/>
+              <a:sym typeface="David Libre"/>
+            </a:endParaRPr>
           </a:p>
           <a:p>
             <a:pPr indent="-325755" lvl="0" marL="457200" rtl="1" algn="r">
@@ -7604,13 +7806,24 @@
                 <a:spcPts val="0"/>
               </a:spcAft>
               <a:buSzPct val="100000"/>
+              <a:buFont typeface="David Libre"/>
               <a:buChar char="●"/>
             </a:pPr>
             <a:r>
-              <a:rPr lang="iw"/>
+              <a:rPr lang="iw">
+                <a:latin typeface="David Libre"/>
+                <a:ea typeface="David Libre"/>
+                <a:cs typeface="David Libre"/>
+                <a:sym typeface="David Libre"/>
+              </a:rPr>
               <a:t>הפתרון: ביצענו אופטימיזציה לתהליך בחירת הפריימים, כך שהכלי מתמקד מראש בפריימים בעלי פוטנציאל גבוה יותר</a:t>
             </a:r>
-            <a:endParaRPr/>
+            <a:endParaRPr>
+              <a:latin typeface="David Libre"/>
+              <a:ea typeface="David Libre"/>
+              <a:cs typeface="David Libre"/>
+              <a:sym typeface="David Libre"/>
+            </a:endParaRPr>
           </a:p>
           <a:p>
             <a:pPr indent="0" lvl="0" marL="0" rtl="1" algn="r">
@@ -7623,10 +7836,20 @@
               <a:buNone/>
             </a:pPr>
             <a:r>
-              <a:rPr lang="iw"/>
+              <a:rPr lang="iw">
+                <a:latin typeface="David Libre"/>
+                <a:ea typeface="David Libre"/>
+                <a:cs typeface="David Libre"/>
+                <a:sym typeface="David Libre"/>
+              </a:rPr>
               <a:t>מיזוג ענני נקודות:</a:t>
             </a:r>
-            <a:endParaRPr/>
+            <a:endParaRPr>
+              <a:latin typeface="David Libre"/>
+              <a:ea typeface="David Libre"/>
+              <a:cs typeface="David Libre"/>
+              <a:sym typeface="David Libre"/>
+            </a:endParaRPr>
           </a:p>
           <a:p>
             <a:pPr indent="-325755" lvl="0" marL="457200" rtl="1" algn="r">
@@ -7637,13 +7860,24 @@
                 <a:spcPts val="0"/>
               </a:spcAft>
               <a:buSzPct val="100000"/>
+              <a:buFont typeface="David Libre"/>
               <a:buChar char="●"/>
             </a:pPr>
             <a:r>
-              <a:rPr lang="iw"/>
+              <a:rPr lang="iw">
+                <a:latin typeface="David Libre"/>
+                <a:ea typeface="David Libre"/>
+                <a:cs typeface="David Libre"/>
+                <a:sym typeface="David Libre"/>
+              </a:rPr>
               <a:t>שילוב נכון של ענני נקודות היה מאתגר כיוון שלא כל ענן היה מיושר כהלכה</a:t>
             </a:r>
-            <a:endParaRPr/>
+            <a:endParaRPr>
+              <a:latin typeface="David Libre"/>
+              <a:ea typeface="David Libre"/>
+              <a:cs typeface="David Libre"/>
+              <a:sym typeface="David Libre"/>
+            </a:endParaRPr>
           </a:p>
           <a:p>
             <a:pPr indent="-325755" lvl="0" marL="457200" rtl="1" algn="r">
@@ -7654,13 +7888,24 @@
                 <a:spcPts val="0"/>
               </a:spcAft>
               <a:buSzPct val="100000"/>
+              <a:buFont typeface="David Libre"/>
               <a:buChar char="●"/>
             </a:pPr>
             <a:r>
-              <a:rPr lang="iw"/>
+              <a:rPr lang="iw">
+                <a:latin typeface="David Libre"/>
+                <a:ea typeface="David Libre"/>
+                <a:cs typeface="David Libre"/>
+                <a:sym typeface="David Libre"/>
+              </a:rPr>
               <a:t>הפתרון: שימוש באלגוריתם ICP להשגת התאמה מיטבית מירבית בין העננים</a:t>
             </a:r>
-            <a:endParaRPr/>
+            <a:endParaRPr>
+              <a:latin typeface="David Libre"/>
+              <a:ea typeface="David Libre"/>
+              <a:cs typeface="David Libre"/>
+              <a:sym typeface="David Libre"/>
+            </a:endParaRPr>
           </a:p>
         </p:txBody>
       </p:sp>
@@ -7722,10 +7967,20 @@
               <a:buNone/>
             </a:pPr>
             <a:r>
-              <a:rPr lang="iw"/>
+              <a:rPr lang="iw">
+                <a:latin typeface="David Libre"/>
+                <a:ea typeface="David Libre"/>
+                <a:cs typeface="David Libre"/>
+                <a:sym typeface="David Libre"/>
+              </a:rPr>
               <a:t>דיון, מסקנות ושיפורים</a:t>
             </a:r>
-            <a:endParaRPr/>
+            <a:endParaRPr>
+              <a:latin typeface="David Libre"/>
+              <a:ea typeface="David Libre"/>
+              <a:cs typeface="David Libre"/>
+              <a:sym typeface="David Libre"/>
+            </a:endParaRPr>
           </a:p>
         </p:txBody>
       </p:sp>
@@ -7762,10 +8017,20 @@
               <a:buNone/>
             </a:pPr>
             <a:r>
-              <a:rPr lang="iw"/>
+              <a:rPr lang="iw">
+                <a:latin typeface="David Libre"/>
+                <a:ea typeface="David Libre"/>
+                <a:cs typeface="David Libre"/>
+                <a:sym typeface="David Libre"/>
+              </a:rPr>
               <a:t>מסקנות:</a:t>
             </a:r>
-            <a:endParaRPr/>
+            <a:endParaRPr>
+              <a:latin typeface="David Libre"/>
+              <a:ea typeface="David Libre"/>
+              <a:cs typeface="David Libre"/>
+              <a:sym typeface="David Libre"/>
+            </a:endParaRPr>
           </a:p>
           <a:p>
             <a:pPr indent="-342900" lvl="0" marL="457200" rtl="1" algn="r">
@@ -7776,13 +8041,24 @@
                 <a:spcPts val="0"/>
               </a:spcAft>
               <a:buSzPts val="1800"/>
+              <a:buFont typeface="David Libre"/>
               <a:buChar char="●"/>
             </a:pPr>
             <a:r>
-              <a:rPr lang="iw"/>
+              <a:rPr lang="iw">
+                <a:latin typeface="David Libre"/>
+                <a:ea typeface="David Libre"/>
+                <a:cs typeface="David Libre"/>
+                <a:sym typeface="David Libre"/>
+              </a:rPr>
               <a:t>הכלים שפיתחנו הצליחו להפיק תמונות חדות וממוקדות ככל האפשר לפוטוגרמטריה ויצירת ענני נקודות</a:t>
             </a:r>
-            <a:endParaRPr/>
+            <a:endParaRPr>
+              <a:latin typeface="David Libre"/>
+              <a:ea typeface="David Libre"/>
+              <a:cs typeface="David Libre"/>
+              <a:sym typeface="David Libre"/>
+            </a:endParaRPr>
           </a:p>
           <a:p>
             <a:pPr indent="-342900" lvl="0" marL="457200" rtl="1" algn="r">
@@ -7793,13 +8069,24 @@
                 <a:spcPts val="0"/>
               </a:spcAft>
               <a:buSzPts val="1800"/>
+              <a:buFont typeface="David Libre"/>
               <a:buChar char="●"/>
             </a:pPr>
             <a:r>
-              <a:rPr lang="iw"/>
+              <a:rPr lang="iw">
+                <a:latin typeface="David Libre"/>
+                <a:ea typeface="David Libre"/>
+                <a:cs typeface="David Libre"/>
+                <a:sym typeface="David Libre"/>
+              </a:rPr>
               <a:t>אלגוריתם ה ICP היווה חלק חשוב ומרכזי במיזוג כל שתי ענני נקודות</a:t>
             </a:r>
-            <a:endParaRPr/>
+            <a:endParaRPr>
+              <a:latin typeface="David Libre"/>
+              <a:ea typeface="David Libre"/>
+              <a:cs typeface="David Libre"/>
+              <a:sym typeface="David Libre"/>
+            </a:endParaRPr>
           </a:p>
           <a:p>
             <a:pPr indent="0" lvl="0" marL="0" rtl="1" algn="r">
@@ -7814,7 +8101,12 @@
             <a:r>
               <a:t/>
             </a:r>
-            <a:endParaRPr/>
+            <a:endParaRPr>
+              <a:latin typeface="David Libre"/>
+              <a:ea typeface="David Libre"/>
+              <a:cs typeface="David Libre"/>
+              <a:sym typeface="David Libre"/>
+            </a:endParaRPr>
           </a:p>
           <a:p>
             <a:pPr indent="0" lvl="0" marL="0" rtl="1" algn="r">
@@ -7827,10 +8119,20 @@
               <a:buNone/>
             </a:pPr>
             <a:r>
-              <a:rPr lang="iw"/>
+              <a:rPr lang="iw">
+                <a:latin typeface="David Libre"/>
+                <a:ea typeface="David Libre"/>
+                <a:cs typeface="David Libre"/>
+                <a:sym typeface="David Libre"/>
+              </a:rPr>
               <a:t>שיפורים לעתיד:</a:t>
             </a:r>
-            <a:endParaRPr/>
+            <a:endParaRPr>
+              <a:latin typeface="David Libre"/>
+              <a:ea typeface="David Libre"/>
+              <a:cs typeface="David Libre"/>
+              <a:sym typeface="David Libre"/>
+            </a:endParaRPr>
           </a:p>
           <a:p>
             <a:pPr indent="-342900" lvl="0" marL="457200" rtl="1" algn="r">
@@ -7841,13 +8143,24 @@
                 <a:spcPts val="0"/>
               </a:spcAft>
               <a:buSzPts val="1800"/>
+              <a:buFont typeface="David Libre"/>
               <a:buChar char="●"/>
             </a:pPr>
             <a:r>
-              <a:rPr lang="iw"/>
+              <a:rPr lang="iw">
+                <a:latin typeface="David Libre"/>
+                <a:ea typeface="David Libre"/>
+                <a:cs typeface="David Libre"/>
+                <a:sym typeface="David Libre"/>
+              </a:rPr>
               <a:t>שימוש בפתרונות מהירים יותר לעיבוד פריימים כדי להקטין ולייעל את זמן הריצה</a:t>
             </a:r>
-            <a:endParaRPr/>
+            <a:endParaRPr>
+              <a:latin typeface="David Libre"/>
+              <a:ea typeface="David Libre"/>
+              <a:cs typeface="David Libre"/>
+              <a:sym typeface="David Libre"/>
+            </a:endParaRPr>
           </a:p>
           <a:p>
             <a:pPr indent="-342900" lvl="0" marL="457200" rtl="1" algn="r">
@@ -7858,13 +8171,24 @@
                 <a:spcPts val="0"/>
               </a:spcAft>
               <a:buSzPts val="1800"/>
+              <a:buFont typeface="David Libre"/>
               <a:buChar char="●"/>
             </a:pPr>
             <a:r>
-              <a:rPr lang="iw"/>
+              <a:rPr lang="iw">
+                <a:latin typeface="David Libre"/>
+                <a:ea typeface="David Libre"/>
+                <a:cs typeface="David Libre"/>
+                <a:sym typeface="David Libre"/>
+              </a:rPr>
               <a:t>שימוש בכלים נוספים על מנת לשפר את מיזוג ענני הנקודות</a:t>
             </a:r>
-            <a:endParaRPr/>
+            <a:endParaRPr>
+              <a:latin typeface="David Libre"/>
+              <a:ea typeface="David Libre"/>
+              <a:cs typeface="David Libre"/>
+              <a:sym typeface="David Libre"/>
+            </a:endParaRPr>
           </a:p>
         </p:txBody>
       </p:sp>
@@ -7926,10 +8250,20 @@
               <a:buNone/>
             </a:pPr>
             <a:r>
-              <a:rPr lang="iw"/>
+              <a:rPr lang="iw">
+                <a:latin typeface="David Libre"/>
+                <a:ea typeface="David Libre"/>
+                <a:cs typeface="David Libre"/>
+                <a:sym typeface="David Libre"/>
+              </a:rPr>
               <a:t>פוטוגרמטריה</a:t>
             </a:r>
-            <a:endParaRPr/>
+            <a:endParaRPr>
+              <a:latin typeface="David Libre"/>
+              <a:ea typeface="David Libre"/>
+              <a:cs typeface="David Libre"/>
+              <a:sym typeface="David Libre"/>
+            </a:endParaRPr>
           </a:p>
         </p:txBody>
       </p:sp>
@@ -7970,6 +8304,10 @@
                 <a:solidFill>
                   <a:schemeClr val="dk1"/>
                 </a:solidFill>
+                <a:latin typeface="David Libre"/>
+                <a:ea typeface="David Libre"/>
+                <a:cs typeface="David Libre"/>
+                <a:sym typeface="David Libre"/>
               </a:rPr>
               <a:t>פוטוגרמטריה היא שיטה למדידת מרחקים ויצירת מודלים תלת-ממדיים באמצעות ניתוח תמונות דו-ממדיות של אובייקט או סביבה מסוימת. בשיטה זו מצלמים אובייקטים מכמה זוויות שונות, ואז נעשה שימוש בתוכנות ייעודיות כדי לזהות את הנקודות המשותפות בתמונות השונות ולהרכיב מהן מודל מרחבי מדויק של האובייקט או הסביב</a:t>
             </a:r>
@@ -7978,6 +8316,10 @@
                 <a:solidFill>
                   <a:schemeClr val="dk1"/>
                 </a:solidFill>
+                <a:latin typeface="David Libre"/>
+                <a:ea typeface="David Libre"/>
+                <a:cs typeface="David Libre"/>
+                <a:sym typeface="David Libre"/>
               </a:rPr>
               <a:t>ה</a:t>
             </a:r>
@@ -7985,6 +8327,10 @@
               <a:solidFill>
                 <a:schemeClr val="dk1"/>
               </a:solidFill>
+              <a:latin typeface="David Libre"/>
+              <a:ea typeface="David Libre"/>
+              <a:cs typeface="David Libre"/>
+              <a:sym typeface="David Libre"/>
             </a:endParaRPr>
           </a:p>
           <a:p>
@@ -8002,6 +8348,10 @@
                 <a:solidFill>
                   <a:schemeClr val="dk1"/>
                 </a:solidFill>
+                <a:latin typeface="David Libre"/>
+                <a:ea typeface="David Libre"/>
+                <a:cs typeface="David Libre"/>
+                <a:sym typeface="David Libre"/>
               </a:rPr>
               <a:t>שלבי תהליך הפוטוגרמטריה</a:t>
             </a:r>
@@ -8009,6 +8359,10 @@
               <a:solidFill>
                 <a:schemeClr val="dk1"/>
               </a:solidFill>
+              <a:latin typeface="David Libre"/>
+              <a:ea typeface="David Libre"/>
+              <a:cs typeface="David Libre"/>
+              <a:sym typeface="David Libre"/>
             </a:endParaRPr>
           </a:p>
           <a:p>
@@ -8030,6 +8384,10 @@
                 <a:solidFill>
                   <a:schemeClr val="dk1"/>
                 </a:solidFill>
+                <a:latin typeface="David Libre"/>
+                <a:ea typeface="David Libre"/>
+                <a:cs typeface="David Libre"/>
+                <a:sym typeface="David Libre"/>
               </a:rPr>
               <a:t>צילום</a:t>
             </a:r>
@@ -8038,6 +8396,10 @@
                 <a:solidFill>
                   <a:schemeClr val="dk1"/>
                 </a:solidFill>
+                <a:latin typeface="David Libre"/>
+                <a:ea typeface="David Libre"/>
+                <a:cs typeface="David Libre"/>
+                <a:sym typeface="David Libre"/>
               </a:rPr>
               <a:t> - צילומי האובייקט מכל הזוויות הנדרשות.</a:t>
             </a:r>
@@ -8045,6 +8407,10 @@
               <a:solidFill>
                 <a:schemeClr val="dk1"/>
               </a:solidFill>
+              <a:latin typeface="David Libre"/>
+              <a:ea typeface="David Libre"/>
+              <a:cs typeface="David Libre"/>
+              <a:sym typeface="David Libre"/>
             </a:endParaRPr>
           </a:p>
           <a:p>
@@ -8066,6 +8432,10 @@
                 <a:solidFill>
                   <a:schemeClr val="dk1"/>
                 </a:solidFill>
+                <a:latin typeface="David Libre"/>
+                <a:ea typeface="David Libre"/>
+                <a:cs typeface="David Libre"/>
+                <a:sym typeface="David Libre"/>
               </a:rPr>
               <a:t>רישוי והתאמת נקודות</a:t>
             </a:r>
@@ -8074,6 +8444,10 @@
                 <a:solidFill>
                   <a:schemeClr val="dk1"/>
                 </a:solidFill>
+                <a:latin typeface="David Libre"/>
+                <a:ea typeface="David Libre"/>
+                <a:cs typeface="David Libre"/>
+                <a:sym typeface="David Libre"/>
               </a:rPr>
               <a:t> - זיהוי והצלבה של נקודות תואמות בין התמונות.</a:t>
             </a:r>
@@ -8081,6 +8455,10 @@
               <a:solidFill>
                 <a:schemeClr val="dk1"/>
               </a:solidFill>
+              <a:latin typeface="David Libre"/>
+              <a:ea typeface="David Libre"/>
+              <a:cs typeface="David Libre"/>
+              <a:sym typeface="David Libre"/>
             </a:endParaRPr>
           </a:p>
           <a:p>
@@ -8102,6 +8480,10 @@
                 <a:solidFill>
                   <a:schemeClr val="dk1"/>
                 </a:solidFill>
+                <a:latin typeface="David Libre"/>
+                <a:ea typeface="David Libre"/>
+                <a:cs typeface="David Libre"/>
+                <a:sym typeface="David Libre"/>
               </a:rPr>
               <a:t>בניית ענן נקודות</a:t>
             </a:r>
@@ -8110,6 +8492,10 @@
                 <a:solidFill>
                   <a:schemeClr val="dk1"/>
                 </a:solidFill>
+                <a:latin typeface="David Libre"/>
+                <a:ea typeface="David Libre"/>
+                <a:cs typeface="David Libre"/>
+                <a:sym typeface="David Libre"/>
               </a:rPr>
               <a:t> - יצירת מודל תלת-ממדי המבוסס על נקודות בודדות במרחב.</a:t>
             </a:r>
@@ -8117,6 +8503,10 @@
               <a:solidFill>
                 <a:schemeClr val="dk1"/>
               </a:solidFill>
+              <a:latin typeface="David Libre"/>
+              <a:ea typeface="David Libre"/>
+              <a:cs typeface="David Libre"/>
+              <a:sym typeface="David Libre"/>
             </a:endParaRPr>
           </a:p>
           <a:p>
@@ -8131,6 +8521,7 @@
                 <a:schemeClr val="dk1"/>
               </a:buClr>
               <a:buSzPct val="100000"/>
+              <a:buFont typeface="David Libre"/>
               <a:buAutoNum type="arabicPeriod"/>
             </a:pPr>
             <a:r>
@@ -8138,6 +8529,10 @@
                 <a:solidFill>
                   <a:schemeClr val="dk1"/>
                 </a:solidFill>
+                <a:latin typeface="David Libre"/>
+                <a:ea typeface="David Libre"/>
+                <a:cs typeface="David Libre"/>
+                <a:sym typeface="David Libre"/>
               </a:rPr>
               <a:t>בניית מודל מלא.</a:t>
             </a:r>
@@ -8145,6 +8540,10 @@
               <a:solidFill>
                 <a:schemeClr val="dk1"/>
               </a:solidFill>
+              <a:latin typeface="David Libre"/>
+              <a:ea typeface="David Libre"/>
+              <a:cs typeface="David Libre"/>
+              <a:sym typeface="David Libre"/>
             </a:endParaRPr>
           </a:p>
           <a:p>
@@ -8169,6 +8568,10 @@
               <a:solidFill>
                 <a:schemeClr val="dk1"/>
               </a:solidFill>
+              <a:latin typeface="David Libre"/>
+              <a:ea typeface="David Libre"/>
+              <a:cs typeface="David Libre"/>
+              <a:sym typeface="David Libre"/>
             </a:endParaRPr>
           </a:p>
           <a:p>
@@ -8184,7 +8587,12 @@
             <a:r>
               <a:t/>
             </a:r>
-            <a:endParaRPr/>
+            <a:endParaRPr>
+              <a:latin typeface="David Libre"/>
+              <a:ea typeface="David Libre"/>
+              <a:cs typeface="David Libre"/>
+              <a:sym typeface="David Libre"/>
+            </a:endParaRPr>
           </a:p>
         </p:txBody>
       </p:sp>
@@ -8246,10 +8654,20 @@
               <a:buNone/>
             </a:pPr>
             <a:r>
-              <a:rPr lang="iw"/>
+              <a:rPr lang="iw">
+                <a:latin typeface="David Libre"/>
+                <a:ea typeface="David Libre"/>
+                <a:cs typeface="David Libre"/>
+                <a:sym typeface="David Libre"/>
+              </a:rPr>
               <a:t>חברות מובילות בתחום הפוטוגרמטריה</a:t>
             </a:r>
-            <a:endParaRPr/>
+            <a:endParaRPr>
+              <a:latin typeface="David Libre"/>
+              <a:ea typeface="David Libre"/>
+              <a:cs typeface="David Libre"/>
+              <a:sym typeface="David Libre"/>
+            </a:endParaRPr>
           </a:p>
         </p:txBody>
       </p:sp>
@@ -8284,13 +8702,24 @@
                 <a:spcPts val="0"/>
               </a:spcAft>
               <a:buSzPts val="1800"/>
+              <a:buFont typeface="David Libre"/>
               <a:buChar char="●"/>
             </a:pPr>
             <a:r>
-              <a:rPr lang="iw"/>
+              <a:rPr lang="iw">
+                <a:latin typeface="David Libre"/>
+                <a:ea typeface="David Libre"/>
+                <a:cs typeface="David Libre"/>
+                <a:sym typeface="David Libre"/>
+              </a:rPr>
               <a:t>Pix4D: חברה שוויצרית המתמחה בפיתוח תוכנות לעיבוד תמונות לפוטוגרמטריה כמו Pix4Dmapper</a:t>
             </a:r>
-            <a:endParaRPr/>
+            <a:endParaRPr>
+              <a:latin typeface="David Libre"/>
+              <a:ea typeface="David Libre"/>
+              <a:cs typeface="David Libre"/>
+              <a:sym typeface="David Libre"/>
+            </a:endParaRPr>
           </a:p>
           <a:p>
             <a:pPr indent="0" lvl="0" marL="457200" rtl="1" algn="r">
@@ -8305,7 +8734,12 @@
             <a:r>
               <a:t/>
             </a:r>
-            <a:endParaRPr/>
+            <a:endParaRPr>
+              <a:latin typeface="David Libre"/>
+              <a:ea typeface="David Libre"/>
+              <a:cs typeface="David Libre"/>
+              <a:sym typeface="David Libre"/>
+            </a:endParaRPr>
           </a:p>
           <a:p>
             <a:pPr indent="-342900" lvl="0" marL="457200" rtl="1" algn="r">
@@ -8316,13 +8750,24 @@
                 <a:spcPts val="0"/>
               </a:spcAft>
               <a:buSzPts val="1800"/>
+              <a:buFont typeface="David Libre"/>
               <a:buChar char="●"/>
             </a:pPr>
             <a:r>
-              <a:rPr lang="iw"/>
+              <a:rPr lang="iw">
+                <a:latin typeface="David Libre"/>
+                <a:ea typeface="David Libre"/>
+                <a:cs typeface="David Libre"/>
+                <a:sym typeface="David Libre"/>
+              </a:rPr>
               <a:t>Agisoft Metashape: תוכנה מתקדמת לפוטוגרמטריה שמספקת כלים ליצירת מודלים תלת-מימדיים, תצלומי אוויר וסריקות שטח</a:t>
             </a:r>
-            <a:endParaRPr/>
+            <a:endParaRPr>
+              <a:latin typeface="David Libre"/>
+              <a:ea typeface="David Libre"/>
+              <a:cs typeface="David Libre"/>
+              <a:sym typeface="David Libre"/>
+            </a:endParaRPr>
           </a:p>
           <a:p>
             <a:pPr indent="0" lvl="0" marL="457200" rtl="1" algn="r">
@@ -8337,7 +8782,12 @@
             <a:r>
               <a:t/>
             </a:r>
-            <a:endParaRPr/>
+            <a:endParaRPr>
+              <a:latin typeface="David Libre"/>
+              <a:ea typeface="David Libre"/>
+              <a:cs typeface="David Libre"/>
+              <a:sym typeface="David Libre"/>
+            </a:endParaRPr>
           </a:p>
           <a:p>
             <a:pPr indent="-342900" lvl="0" marL="457200" rtl="1" algn="r">
@@ -8348,13 +8798,24 @@
                 <a:spcPts val="0"/>
               </a:spcAft>
               <a:buSzPts val="1800"/>
+              <a:buFont typeface="David Libre"/>
               <a:buChar char="●"/>
             </a:pPr>
             <a:r>
-              <a:rPr lang="iw"/>
+              <a:rPr lang="iw">
+                <a:latin typeface="David Libre"/>
+                <a:ea typeface="David Libre"/>
+                <a:cs typeface="David Libre"/>
+                <a:sym typeface="David Libre"/>
+              </a:rPr>
               <a:t>DroneDeploy: חברה אמריקאית המתמחה בתוכנות מיפוי וצילום מבוססות רחפנים בדגש על חקלאות, בנייה ותחום האנרגיה</a:t>
             </a:r>
-            <a:endParaRPr/>
+            <a:endParaRPr>
+              <a:latin typeface="David Libre"/>
+              <a:ea typeface="David Libre"/>
+              <a:cs typeface="David Libre"/>
+              <a:sym typeface="David Libre"/>
+            </a:endParaRPr>
           </a:p>
         </p:txBody>
       </p:sp>
@@ -8416,10 +8877,20 @@
               <a:buNone/>
             </a:pPr>
             <a:r>
-              <a:rPr lang="iw"/>
+              <a:rPr lang="iw">
+                <a:latin typeface="David Libre"/>
+                <a:ea typeface="David Libre"/>
+                <a:cs typeface="David Libre"/>
+                <a:sym typeface="David Libre"/>
+              </a:rPr>
               <a:t>שלבים מרכזיים בפרויקט</a:t>
             </a:r>
-            <a:endParaRPr/>
+            <a:endParaRPr>
+              <a:latin typeface="David Libre"/>
+              <a:ea typeface="David Libre"/>
+              <a:cs typeface="David Libre"/>
+              <a:sym typeface="David Libre"/>
+            </a:endParaRPr>
           </a:p>
         </p:txBody>
       </p:sp>
@@ -8454,13 +8925,24 @@
                 <a:spcPts val="0"/>
               </a:spcAft>
               <a:buSzPts val="1800"/>
+              <a:buFont typeface="David Libre"/>
               <a:buChar char="●"/>
             </a:pPr>
             <a:r>
-              <a:rPr lang="iw"/>
+              <a:rPr lang="iw">
+                <a:latin typeface="David Libre"/>
+                <a:ea typeface="David Libre"/>
+                <a:cs typeface="David Libre"/>
+                <a:sym typeface="David Libre"/>
+              </a:rPr>
               <a:t>בחירות פריימים מיטבית: שימוש בכלי שפיתחנו על מנת למפות פריימים בעלי חדות גבוהה, תנועה מינימלית וחפיפה נמוכה לכיסוי שטח מקסימלי ושיפור ענן הנקודות</a:t>
             </a:r>
-            <a:endParaRPr/>
+            <a:endParaRPr>
+              <a:latin typeface="David Libre"/>
+              <a:ea typeface="David Libre"/>
+              <a:cs typeface="David Libre"/>
+              <a:sym typeface="David Libre"/>
+            </a:endParaRPr>
           </a:p>
           <a:p>
             <a:pPr indent="0" lvl="0" marL="457200" rtl="1" algn="r">
@@ -8475,7 +8957,12 @@
             <a:r>
               <a:t/>
             </a:r>
-            <a:endParaRPr/>
+            <a:endParaRPr>
+              <a:latin typeface="David Libre"/>
+              <a:ea typeface="David Libre"/>
+              <a:cs typeface="David Libre"/>
+              <a:sym typeface="David Libre"/>
+            </a:endParaRPr>
           </a:p>
           <a:p>
             <a:pPr indent="-342900" lvl="0" marL="457200" rtl="1" algn="r">
@@ -8486,13 +8973,24 @@
                 <a:spcPts val="0"/>
               </a:spcAft>
               <a:buSzPts val="1800"/>
+              <a:buFont typeface="David Libre"/>
               <a:buChar char="●"/>
             </a:pPr>
             <a:r>
-              <a:rPr lang="iw"/>
+              <a:rPr lang="iw">
+                <a:latin typeface="David Libre"/>
+                <a:ea typeface="David Libre"/>
+                <a:cs typeface="David Libre"/>
+                <a:sym typeface="David Libre"/>
+              </a:rPr>
               <a:t>יצירת ענני נקודות: שימוש בכלי שפיתחנו ו- Meshroom ליצירת ענני נקודות מדוייקים מהפריימים שנבחרו</a:t>
             </a:r>
-            <a:endParaRPr/>
+            <a:endParaRPr>
+              <a:latin typeface="David Libre"/>
+              <a:ea typeface="David Libre"/>
+              <a:cs typeface="David Libre"/>
+              <a:sym typeface="David Libre"/>
+            </a:endParaRPr>
           </a:p>
           <a:p>
             <a:pPr indent="0" lvl="0" marL="457200" rtl="1" algn="r">
@@ -8507,7 +9005,12 @@
             <a:r>
               <a:t/>
             </a:r>
-            <a:endParaRPr/>
+            <a:endParaRPr>
+              <a:latin typeface="David Libre"/>
+              <a:ea typeface="David Libre"/>
+              <a:cs typeface="David Libre"/>
+              <a:sym typeface="David Libre"/>
+            </a:endParaRPr>
           </a:p>
           <a:p>
             <a:pPr indent="-342900" lvl="0" marL="457200" rtl="1" algn="r">
@@ -8518,13 +9021,24 @@
                 <a:spcPts val="0"/>
               </a:spcAft>
               <a:buSzPts val="1800"/>
+              <a:buFont typeface="David Libre"/>
               <a:buChar char="●"/>
             </a:pPr>
             <a:r>
-              <a:rPr lang="iw"/>
+              <a:rPr lang="iw">
+                <a:latin typeface="David Libre"/>
+                <a:ea typeface="David Libre"/>
+                <a:cs typeface="David Libre"/>
+                <a:sym typeface="David Libre"/>
+              </a:rPr>
               <a:t>מיזוג עננים: שילוב ענני נקודות ממספר סרטונים כדי ליצור מבנה תלת-מימדי גדול</a:t>
             </a:r>
-            <a:endParaRPr/>
+            <a:endParaRPr>
+              <a:latin typeface="David Libre"/>
+              <a:ea typeface="David Libre"/>
+              <a:cs typeface="David Libre"/>
+              <a:sym typeface="David Libre"/>
+            </a:endParaRPr>
           </a:p>
         </p:txBody>
       </p:sp>
@@ -8586,10 +9100,20 @@
               <a:buNone/>
             </a:pPr>
             <a:r>
-              <a:rPr lang="iw"/>
+              <a:rPr lang="iw">
+                <a:latin typeface="David Libre"/>
+                <a:ea typeface="David Libre"/>
+                <a:cs typeface="David Libre"/>
+                <a:sym typeface="David Libre"/>
+              </a:rPr>
               <a:t>כלים וטכנולוגיות בפרוייקט</a:t>
             </a:r>
-            <a:endParaRPr/>
+            <a:endParaRPr>
+              <a:latin typeface="David Libre"/>
+              <a:ea typeface="David Libre"/>
+              <a:cs typeface="David Libre"/>
+              <a:sym typeface="David Libre"/>
+            </a:endParaRPr>
           </a:p>
         </p:txBody>
       </p:sp>
@@ -8626,10 +9150,20 @@
               <a:buNone/>
             </a:pPr>
             <a:r>
-              <a:rPr lang="iw"/>
+              <a:rPr lang="iw">
+                <a:latin typeface="David Libre"/>
+                <a:ea typeface="David Libre"/>
+                <a:cs typeface="David Libre"/>
+                <a:sym typeface="David Libre"/>
+              </a:rPr>
               <a:t>Meshroom</a:t>
             </a:r>
-            <a:endParaRPr/>
+            <a:endParaRPr>
+              <a:latin typeface="David Libre"/>
+              <a:ea typeface="David Libre"/>
+              <a:cs typeface="David Libre"/>
+              <a:sym typeface="David Libre"/>
+            </a:endParaRPr>
           </a:p>
           <a:p>
             <a:pPr indent="-342900" lvl="0" marL="457200" rtl="1" algn="r">
@@ -8640,13 +9174,24 @@
                 <a:spcPts val="0"/>
               </a:spcAft>
               <a:buSzPts val="1800"/>
+              <a:buFont typeface="David Libre"/>
               <a:buChar char="●"/>
             </a:pPr>
             <a:r>
-              <a:rPr lang="iw"/>
+              <a:rPr lang="iw">
+                <a:latin typeface="David Libre"/>
+                <a:ea typeface="David Libre"/>
+                <a:cs typeface="David Libre"/>
+                <a:sym typeface="David Libre"/>
+              </a:rPr>
               <a:t>כלי עיבוד פוטוגרמטרי בקוד פתוח שממיר תמונות דו-מימדיות לענני נקודות תלת מימדיים</a:t>
             </a:r>
-            <a:endParaRPr/>
+            <a:endParaRPr>
+              <a:latin typeface="David Libre"/>
+              <a:ea typeface="David Libre"/>
+              <a:cs typeface="David Libre"/>
+              <a:sym typeface="David Libre"/>
+            </a:endParaRPr>
           </a:p>
           <a:p>
             <a:pPr indent="0" lvl="0" marL="457200" rtl="1" algn="r">
@@ -8661,7 +9206,12 @@
             <a:r>
               <a:t/>
             </a:r>
-            <a:endParaRPr/>
+            <a:endParaRPr>
+              <a:latin typeface="David Libre"/>
+              <a:ea typeface="David Libre"/>
+              <a:cs typeface="David Libre"/>
+              <a:sym typeface="David Libre"/>
+            </a:endParaRPr>
           </a:p>
           <a:p>
             <a:pPr indent="-342900" lvl="0" marL="457200" rtl="1" algn="r">
@@ -8672,13 +9222,24 @@
                 <a:spcPts val="0"/>
               </a:spcAft>
               <a:buSzPts val="1800"/>
+              <a:buFont typeface="David Libre"/>
               <a:buChar char="●"/>
             </a:pPr>
             <a:r>
-              <a:rPr lang="iw"/>
+              <a:rPr lang="iw">
+                <a:latin typeface="David Libre"/>
+                <a:ea typeface="David Libre"/>
+                <a:cs typeface="David Libre"/>
+                <a:sym typeface="David Libre"/>
+              </a:rPr>
               <a:t>שימוש פרוייקט: יצירת ענני נקודות מהתמונות שנבחרו לפי איכותן, בעזרת הכלי vide2Images.py, בתהליך אוטומטי על ידי הכלי images2PointCloud.py</a:t>
             </a:r>
-            <a:endParaRPr/>
+            <a:endParaRPr>
+              <a:latin typeface="David Libre"/>
+              <a:ea typeface="David Libre"/>
+              <a:cs typeface="David Libre"/>
+              <a:sym typeface="David Libre"/>
+            </a:endParaRPr>
           </a:p>
           <a:p>
             <a:pPr indent="0" lvl="0" marL="457200" rtl="1" algn="r">
@@ -8693,7 +9254,12 @@
             <a:r>
               <a:t/>
             </a:r>
-            <a:endParaRPr/>
+            <a:endParaRPr>
+              <a:latin typeface="David Libre"/>
+              <a:ea typeface="David Libre"/>
+              <a:cs typeface="David Libre"/>
+              <a:sym typeface="David Libre"/>
+            </a:endParaRPr>
           </a:p>
         </p:txBody>
       </p:sp>
@@ -8755,10 +9321,20 @@
               <a:buNone/>
             </a:pPr>
             <a:r>
-              <a:rPr lang="iw"/>
+              <a:rPr lang="iw">
+                <a:latin typeface="David Libre"/>
+                <a:ea typeface="David Libre"/>
+                <a:cs typeface="David Libre"/>
+                <a:sym typeface="David Libre"/>
+              </a:rPr>
               <a:t>כלים וטכנולוגיות בפרוייקט</a:t>
             </a:r>
-            <a:endParaRPr/>
+            <a:endParaRPr>
+              <a:latin typeface="David Libre"/>
+              <a:ea typeface="David Libre"/>
+              <a:cs typeface="David Libre"/>
+              <a:sym typeface="David Libre"/>
+            </a:endParaRPr>
           </a:p>
         </p:txBody>
       </p:sp>
@@ -8795,10 +9371,20 @@
               <a:buNone/>
             </a:pPr>
             <a:r>
-              <a:rPr lang="iw"/>
+              <a:rPr lang="iw">
+                <a:latin typeface="David Libre"/>
+                <a:ea typeface="David Libre"/>
+                <a:cs typeface="David Libre"/>
+                <a:sym typeface="David Libre"/>
+              </a:rPr>
               <a:t>CloudCompare</a:t>
             </a:r>
-            <a:endParaRPr/>
+            <a:endParaRPr>
+              <a:latin typeface="David Libre"/>
+              <a:ea typeface="David Libre"/>
+              <a:cs typeface="David Libre"/>
+              <a:sym typeface="David Libre"/>
+            </a:endParaRPr>
           </a:p>
           <a:p>
             <a:pPr indent="-342900" lvl="0" marL="457200" rtl="1" algn="r">
@@ -8809,13 +9395,24 @@
                 <a:spcPts val="0"/>
               </a:spcAft>
               <a:buSzPts val="1800"/>
+              <a:buFont typeface="David Libre"/>
               <a:buChar char="●"/>
             </a:pPr>
             <a:r>
-              <a:rPr lang="iw"/>
+              <a:rPr lang="iw">
+                <a:latin typeface="David Libre"/>
+                <a:ea typeface="David Libre"/>
+                <a:cs typeface="David Libre"/>
+                <a:sym typeface="David Libre"/>
+              </a:rPr>
               <a:t>כלי לעיבוד וניתוח ענני נקודות עם אפשרויות מיזוג ועיבוד מידע תלת-ממדי</a:t>
             </a:r>
-            <a:endParaRPr/>
+            <a:endParaRPr>
+              <a:latin typeface="David Libre"/>
+              <a:ea typeface="David Libre"/>
+              <a:cs typeface="David Libre"/>
+              <a:sym typeface="David Libre"/>
+            </a:endParaRPr>
           </a:p>
           <a:p>
             <a:pPr indent="0" lvl="0" marL="457200" rtl="1" algn="r">
@@ -8830,7 +9427,12 @@
             <a:r>
               <a:t/>
             </a:r>
-            <a:endParaRPr/>
+            <a:endParaRPr>
+              <a:latin typeface="David Libre"/>
+              <a:ea typeface="David Libre"/>
+              <a:cs typeface="David Libre"/>
+              <a:sym typeface="David Libre"/>
+            </a:endParaRPr>
           </a:p>
           <a:p>
             <a:pPr indent="-342900" lvl="0" marL="457200" rtl="1" algn="r">
@@ -8841,13 +9443,24 @@
                 <a:spcPts val="0"/>
               </a:spcAft>
               <a:buSzPts val="1800"/>
+              <a:buFont typeface="David Libre"/>
               <a:buChar char="●"/>
             </a:pPr>
             <a:r>
-              <a:rPr lang="iw"/>
+              <a:rPr lang="iw">
+                <a:latin typeface="David Libre"/>
+                <a:ea typeface="David Libre"/>
+                <a:cs typeface="David Libre"/>
+                <a:sym typeface="David Libre"/>
+              </a:rPr>
               <a:t>שימוש בפרויקט: מיזוג שני ענני נקודות (שהופקו ב-Meshroom) בעזרת הכלי combinePointClouds.py למודל אחיד.</a:t>
             </a:r>
-            <a:endParaRPr/>
+            <a:endParaRPr>
+              <a:latin typeface="David Libre"/>
+              <a:ea typeface="David Libre"/>
+              <a:cs typeface="David Libre"/>
+              <a:sym typeface="David Libre"/>
+            </a:endParaRPr>
           </a:p>
           <a:p>
             <a:pPr indent="0" lvl="0" marL="457200" rtl="1" algn="r">
@@ -8862,7 +9475,12 @@
             <a:r>
               <a:t/>
             </a:r>
-            <a:endParaRPr/>
+            <a:endParaRPr>
+              <a:latin typeface="David Libre"/>
+              <a:ea typeface="David Libre"/>
+              <a:cs typeface="David Libre"/>
+              <a:sym typeface="David Libre"/>
+            </a:endParaRPr>
           </a:p>
         </p:txBody>
       </p:sp>
@@ -8924,10 +9542,20 @@
               <a:buNone/>
             </a:pPr>
             <a:r>
-              <a:rPr lang="iw"/>
+              <a:rPr lang="iw">
+                <a:latin typeface="David Libre"/>
+                <a:ea typeface="David Libre"/>
+                <a:cs typeface="David Libre"/>
+                <a:sym typeface="David Libre"/>
+              </a:rPr>
               <a:t>כלים וטכנולוגיות בפרוייקט</a:t>
             </a:r>
-            <a:endParaRPr/>
+            <a:endParaRPr>
+              <a:latin typeface="David Libre"/>
+              <a:ea typeface="David Libre"/>
+              <a:cs typeface="David Libre"/>
+              <a:sym typeface="David Libre"/>
+            </a:endParaRPr>
           </a:p>
         </p:txBody>
       </p:sp>
@@ -8964,10 +9592,20 @@
               <a:buNone/>
             </a:pPr>
             <a:r>
-              <a:rPr lang="iw"/>
+              <a:rPr lang="iw">
+                <a:latin typeface="David Libre"/>
+                <a:ea typeface="David Libre"/>
+                <a:cs typeface="David Libre"/>
+                <a:sym typeface="David Libre"/>
+              </a:rPr>
               <a:t>video2Images.py</a:t>
             </a:r>
-            <a:endParaRPr/>
+            <a:endParaRPr>
+              <a:latin typeface="David Libre"/>
+              <a:ea typeface="David Libre"/>
+              <a:cs typeface="David Libre"/>
+              <a:sym typeface="David Libre"/>
+            </a:endParaRPr>
           </a:p>
           <a:p>
             <a:pPr indent="-342900" lvl="0" marL="457200" rtl="1" algn="r">
@@ -8978,13 +9616,24 @@
                 <a:spcPts val="0"/>
               </a:spcAft>
               <a:buSzPts val="1800"/>
+              <a:buFont typeface="David Libre"/>
               <a:buChar char="●"/>
             </a:pPr>
             <a:r>
-              <a:rPr lang="iw"/>
+              <a:rPr lang="iw">
+                <a:latin typeface="David Libre"/>
+                <a:ea typeface="David Libre"/>
+                <a:cs typeface="David Libre"/>
+                <a:sym typeface="David Libre"/>
+              </a:rPr>
               <a:t>סקריפט שמחלץ פריימים מווידאו ומסנן אותם לפי חדות ותנועה</a:t>
             </a:r>
-            <a:endParaRPr/>
+            <a:endParaRPr>
+              <a:latin typeface="David Libre"/>
+              <a:ea typeface="David Libre"/>
+              <a:cs typeface="David Libre"/>
+              <a:sym typeface="David Libre"/>
+            </a:endParaRPr>
           </a:p>
           <a:p>
             <a:pPr indent="-342900" lvl="0" marL="457200" rtl="1" algn="r">
@@ -8995,13 +9644,24 @@
                 <a:spcPts val="0"/>
               </a:spcAft>
               <a:buSzPts val="1800"/>
+              <a:buFont typeface="David Libre"/>
               <a:buChar char="●"/>
             </a:pPr>
             <a:r>
-              <a:rPr lang="iw"/>
+              <a:rPr lang="iw">
+                <a:latin typeface="David Libre"/>
+                <a:ea typeface="David Libre"/>
+                <a:cs typeface="David Libre"/>
+                <a:sym typeface="David Libre"/>
+              </a:rPr>
               <a:t>שימוש בפרויקט: מיצוי תמונות באיכות הגבוהה ביותר</a:t>
             </a:r>
-            <a:endParaRPr/>
+            <a:endParaRPr>
+              <a:latin typeface="David Libre"/>
+              <a:ea typeface="David Libre"/>
+              <a:cs typeface="David Libre"/>
+              <a:sym typeface="David Libre"/>
+            </a:endParaRPr>
           </a:p>
           <a:p>
             <a:pPr indent="-342900" lvl="0" marL="457200" rtl="1" algn="r">
@@ -9012,20 +9672,41 @@
                 <a:spcPts val="0"/>
               </a:spcAft>
               <a:buSzPts val="1800"/>
+              <a:buFont typeface="David Libre"/>
               <a:buChar char="●"/>
             </a:pPr>
             <a:r>
-              <a:rPr lang="iw"/>
+              <a:rPr lang="iw">
+                <a:latin typeface="David Libre"/>
+                <a:ea typeface="David Libre"/>
+                <a:cs typeface="David Libre"/>
+                <a:sym typeface="David Libre"/>
+              </a:rPr>
               <a:t>פונקציות עיקריות:</a:t>
             </a:r>
             <a:br>
-              <a:rPr lang="iw"/>
+              <a:rPr lang="iw">
+                <a:latin typeface="David Libre"/>
+                <a:ea typeface="David Libre"/>
+                <a:cs typeface="David Libre"/>
+                <a:sym typeface="David Libre"/>
+              </a:rPr>
             </a:br>
             <a:r>
-              <a:rPr lang="iw"/>
+              <a:rPr lang="iw">
+                <a:latin typeface="David Libre"/>
+                <a:ea typeface="David Libre"/>
+                <a:cs typeface="David Libre"/>
+                <a:sym typeface="David Libre"/>
+              </a:rPr>
               <a:t>1. calculate_sharpness: מחשבת את מידת הבהירות/חדות של פריים</a:t>
             </a:r>
-            <a:endParaRPr/>
+            <a:endParaRPr>
+              <a:latin typeface="David Libre"/>
+              <a:ea typeface="David Libre"/>
+              <a:cs typeface="David Libre"/>
+              <a:sym typeface="David Libre"/>
+            </a:endParaRPr>
           </a:p>
           <a:p>
             <a:pPr indent="0" lvl="0" marL="457200" rtl="1" algn="r">
@@ -9038,10 +9719,20 @@
               <a:buNone/>
             </a:pPr>
             <a:r>
-              <a:rPr lang="iw"/>
+              <a:rPr lang="iw">
+                <a:latin typeface="David Libre"/>
+                <a:ea typeface="David Libre"/>
+                <a:cs typeface="David Libre"/>
+                <a:sym typeface="David Libre"/>
+              </a:rPr>
               <a:t>2. estimate_mothin: מודדת מהירות תנועה בין פריים לפריים</a:t>
             </a:r>
-            <a:endParaRPr/>
+            <a:endParaRPr>
+              <a:latin typeface="David Libre"/>
+              <a:ea typeface="David Libre"/>
+              <a:cs typeface="David Libre"/>
+              <a:sym typeface="David Libre"/>
+            </a:endParaRPr>
           </a:p>
           <a:p>
             <a:pPr indent="0" lvl="0" marL="457200" rtl="1" algn="r">
@@ -9054,10 +9745,20 @@
               <a:buNone/>
             </a:pPr>
             <a:r>
-              <a:rPr lang="iw"/>
+              <a:rPr lang="iw">
+                <a:latin typeface="David Libre"/>
+                <a:ea typeface="David Libre"/>
+                <a:cs typeface="David Libre"/>
+                <a:sym typeface="David Libre"/>
+              </a:rPr>
               <a:t>3. capture_best_frames: שומרת את הפריימים הנבחרים בתיקייה שהוגדרה</a:t>
             </a:r>
-            <a:endParaRPr/>
+            <a:endParaRPr>
+              <a:latin typeface="David Libre"/>
+              <a:ea typeface="David Libre"/>
+              <a:cs typeface="David Libre"/>
+              <a:sym typeface="David Libre"/>
+            </a:endParaRPr>
           </a:p>
         </p:txBody>
       </p:sp>
@@ -9119,10 +9820,20 @@
               <a:buNone/>
             </a:pPr>
             <a:r>
-              <a:rPr lang="iw"/>
+              <a:rPr lang="iw">
+                <a:latin typeface="David Libre"/>
+                <a:ea typeface="David Libre"/>
+                <a:cs typeface="David Libre"/>
+                <a:sym typeface="David Libre"/>
+              </a:rPr>
               <a:t>כלים וטכנולוגיות בפרוייקט</a:t>
             </a:r>
-            <a:endParaRPr/>
+            <a:endParaRPr>
+              <a:latin typeface="David Libre"/>
+              <a:ea typeface="David Libre"/>
+              <a:cs typeface="David Libre"/>
+              <a:sym typeface="David Libre"/>
+            </a:endParaRPr>
           </a:p>
         </p:txBody>
       </p:sp>
@@ -9159,10 +9870,20 @@
               <a:buNone/>
             </a:pPr>
             <a:r>
-              <a:rPr lang="iw"/>
+              <a:rPr lang="iw">
+                <a:latin typeface="David Libre"/>
+                <a:ea typeface="David Libre"/>
+                <a:cs typeface="David Libre"/>
+                <a:sym typeface="David Libre"/>
+              </a:rPr>
               <a:t>images2PointCloud.py</a:t>
             </a:r>
-            <a:endParaRPr/>
+            <a:endParaRPr>
+              <a:latin typeface="David Libre"/>
+              <a:ea typeface="David Libre"/>
+              <a:cs typeface="David Libre"/>
+              <a:sym typeface="David Libre"/>
+            </a:endParaRPr>
           </a:p>
           <a:p>
             <a:pPr indent="-342900" lvl="0" marL="457200" rtl="1" algn="r">
@@ -9173,13 +9894,24 @@
                 <a:spcPts val="0"/>
               </a:spcAft>
               <a:buSzPts val="1800"/>
+              <a:buFont typeface="David Libre"/>
               <a:buChar char="●"/>
             </a:pPr>
             <a:r>
-              <a:rPr lang="iw"/>
+              <a:rPr lang="iw">
+                <a:latin typeface="David Libre"/>
+                <a:ea typeface="David Libre"/>
+                <a:cs typeface="David Libre"/>
+                <a:sym typeface="David Libre"/>
+              </a:rPr>
               <a:t>סקריפט שמפעיל את Meshroom על התמונות ליצירת ענני נקודות</a:t>
             </a:r>
-            <a:endParaRPr/>
+            <a:endParaRPr>
+              <a:latin typeface="David Libre"/>
+              <a:ea typeface="David Libre"/>
+              <a:cs typeface="David Libre"/>
+              <a:sym typeface="David Libre"/>
+            </a:endParaRPr>
           </a:p>
           <a:p>
             <a:pPr indent="0" lvl="0" marL="457200" rtl="1" algn="r">
@@ -9194,7 +9926,12 @@
             <a:r>
               <a:t/>
             </a:r>
-            <a:endParaRPr/>
+            <a:endParaRPr>
+              <a:latin typeface="David Libre"/>
+              <a:ea typeface="David Libre"/>
+              <a:cs typeface="David Libre"/>
+              <a:sym typeface="David Libre"/>
+            </a:endParaRPr>
           </a:p>
           <a:p>
             <a:pPr indent="-342900" lvl="0" marL="457200" rtl="1" algn="r">
@@ -9205,13 +9942,24 @@
                 <a:spcPts val="0"/>
               </a:spcAft>
               <a:buSzPts val="1800"/>
+              <a:buFont typeface="David Libre"/>
               <a:buChar char="●"/>
             </a:pPr>
             <a:r>
-              <a:rPr lang="iw"/>
+              <a:rPr lang="iw">
+                <a:latin typeface="David Libre"/>
+                <a:ea typeface="David Libre"/>
+                <a:cs typeface="David Libre"/>
+                <a:sym typeface="David Libre"/>
+              </a:rPr>
               <a:t>שימוש בפרויקט: עיבוד אוטומטי ליצירת ענני נקודות מכל קבוצה נתונה של תמונות ושמירה של ענן נקודות בתיקיה שהוגדרה</a:t>
             </a:r>
-            <a:endParaRPr/>
+            <a:endParaRPr>
+              <a:latin typeface="David Libre"/>
+              <a:ea typeface="David Libre"/>
+              <a:cs typeface="David Libre"/>
+              <a:sym typeface="David Libre"/>
+            </a:endParaRPr>
           </a:p>
         </p:txBody>
       </p:sp>
@@ -9273,10 +10021,20 @@
               <a:buNone/>
             </a:pPr>
             <a:r>
-              <a:rPr lang="iw"/>
+              <a:rPr lang="iw">
+                <a:latin typeface="David Libre"/>
+                <a:ea typeface="David Libre"/>
+                <a:cs typeface="David Libre"/>
+                <a:sym typeface="David Libre"/>
+              </a:rPr>
               <a:t>כלים וטכנולוגיות בפרוייקט</a:t>
             </a:r>
-            <a:endParaRPr/>
+            <a:endParaRPr>
+              <a:latin typeface="David Libre"/>
+              <a:ea typeface="David Libre"/>
+              <a:cs typeface="David Libre"/>
+              <a:sym typeface="David Libre"/>
+            </a:endParaRPr>
           </a:p>
         </p:txBody>
       </p:sp>
@@ -9313,10 +10071,20 @@
               <a:buNone/>
             </a:pPr>
             <a:r>
-              <a:rPr lang="iw"/>
+              <a:rPr lang="iw">
+                <a:latin typeface="David Libre"/>
+                <a:ea typeface="David Libre"/>
+                <a:cs typeface="David Libre"/>
+                <a:sym typeface="David Libre"/>
+              </a:rPr>
               <a:t>combinePointCloud.py</a:t>
             </a:r>
-            <a:endParaRPr/>
+            <a:endParaRPr>
+              <a:latin typeface="David Libre"/>
+              <a:ea typeface="David Libre"/>
+              <a:cs typeface="David Libre"/>
+              <a:sym typeface="David Libre"/>
+            </a:endParaRPr>
           </a:p>
           <a:p>
             <a:pPr indent="-342900" lvl="0" marL="457200" rtl="1" algn="r">
@@ -9327,13 +10095,24 @@
                 <a:spcPts val="0"/>
               </a:spcAft>
               <a:buSzPts val="1800"/>
+              <a:buFont typeface="David Libre"/>
               <a:buChar char="●"/>
             </a:pPr>
             <a:r>
-              <a:rPr lang="iw"/>
+              <a:rPr lang="iw">
+                <a:latin typeface="David Libre"/>
+                <a:ea typeface="David Libre"/>
+                <a:cs typeface="David Libre"/>
+                <a:sym typeface="David Libre"/>
+              </a:rPr>
               <a:t>סקריפט שממזג שני ענני נקודות ליצירת מודל אחיד באמצעות CloudCompare</a:t>
             </a:r>
-            <a:endParaRPr/>
+            <a:endParaRPr>
+              <a:latin typeface="David Libre"/>
+              <a:ea typeface="David Libre"/>
+              <a:cs typeface="David Libre"/>
+              <a:sym typeface="David Libre"/>
+            </a:endParaRPr>
           </a:p>
           <a:p>
             <a:pPr indent="-342900" lvl="0" marL="457200" rtl="1" algn="r">
@@ -9344,13 +10123,24 @@
                 <a:spcPts val="0"/>
               </a:spcAft>
               <a:buSzPts val="1800"/>
+              <a:buFont typeface="David Libre"/>
               <a:buChar char="●"/>
             </a:pPr>
             <a:r>
-              <a:rPr lang="iw"/>
+              <a:rPr lang="iw">
+                <a:latin typeface="David Libre"/>
+                <a:ea typeface="David Libre"/>
+                <a:cs typeface="David Libre"/>
+                <a:sym typeface="David Libre"/>
+              </a:rPr>
               <a:t>שימוש בפרויקט: מבצע מיזוג בין העננים הסופיים למודל אחד</a:t>
             </a:r>
-            <a:endParaRPr/>
+            <a:endParaRPr>
+              <a:latin typeface="David Libre"/>
+              <a:ea typeface="David Libre"/>
+              <a:cs typeface="David Libre"/>
+              <a:sym typeface="David Libre"/>
+            </a:endParaRPr>
           </a:p>
           <a:p>
             <a:pPr indent="-342900" lvl="0" marL="457200" rtl="1" algn="r">
@@ -9361,20 +10151,41 @@
                 <a:spcPts val="0"/>
               </a:spcAft>
               <a:buSzPts val="1800"/>
+              <a:buFont typeface="David Libre"/>
               <a:buChar char="●"/>
             </a:pPr>
             <a:r>
-              <a:rPr lang="iw"/>
+              <a:rPr lang="iw">
+                <a:latin typeface="David Libre"/>
+                <a:ea typeface="David Libre"/>
+                <a:cs typeface="David Libre"/>
+                <a:sym typeface="David Libre"/>
+              </a:rPr>
               <a:t>שימוש ב ICP בכלי:</a:t>
             </a:r>
             <a:br>
-              <a:rPr lang="iw"/>
+              <a:rPr lang="iw">
+                <a:latin typeface="David Libre"/>
+                <a:ea typeface="David Libre"/>
+                <a:cs typeface="David Libre"/>
+                <a:sym typeface="David Libre"/>
+              </a:rPr>
             </a:br>
             <a:r>
-              <a:rPr lang="iw"/>
+              <a:rPr lang="iw">
+                <a:latin typeface="David Libre"/>
+                <a:ea typeface="David Libre"/>
+                <a:cs typeface="David Libre"/>
+                <a:sym typeface="David Libre"/>
+              </a:rPr>
               <a:t>ICP הינו אלגוריתם שמטרתו "ליישר" שני ענני נקודות במרחב כך שהם יתאימו זה לזה בצורה הטובה ביותר</a:t>
             </a:r>
-            <a:endParaRPr/>
+            <a:endParaRPr>
+              <a:latin typeface="David Libre"/>
+              <a:ea typeface="David Libre"/>
+              <a:cs typeface="David Libre"/>
+              <a:sym typeface="David Libre"/>
+            </a:endParaRPr>
           </a:p>
           <a:p>
             <a:pPr indent="-342900" lvl="0" marL="457200" rtl="1" algn="r">
@@ -9385,13 +10196,24 @@
                 <a:spcPts val="0"/>
               </a:spcAft>
               <a:buSzPts val="1800"/>
+              <a:buFont typeface="David Libre"/>
               <a:buChar char="●"/>
             </a:pPr>
             <a:r>
-              <a:rPr lang="iw"/>
+              <a:rPr lang="iw">
+                <a:latin typeface="David Libre"/>
+                <a:ea typeface="David Libre"/>
+                <a:cs typeface="David Libre"/>
+                <a:sym typeface="David Libre"/>
+              </a:rPr>
               <a:t>השתמשנו ב-ICP כדי ליישר את שתי ענני הנקודות לפני המיזוג שלהם כך שהם יתאימו זה לזה במרחב וייצרו ענן נקודות מדוייק</a:t>
             </a:r>
-            <a:endParaRPr/>
+            <a:endParaRPr>
+              <a:latin typeface="David Libre"/>
+              <a:ea typeface="David Libre"/>
+              <a:cs typeface="David Libre"/>
+              <a:sym typeface="David Libre"/>
+            </a:endParaRPr>
           </a:p>
         </p:txBody>
       </p:sp>
@@ -9404,6 +10226,285 @@
 </file>
 
 <file path=ppt/theme/theme1.xml><?xml version="1.0" encoding="utf-8"?>
+<a:theme xmlns:a="http://schemas.openxmlformats.org/drawingml/2006/main" xmlns:r="http://schemas.openxmlformats.org/officeDocument/2006/relationships" name="Simple Light">
+  <a:themeElements>
+    <a:clrScheme name="Simple Light">
+      <a:dk1>
+        <a:srgbClr val="000000"/>
+      </a:dk1>
+      <a:lt1>
+        <a:srgbClr val="FFFFFF"/>
+      </a:lt1>
+      <a:dk2>
+        <a:srgbClr val="595959"/>
+      </a:dk2>
+      <a:lt2>
+        <a:srgbClr val="EEEEEE"/>
+      </a:lt2>
+      <a:accent1>
+        <a:srgbClr val="4285F4"/>
+      </a:accent1>
+      <a:accent2>
+        <a:srgbClr val="212121"/>
+      </a:accent2>
+      <a:accent3>
+        <a:srgbClr val="78909C"/>
+      </a:accent3>
+      <a:accent4>
+        <a:srgbClr val="FFAB40"/>
+      </a:accent4>
+      <a:accent5>
+        <a:srgbClr val="0097A7"/>
+      </a:accent5>
+      <a:accent6>
+        <a:srgbClr val="EEFF41"/>
+      </a:accent6>
+      <a:hlink>
+        <a:srgbClr val="0097A7"/>
+      </a:hlink>
+      <a:folHlink>
+        <a:srgbClr val="0097A7"/>
+      </a:folHlink>
+    </a:clrScheme>
+    <a:fontScheme name="Office">
+      <a:majorFont>
+        <a:latin typeface="Arial"/>
+        <a:ea typeface=""/>
+        <a:cs typeface=""/>
+        <a:font script="Jpan" typeface="ＭＳ Ｐゴシック"/>
+        <a:font script="Hang" typeface="맑은 고딕"/>
+        <a:font script="Hans" typeface="宋体"/>
+        <a:font script="Hant" typeface="新細明體"/>
+        <a:font script="Arab" typeface="Times New Roman"/>
+        <a:font script="Hebr" typeface="Times New Roman"/>
+        <a:font script="Thai" typeface="Angsana New"/>
+        <a:font script="Ethi" typeface="Nyala"/>
+        <a:font script="Beng" typeface="Vrinda"/>
+        <a:font script="Gujr" typeface="Shruti"/>
+        <a:font script="Khmr" typeface="MoolBoran"/>
+        <a:font script="Knda" typeface="Tunga"/>
+        <a:font script="Guru" typeface="Raavi"/>
+        <a:font script="Cans" typeface="Euphemia"/>
+        <a:font script="Cher" typeface="Plantagenet Cherokee"/>
+        <a:font script="Yiii" typeface="Microsoft Yi Baiti"/>
+        <a:font script="Tibt" typeface="Microsoft Himalaya"/>
+        <a:font script="Thaa" typeface="MV Boli"/>
+        <a:font script="Deva" typeface="Mangal"/>
+        <a:font script="Telu" typeface="Gautami"/>
+        <a:font script="Taml" typeface="Latha"/>
+        <a:font script="Syrc" typeface="Estrangelo Edessa"/>
+        <a:font script="Orya" typeface="Kalinga"/>
+        <a:font script="Mlym" typeface="Kartika"/>
+        <a:font script="Laoo" typeface="DokChampa"/>
+        <a:font script="Sinh" typeface="Iskoola Pota"/>
+        <a:font script="Mong" typeface="Mongolian Baiti"/>
+        <a:font script="Viet" typeface="Times New Roman"/>
+        <a:font script="Uigh" typeface="Microsoft Uighur"/>
+        <a:font script="Geor" typeface="Sylfaen"/>
+      </a:majorFont>
+      <a:minorFont>
+        <a:latin typeface="Arial"/>
+        <a:ea typeface=""/>
+        <a:cs typeface=""/>
+        <a:font script="Jpan" typeface="ＭＳ Ｐゴシック"/>
+        <a:font script="Hang" typeface="맑은 고딕"/>
+        <a:font script="Hans" typeface="宋体"/>
+        <a:font script="Hant" typeface="新細明體"/>
+        <a:font script="Arab" typeface="Arial"/>
+        <a:font script="Hebr" typeface="Arial"/>
+        <a:font script="Thai" typeface="Cordia New"/>
+        <a:font script="Ethi" typeface="Nyala"/>
+        <a:font script="Beng" typeface="Vrinda"/>
+        <a:font script="Gujr" typeface="Shruti"/>
+        <a:font script="Khmr" typeface="DaunPenh"/>
+        <a:font script="Knda" typeface="Tunga"/>
+        <a:font script="Guru" typeface="Raavi"/>
+        <a:font script="Cans" typeface="Euphemia"/>
+        <a:font script="Cher" typeface="Plantagenet Cherokee"/>
+        <a:font script="Yiii" typeface="Microsoft Yi Baiti"/>
+        <a:font script="Tibt" typeface="Microsoft Himalaya"/>
+        <a:font script="Thaa" typeface="MV Boli"/>
+        <a:font script="Deva" typeface="Mangal"/>
+        <a:font script="Telu" typeface="Gautami"/>
+        <a:font script="Taml" typeface="Latha"/>
+        <a:font script="Syrc" typeface="Estrangelo Edessa"/>
+        <a:font script="Orya" typeface="Kalinga"/>
+        <a:font script="Mlym" typeface="Kartika"/>
+        <a:font script="Laoo" typeface="DokChampa"/>
+        <a:font script="Sinh" typeface="Iskoola Pota"/>
+        <a:font script="Mong" typeface="Mongolian Baiti"/>
+        <a:font script="Viet" typeface="Arial"/>
+        <a:font script="Uigh" typeface="Microsoft Uighur"/>
+        <a:font script="Geor" typeface="Sylfaen"/>
+      </a:minorFont>
+    </a:fontScheme>
+    <a:fmtScheme name="Office">
+      <a:fillStyleLst>
+        <a:solidFill>
+          <a:schemeClr val="phClr"/>
+        </a:solidFill>
+        <a:gradFill rotWithShape="1">
+          <a:gsLst>
+            <a:gs pos="0">
+              <a:schemeClr val="phClr">
+                <a:tint val="50000"/>
+                <a:satMod val="300000"/>
+              </a:schemeClr>
+            </a:gs>
+            <a:gs pos="35000">
+              <a:schemeClr val="phClr">
+                <a:tint val="37000"/>
+                <a:satMod val="300000"/>
+              </a:schemeClr>
+            </a:gs>
+            <a:gs pos="100000">
+              <a:schemeClr val="phClr">
+                <a:tint val="15000"/>
+                <a:satMod val="350000"/>
+              </a:schemeClr>
+            </a:gs>
+          </a:gsLst>
+          <a:lin ang="16200000" scaled="1"/>
+        </a:gradFill>
+        <a:gradFill rotWithShape="1">
+          <a:gsLst>
+            <a:gs pos="0">
+              <a:schemeClr val="phClr">
+                <a:tint val="100000"/>
+                <a:shade val="100000"/>
+                <a:satMod val="130000"/>
+              </a:schemeClr>
+            </a:gs>
+            <a:gs pos="100000">
+              <a:schemeClr val="phClr">
+                <a:tint val="50000"/>
+                <a:shade val="100000"/>
+                <a:satMod val="350000"/>
+              </a:schemeClr>
+            </a:gs>
+          </a:gsLst>
+          <a:lin ang="16200000" scaled="0"/>
+        </a:gradFill>
+      </a:fillStyleLst>
+      <a:lnStyleLst>
+        <a:ln w="9525" cap="flat" cmpd="sng" algn="ctr">
+          <a:solidFill>
+            <a:schemeClr val="phClr">
+              <a:shade val="95000"/>
+              <a:satMod val="105000"/>
+            </a:schemeClr>
+          </a:solidFill>
+          <a:prstDash val="solid"/>
+        </a:ln>
+        <a:ln w="25400" cap="flat" cmpd="sng" algn="ctr">
+          <a:solidFill>
+            <a:schemeClr val="phClr"/>
+          </a:solidFill>
+          <a:prstDash val="solid"/>
+        </a:ln>
+        <a:ln w="38100" cap="flat" cmpd="sng" algn="ctr">
+          <a:solidFill>
+            <a:schemeClr val="phClr"/>
+          </a:solidFill>
+          <a:prstDash val="solid"/>
+        </a:ln>
+      </a:lnStyleLst>
+      <a:effectStyleLst>
+        <a:effectStyle>
+          <a:effectLst>
+            <a:outerShdw blurRad="40000" dist="20000" dir="5400000" rotWithShape="0">
+              <a:srgbClr val="000000">
+                <a:alpha val="38000"/>
+              </a:srgbClr>
+            </a:outerShdw>
+          </a:effectLst>
+        </a:effectStyle>
+        <a:effectStyle>
+          <a:effectLst>
+            <a:outerShdw blurRad="40000" dist="23000" dir="5400000" rotWithShape="0">
+              <a:srgbClr val="000000">
+                <a:alpha val="35000"/>
+              </a:srgbClr>
+            </a:outerShdw>
+          </a:effectLst>
+        </a:effectStyle>
+        <a:effectStyle>
+          <a:effectLst>
+            <a:outerShdw blurRad="40000" dist="23000" dir="5400000" rotWithShape="0">
+              <a:srgbClr val="000000">
+                <a:alpha val="35000"/>
+              </a:srgbClr>
+            </a:outerShdw>
+          </a:effectLst>
+          <a:scene3d>
+            <a:camera prst="orthographicFront">
+              <a:rot lat="0" lon="0" rev="0"/>
+            </a:camera>
+            <a:lightRig rig="threePt" dir="t">
+              <a:rot lat="0" lon="0" rev="1200000"/>
+            </a:lightRig>
+          </a:scene3d>
+          <a:sp3d>
+            <a:bevelT w="63500" h="25400"/>
+          </a:sp3d>
+        </a:effectStyle>
+      </a:effectStyleLst>
+      <a:bgFillStyleLst>
+        <a:solidFill>
+          <a:schemeClr val="phClr"/>
+        </a:solidFill>
+        <a:gradFill rotWithShape="1">
+          <a:gsLst>
+            <a:gs pos="0">
+              <a:schemeClr val="phClr">
+                <a:tint val="40000"/>
+                <a:satMod val="350000"/>
+              </a:schemeClr>
+            </a:gs>
+            <a:gs pos="40000">
+              <a:schemeClr val="phClr">
+                <a:tint val="45000"/>
+                <a:shade val="99000"/>
+                <a:satMod val="350000"/>
+              </a:schemeClr>
+            </a:gs>
+            <a:gs pos="100000">
+              <a:schemeClr val="phClr">
+                <a:shade val="20000"/>
+                <a:satMod val="255000"/>
+              </a:schemeClr>
+            </a:gs>
+          </a:gsLst>
+          <a:path path="circle">
+            <a:fillToRect l="50000" t="-80000" r="50000" b="180000"/>
+          </a:path>
+        </a:gradFill>
+        <a:gradFill rotWithShape="1">
+          <a:gsLst>
+            <a:gs pos="0">
+              <a:schemeClr val="phClr">
+                <a:tint val="80000"/>
+                <a:satMod val="300000"/>
+              </a:schemeClr>
+            </a:gs>
+            <a:gs pos="100000">
+              <a:schemeClr val="phClr">
+                <a:shade val="30000"/>
+                <a:satMod val="200000"/>
+              </a:schemeClr>
+            </a:gs>
+          </a:gsLst>
+          <a:path path="circle">
+            <a:fillToRect l="50000" t="50000" r="50000" b="50000"/>
+          </a:path>
+        </a:gradFill>
+      </a:bgFillStyleLst>
+    </a:fmtScheme>
+  </a:themeElements>
+</a:theme>
+</file>
+
+<file path=ppt/theme/theme2.xml><?xml version="1.0" encoding="utf-8"?>
 <a:theme xmlns:a="http://schemas.openxmlformats.org/drawingml/2006/main" xmlns:r="http://schemas.openxmlformats.org/officeDocument/2006/relationships">
   <a:themeElements>
     <a:clrScheme name="Default">
@@ -9680,283 +10781,4 @@
     </a:fmtScheme>
   </a:themeElements>
 </a:theme>
-</file>
-
-<file path=ppt/theme/theme2.xml><?xml version="1.0" encoding="utf-8"?>
-<a:theme xmlns:a="http://schemas.openxmlformats.org/drawingml/2006/main" xmlns:r="http://schemas.openxmlformats.org/officeDocument/2006/relationships" name="Simple Light">
-  <a:themeElements>
-    <a:clrScheme name="Simple Light">
-      <a:dk1>
-        <a:srgbClr val="000000"/>
-      </a:dk1>
-      <a:lt1>
-        <a:srgbClr val="FFFFFF"/>
-      </a:lt1>
-      <a:dk2>
-        <a:srgbClr val="595959"/>
-      </a:dk2>
-      <a:lt2>
-        <a:srgbClr val="EEEEEE"/>
-      </a:lt2>
-      <a:accent1>
-        <a:srgbClr val="4285F4"/>
-      </a:accent1>
-      <a:accent2>
-        <a:srgbClr val="212121"/>
-      </a:accent2>
-      <a:accent3>
-        <a:srgbClr val="78909C"/>
-      </a:accent3>
-      <a:accent4>
-        <a:srgbClr val="FFAB40"/>
-      </a:accent4>
-      <a:accent5>
-        <a:srgbClr val="0097A7"/>
-      </a:accent5>
-      <a:accent6>
-        <a:srgbClr val="EEFF41"/>
-      </a:accent6>
-      <a:hlink>
-        <a:srgbClr val="0097A7"/>
-      </a:hlink>
-      <a:folHlink>
-        <a:srgbClr val="0097A7"/>
-      </a:folHlink>
-    </a:clrScheme>
-    <a:fontScheme name="Office">
-      <a:majorFont>
-        <a:latin typeface="Arial"/>
-        <a:ea typeface=""/>
-        <a:cs typeface=""/>
-        <a:font script="Jpan" typeface="ＭＳ Ｐゴシック"/>
-        <a:font script="Hang" typeface="맑은 고딕"/>
-        <a:font script="Hans" typeface="宋体"/>
-        <a:font script="Hant" typeface="新細明體"/>
-        <a:font script="Arab" typeface="Times New Roman"/>
-        <a:font script="Hebr" typeface="Times New Roman"/>
-        <a:font script="Thai" typeface="Angsana New"/>
-        <a:font script="Ethi" typeface="Nyala"/>
-        <a:font script="Beng" typeface="Vrinda"/>
-        <a:font script="Gujr" typeface="Shruti"/>
-        <a:font script="Khmr" typeface="MoolBoran"/>
-        <a:font script="Knda" typeface="Tunga"/>
-        <a:font script="Guru" typeface="Raavi"/>
-        <a:font script="Cans" typeface="Euphemia"/>
-        <a:font script="Cher" typeface="Plantagenet Cherokee"/>
-        <a:font script="Yiii" typeface="Microsoft Yi Baiti"/>
-        <a:font script="Tibt" typeface="Microsoft Himalaya"/>
-        <a:font script="Thaa" typeface="MV Boli"/>
-        <a:font script="Deva" typeface="Mangal"/>
-        <a:font script="Telu" typeface="Gautami"/>
-        <a:font script="Taml" typeface="Latha"/>
-        <a:font script="Syrc" typeface="Estrangelo Edessa"/>
-        <a:font script="Orya" typeface="Kalinga"/>
-        <a:font script="Mlym" typeface="Kartika"/>
-        <a:font script="Laoo" typeface="DokChampa"/>
-        <a:font script="Sinh" typeface="Iskoola Pota"/>
-        <a:font script="Mong" typeface="Mongolian Baiti"/>
-        <a:font script="Viet" typeface="Times New Roman"/>
-        <a:font script="Uigh" typeface="Microsoft Uighur"/>
-        <a:font script="Geor" typeface="Sylfaen"/>
-      </a:majorFont>
-      <a:minorFont>
-        <a:latin typeface="Arial"/>
-        <a:ea typeface=""/>
-        <a:cs typeface=""/>
-        <a:font script="Jpan" typeface="ＭＳ Ｐゴシック"/>
-        <a:font script="Hang" typeface="맑은 고딕"/>
-        <a:font script="Hans" typeface="宋体"/>
-        <a:font script="Hant" typeface="新細明體"/>
-        <a:font script="Arab" typeface="Arial"/>
-        <a:font script="Hebr" typeface="Arial"/>
-        <a:font script="Thai" typeface="Cordia New"/>
-        <a:font script="Ethi" typeface="Nyala"/>
-        <a:font script="Beng" typeface="Vrinda"/>
-        <a:font script="Gujr" typeface="Shruti"/>
-        <a:font script="Khmr" typeface="DaunPenh"/>
-        <a:font script="Knda" typeface="Tunga"/>
-        <a:font script="Guru" typeface="Raavi"/>
-        <a:font script="Cans" typeface="Euphemia"/>
-        <a:font script="Cher" typeface="Plantagenet Cherokee"/>
-        <a:font script="Yiii" typeface="Microsoft Yi Baiti"/>
-        <a:font script="Tibt" typeface="Microsoft Himalaya"/>
-        <a:font script="Thaa" typeface="MV Boli"/>
-        <a:font script="Deva" typeface="Mangal"/>
-        <a:font script="Telu" typeface="Gautami"/>
-        <a:font script="Taml" typeface="Latha"/>
-        <a:font script="Syrc" typeface="Estrangelo Edessa"/>
-        <a:font script="Orya" typeface="Kalinga"/>
-        <a:font script="Mlym" typeface="Kartika"/>
-        <a:font script="Laoo" typeface="DokChampa"/>
-        <a:font script="Sinh" typeface="Iskoola Pota"/>
-        <a:font script="Mong" typeface="Mongolian Baiti"/>
-        <a:font script="Viet" typeface="Arial"/>
-        <a:font script="Uigh" typeface="Microsoft Uighur"/>
-        <a:font script="Geor" typeface="Sylfaen"/>
-      </a:minorFont>
-    </a:fontScheme>
-    <a:fmtScheme name="Office">
-      <a:fillStyleLst>
-        <a:solidFill>
-          <a:schemeClr val="phClr"/>
-        </a:solidFill>
-        <a:gradFill rotWithShape="1">
-          <a:gsLst>
-            <a:gs pos="0">
-              <a:schemeClr val="phClr">
-                <a:tint val="50000"/>
-                <a:satMod val="300000"/>
-              </a:schemeClr>
-            </a:gs>
-            <a:gs pos="35000">
-              <a:schemeClr val="phClr">
-                <a:tint val="37000"/>
-                <a:satMod val="300000"/>
-              </a:schemeClr>
-            </a:gs>
-            <a:gs pos="100000">
-              <a:schemeClr val="phClr">
-                <a:tint val="15000"/>
-                <a:satMod val="350000"/>
-              </a:schemeClr>
-            </a:gs>
-          </a:gsLst>
-          <a:lin ang="16200000" scaled="1"/>
-        </a:gradFill>
-        <a:gradFill rotWithShape="1">
-          <a:gsLst>
-            <a:gs pos="0">
-              <a:schemeClr val="phClr">
-                <a:tint val="100000"/>
-                <a:shade val="100000"/>
-                <a:satMod val="130000"/>
-              </a:schemeClr>
-            </a:gs>
-            <a:gs pos="100000">
-              <a:schemeClr val="phClr">
-                <a:tint val="50000"/>
-                <a:shade val="100000"/>
-                <a:satMod val="350000"/>
-              </a:schemeClr>
-            </a:gs>
-          </a:gsLst>
-          <a:lin ang="16200000" scaled="0"/>
-        </a:gradFill>
-      </a:fillStyleLst>
-      <a:lnStyleLst>
-        <a:ln w="9525" cap="flat" cmpd="sng" algn="ctr">
-          <a:solidFill>
-            <a:schemeClr val="phClr">
-              <a:shade val="95000"/>
-              <a:satMod val="105000"/>
-            </a:schemeClr>
-          </a:solidFill>
-          <a:prstDash val="solid"/>
-        </a:ln>
-        <a:ln w="25400" cap="flat" cmpd="sng" algn="ctr">
-          <a:solidFill>
-            <a:schemeClr val="phClr"/>
-          </a:solidFill>
-          <a:prstDash val="solid"/>
-        </a:ln>
-        <a:ln w="38100" cap="flat" cmpd="sng" algn="ctr">
-          <a:solidFill>
-            <a:schemeClr val="phClr"/>
-          </a:solidFill>
-          <a:prstDash val="solid"/>
-        </a:ln>
-      </a:lnStyleLst>
-      <a:effectStyleLst>
-        <a:effectStyle>
-          <a:effectLst>
-            <a:outerShdw blurRad="40000" dist="20000" dir="5400000" rotWithShape="0">
-              <a:srgbClr val="000000">
-                <a:alpha val="38000"/>
-              </a:srgbClr>
-            </a:outerShdw>
-          </a:effectLst>
-        </a:effectStyle>
-        <a:effectStyle>
-          <a:effectLst>
-            <a:outerShdw blurRad="40000" dist="23000" dir="5400000" rotWithShape="0">
-              <a:srgbClr val="000000">
-                <a:alpha val="35000"/>
-              </a:srgbClr>
-            </a:outerShdw>
-          </a:effectLst>
-        </a:effectStyle>
-        <a:effectStyle>
-          <a:effectLst>
-            <a:outerShdw blurRad="40000" dist="23000" dir="5400000" rotWithShape="0">
-              <a:srgbClr val="000000">
-                <a:alpha val="35000"/>
-              </a:srgbClr>
-            </a:outerShdw>
-          </a:effectLst>
-          <a:scene3d>
-            <a:camera prst="orthographicFront">
-              <a:rot lat="0" lon="0" rev="0"/>
-            </a:camera>
-            <a:lightRig rig="threePt" dir="t">
-              <a:rot lat="0" lon="0" rev="1200000"/>
-            </a:lightRig>
-          </a:scene3d>
-          <a:sp3d>
-            <a:bevelT w="63500" h="25400"/>
-          </a:sp3d>
-        </a:effectStyle>
-      </a:effectStyleLst>
-      <a:bgFillStyleLst>
-        <a:solidFill>
-          <a:schemeClr val="phClr"/>
-        </a:solidFill>
-        <a:gradFill rotWithShape="1">
-          <a:gsLst>
-            <a:gs pos="0">
-              <a:schemeClr val="phClr">
-                <a:tint val="40000"/>
-                <a:satMod val="350000"/>
-              </a:schemeClr>
-            </a:gs>
-            <a:gs pos="40000">
-              <a:schemeClr val="phClr">
-                <a:tint val="45000"/>
-                <a:shade val="99000"/>
-                <a:satMod val="350000"/>
-              </a:schemeClr>
-            </a:gs>
-            <a:gs pos="100000">
-              <a:schemeClr val="phClr">
-                <a:shade val="20000"/>
-                <a:satMod val="255000"/>
-              </a:schemeClr>
-            </a:gs>
-          </a:gsLst>
-          <a:path path="circle">
-            <a:fillToRect l="50000" t="-80000" r="50000" b="180000"/>
-          </a:path>
-        </a:gradFill>
-        <a:gradFill rotWithShape="1">
-          <a:gsLst>
-            <a:gs pos="0">
-              <a:schemeClr val="phClr">
-                <a:tint val="80000"/>
-                <a:satMod val="300000"/>
-              </a:schemeClr>
-            </a:gs>
-            <a:gs pos="100000">
-              <a:schemeClr val="phClr">
-                <a:shade val="30000"/>
-                <a:satMod val="200000"/>
-              </a:schemeClr>
-            </a:gs>
-          </a:gsLst>
-          <a:path path="circle">
-            <a:fillToRect l="50000" t="50000" r="50000" b="50000"/>
-          </a:path>
-        </a:gradFill>
-      </a:bgFillStyleLst>
-    </a:fmtScheme>
-  </a:themeElements>
-</a:theme>
 </file>
--- a/Final_Project.pptx
+++ b/Final_Project.pptx
@@ -6916,7 +6916,7 @@
                 <a:cs typeface="David Libre"/>
                 <a:sym typeface="David Libre"/>
               </a:rPr>
-              <a:t>נור אגא - </a:t>
+              <a:t>נור אגא - 207261652</a:t>
             </a:r>
             <a:endParaRPr>
               <a:latin typeface="David Libre"/>
@@ -10226,6 +10226,285 @@
 </file>
 
 <file path=ppt/theme/theme1.xml><?xml version="1.0" encoding="utf-8"?>
+<a:theme xmlns:a="http://schemas.openxmlformats.org/drawingml/2006/main" xmlns:r="http://schemas.openxmlformats.org/officeDocument/2006/relationships">
+  <a:themeElements>
+    <a:clrScheme name="Default">
+      <a:dk1>
+        <a:srgbClr val="000000"/>
+      </a:dk1>
+      <a:lt1>
+        <a:srgbClr val="FFFFFF"/>
+      </a:lt1>
+      <a:dk2>
+        <a:srgbClr val="158158"/>
+      </a:dk2>
+      <a:lt2>
+        <a:srgbClr val="F3F3F3"/>
+      </a:lt2>
+      <a:accent1>
+        <a:srgbClr val="058DC7"/>
+      </a:accent1>
+      <a:accent2>
+        <a:srgbClr val="50B432"/>
+      </a:accent2>
+      <a:accent3>
+        <a:srgbClr val="ED561B"/>
+      </a:accent3>
+      <a:accent4>
+        <a:srgbClr val="EDEF00"/>
+      </a:accent4>
+      <a:accent5>
+        <a:srgbClr val="24CBE5"/>
+      </a:accent5>
+      <a:accent6>
+        <a:srgbClr val="64E572"/>
+      </a:accent6>
+      <a:hlink>
+        <a:srgbClr val="2200CC"/>
+      </a:hlink>
+      <a:folHlink>
+        <a:srgbClr val="551A8B"/>
+      </a:folHlink>
+    </a:clrScheme>
+    <a:fontScheme name="Office">
+      <a:majorFont>
+        <a:latin typeface="Arial"/>
+        <a:ea typeface=""/>
+        <a:cs typeface=""/>
+        <a:font script="Jpan" typeface="ＭＳ Ｐゴシック"/>
+        <a:font script="Hang" typeface="맑은 고딕"/>
+        <a:font script="Hans" typeface="宋体"/>
+        <a:font script="Hant" typeface="新細明體"/>
+        <a:font script="Arab" typeface="Times New Roman"/>
+        <a:font script="Hebr" typeface="Times New Roman"/>
+        <a:font script="Thai" typeface="Angsana New"/>
+        <a:font script="Ethi" typeface="Nyala"/>
+        <a:font script="Beng" typeface="Vrinda"/>
+        <a:font script="Gujr" typeface="Shruti"/>
+        <a:font script="Khmr" typeface="MoolBoran"/>
+        <a:font script="Knda" typeface="Tunga"/>
+        <a:font script="Guru" typeface="Raavi"/>
+        <a:font script="Cans" typeface="Euphemia"/>
+        <a:font script="Cher" typeface="Plantagenet Cherokee"/>
+        <a:font script="Yiii" typeface="Microsoft Yi Baiti"/>
+        <a:font script="Tibt" typeface="Microsoft Himalaya"/>
+        <a:font script="Thaa" typeface="MV Boli"/>
+        <a:font script="Deva" typeface="Mangal"/>
+        <a:font script="Telu" typeface="Gautami"/>
+        <a:font script="Taml" typeface="Latha"/>
+        <a:font script="Syrc" typeface="Estrangelo Edessa"/>
+        <a:font script="Orya" typeface="Kalinga"/>
+        <a:font script="Mlym" typeface="Kartika"/>
+        <a:font script="Laoo" typeface="DokChampa"/>
+        <a:font script="Sinh" typeface="Iskoola Pota"/>
+        <a:font script="Mong" typeface="Mongolian Baiti"/>
+        <a:font script="Viet" typeface="Times New Roman"/>
+        <a:font script="Uigh" typeface="Microsoft Uighur"/>
+        <a:font script="Geor" typeface="Sylfaen"/>
+      </a:majorFont>
+      <a:minorFont>
+        <a:latin typeface="Arial"/>
+        <a:ea typeface=""/>
+        <a:cs typeface=""/>
+        <a:font script="Jpan" typeface="ＭＳ Ｐゴシック"/>
+        <a:font script="Hang" typeface="맑은 고딕"/>
+        <a:font script="Hans" typeface="宋体"/>
+        <a:font script="Hant" typeface="新細明體"/>
+        <a:font script="Arab" typeface="Arial"/>
+        <a:font script="Hebr" typeface="Arial"/>
+        <a:font script="Thai" typeface="Cordia New"/>
+        <a:font script="Ethi" typeface="Nyala"/>
+        <a:font script="Beng" typeface="Vrinda"/>
+        <a:font script="Gujr" typeface="Shruti"/>
+        <a:font script="Khmr" typeface="DaunPenh"/>
+        <a:font script="Knda" typeface="Tunga"/>
+        <a:font script="Guru" typeface="Raavi"/>
+        <a:font script="Cans" typeface="Euphemia"/>
+        <a:font script="Cher" typeface="Plantagenet Cherokee"/>
+        <a:font script="Yiii" typeface="Microsoft Yi Baiti"/>
+        <a:font script="Tibt" typeface="Microsoft Himalaya"/>
+        <a:font script="Thaa" typeface="MV Boli"/>
+        <a:font script="Deva" typeface="Mangal"/>
+        <a:font script="Telu" typeface="Gautami"/>
+        <a:font script="Taml" typeface="Latha"/>
+        <a:font script="Syrc" typeface="Estrangelo Edessa"/>
+        <a:font script="Orya" typeface="Kalinga"/>
+        <a:font script="Mlym" typeface="Kartika"/>
+        <a:font script="Laoo" typeface="DokChampa"/>
+        <a:font script="Sinh" typeface="Iskoola Pota"/>
+        <a:font script="Mong" typeface="Mongolian Baiti"/>
+        <a:font script="Viet" typeface="Arial"/>
+        <a:font script="Uigh" typeface="Microsoft Uighur"/>
+        <a:font script="Geor" typeface="Sylfaen"/>
+      </a:minorFont>
+    </a:fontScheme>
+    <a:fmtScheme name="Office">
+      <a:fillStyleLst>
+        <a:solidFill>
+          <a:schemeClr val="phClr"/>
+        </a:solidFill>
+        <a:gradFill rotWithShape="1">
+          <a:gsLst>
+            <a:gs pos="0">
+              <a:schemeClr val="phClr">
+                <a:tint val="50000"/>
+                <a:satMod val="300000"/>
+              </a:schemeClr>
+            </a:gs>
+            <a:gs pos="35000">
+              <a:schemeClr val="phClr">
+                <a:tint val="37000"/>
+                <a:satMod val="300000"/>
+              </a:schemeClr>
+            </a:gs>
+            <a:gs pos="100000">
+              <a:schemeClr val="phClr">
+                <a:tint val="15000"/>
+                <a:satMod val="350000"/>
+              </a:schemeClr>
+            </a:gs>
+          </a:gsLst>
+          <a:lin ang="16200000" scaled="1"/>
+        </a:gradFill>
+        <a:gradFill rotWithShape="1">
+          <a:gsLst>
+            <a:gs pos="0">
+              <a:schemeClr val="phClr">
+                <a:tint val="100000"/>
+                <a:shade val="100000"/>
+                <a:satMod val="130000"/>
+              </a:schemeClr>
+            </a:gs>
+            <a:gs pos="100000">
+              <a:schemeClr val="phClr">
+                <a:tint val="50000"/>
+                <a:shade val="100000"/>
+                <a:satMod val="350000"/>
+              </a:schemeClr>
+            </a:gs>
+          </a:gsLst>
+          <a:lin ang="16200000" scaled="0"/>
+        </a:gradFill>
+      </a:fillStyleLst>
+      <a:lnStyleLst>
+        <a:ln w="9525" cap="flat" cmpd="sng" algn="ctr">
+          <a:solidFill>
+            <a:schemeClr val="phClr">
+              <a:shade val="95000"/>
+              <a:satMod val="105000"/>
+            </a:schemeClr>
+          </a:solidFill>
+          <a:prstDash val="solid"/>
+        </a:ln>
+        <a:ln w="25400" cap="flat" cmpd="sng" algn="ctr">
+          <a:solidFill>
+            <a:schemeClr val="phClr"/>
+          </a:solidFill>
+          <a:prstDash val="solid"/>
+        </a:ln>
+        <a:ln w="38100" cap="flat" cmpd="sng" algn="ctr">
+          <a:solidFill>
+            <a:schemeClr val="phClr"/>
+          </a:solidFill>
+          <a:prstDash val="solid"/>
+        </a:ln>
+      </a:lnStyleLst>
+      <a:effectStyleLst>
+        <a:effectStyle>
+          <a:effectLst>
+            <a:outerShdw blurRad="40000" dist="20000" dir="5400000" rotWithShape="0">
+              <a:srgbClr val="000000">
+                <a:alpha val="38000"/>
+              </a:srgbClr>
+            </a:outerShdw>
+          </a:effectLst>
+        </a:effectStyle>
+        <a:effectStyle>
+          <a:effectLst>
+            <a:outerShdw blurRad="40000" dist="23000" dir="5400000" rotWithShape="0">
+              <a:srgbClr val="000000">
+                <a:alpha val="35000"/>
+              </a:srgbClr>
+            </a:outerShdw>
+          </a:effectLst>
+        </a:effectStyle>
+        <a:effectStyle>
+          <a:effectLst>
+            <a:outerShdw blurRad="40000" dist="23000" dir="5400000" rotWithShape="0">
+              <a:srgbClr val="000000">
+                <a:alpha val="35000"/>
+              </a:srgbClr>
+            </a:outerShdw>
+          </a:effectLst>
+          <a:scene3d>
+            <a:camera prst="orthographicFront">
+              <a:rot lat="0" lon="0" rev="0"/>
+            </a:camera>
+            <a:lightRig rig="threePt" dir="t">
+              <a:rot lat="0" lon="0" rev="1200000"/>
+            </a:lightRig>
+          </a:scene3d>
+          <a:sp3d>
+            <a:bevelT w="63500" h="25400"/>
+          </a:sp3d>
+        </a:effectStyle>
+      </a:effectStyleLst>
+      <a:bgFillStyleLst>
+        <a:solidFill>
+          <a:schemeClr val="phClr"/>
+        </a:solidFill>
+        <a:gradFill rotWithShape="1">
+          <a:gsLst>
+            <a:gs pos="0">
+              <a:schemeClr val="phClr">
+                <a:tint val="40000"/>
+                <a:satMod val="350000"/>
+              </a:schemeClr>
+            </a:gs>
+            <a:gs pos="40000">
+              <a:schemeClr val="phClr">
+                <a:tint val="45000"/>
+                <a:shade val="99000"/>
+                <a:satMod val="350000"/>
+              </a:schemeClr>
+            </a:gs>
+            <a:gs pos="100000">
+              <a:schemeClr val="phClr">
+                <a:shade val="20000"/>
+                <a:satMod val="255000"/>
+              </a:schemeClr>
+            </a:gs>
+          </a:gsLst>
+          <a:path path="circle">
+            <a:fillToRect l="50000" t="-80000" r="50000" b="180000"/>
+          </a:path>
+        </a:gradFill>
+        <a:gradFill rotWithShape="1">
+          <a:gsLst>
+            <a:gs pos="0">
+              <a:schemeClr val="phClr">
+                <a:tint val="80000"/>
+                <a:satMod val="300000"/>
+              </a:schemeClr>
+            </a:gs>
+            <a:gs pos="100000">
+              <a:schemeClr val="phClr">
+                <a:shade val="30000"/>
+                <a:satMod val="200000"/>
+              </a:schemeClr>
+            </a:gs>
+          </a:gsLst>
+          <a:path path="circle">
+            <a:fillToRect l="50000" t="50000" r="50000" b="50000"/>
+          </a:path>
+        </a:gradFill>
+      </a:bgFillStyleLst>
+    </a:fmtScheme>
+  </a:themeElements>
+</a:theme>
+</file>
+
+<file path=ppt/theme/theme2.xml><?xml version="1.0" encoding="utf-8"?>
 <a:theme xmlns:a="http://schemas.openxmlformats.org/drawingml/2006/main" xmlns:r="http://schemas.openxmlformats.org/officeDocument/2006/relationships" name="Simple Light">
   <a:themeElements>
     <a:clrScheme name="Simple Light">
@@ -10502,283 +10781,4 @@
     </a:fmtScheme>
   </a:themeElements>
 </a:theme>
-</file>
-
-<file path=ppt/theme/theme2.xml><?xml version="1.0" encoding="utf-8"?>
-<a:theme xmlns:a="http://schemas.openxmlformats.org/drawingml/2006/main" xmlns:r="http://schemas.openxmlformats.org/officeDocument/2006/relationships">
-  <a:themeElements>
-    <a:clrScheme name="Default">
-      <a:dk1>
-        <a:srgbClr val="000000"/>
-      </a:dk1>
-      <a:lt1>
-        <a:srgbClr val="FFFFFF"/>
-      </a:lt1>
-      <a:dk2>
-        <a:srgbClr val="158158"/>
-      </a:dk2>
-      <a:lt2>
-        <a:srgbClr val="F3F3F3"/>
-      </a:lt2>
-      <a:accent1>
-        <a:srgbClr val="058DC7"/>
-      </a:accent1>
-      <a:accent2>
-        <a:srgbClr val="50B432"/>
-      </a:accent2>
-      <a:accent3>
-        <a:srgbClr val="ED561B"/>
-      </a:accent3>
-      <a:accent4>
-        <a:srgbClr val="EDEF00"/>
-      </a:accent4>
-      <a:accent5>
-        <a:srgbClr val="24CBE5"/>
-      </a:accent5>
-      <a:accent6>
-        <a:srgbClr val="64E572"/>
-      </a:accent6>
-      <a:hlink>
-        <a:srgbClr val="2200CC"/>
-      </a:hlink>
-      <a:folHlink>
-        <a:srgbClr val="551A8B"/>
-      </a:folHlink>
-    </a:clrScheme>
-    <a:fontScheme name="Office">
-      <a:majorFont>
-        <a:latin typeface="Arial"/>
-        <a:ea typeface=""/>
-        <a:cs typeface=""/>
-        <a:font script="Jpan" typeface="ＭＳ Ｐゴシック"/>
-        <a:font script="Hang" typeface="맑은 고딕"/>
-        <a:font script="Hans" typeface="宋体"/>
-        <a:font script="Hant" typeface="新細明體"/>
-        <a:font script="Arab" typeface="Times New Roman"/>
-        <a:font script="Hebr" typeface="Times New Roman"/>
-        <a:font script="Thai" typeface="Angsana New"/>
-        <a:font script="Ethi" typeface="Nyala"/>
-        <a:font script="Beng" typeface="Vrinda"/>
-        <a:font script="Gujr" typeface="Shruti"/>
-        <a:font script="Khmr" typeface="MoolBoran"/>
-        <a:font script="Knda" typeface="Tunga"/>
-        <a:font script="Guru" typeface="Raavi"/>
-        <a:font script="Cans" typeface="Euphemia"/>
-        <a:font script="Cher" typeface="Plantagenet Cherokee"/>
-        <a:font script="Yiii" typeface="Microsoft Yi Baiti"/>
-        <a:font script="Tibt" typeface="Microsoft Himalaya"/>
-        <a:font script="Thaa" typeface="MV Boli"/>
-        <a:font script="Deva" typeface="Mangal"/>
-        <a:font script="Telu" typeface="Gautami"/>
-        <a:font script="Taml" typeface="Latha"/>
-        <a:font script="Syrc" typeface="Estrangelo Edessa"/>
-        <a:font script="Orya" typeface="Kalinga"/>
-        <a:font script="Mlym" typeface="Kartika"/>
-        <a:font script="Laoo" typeface="DokChampa"/>
-        <a:font script="Sinh" typeface="Iskoola Pota"/>
-        <a:font script="Mong" typeface="Mongolian Baiti"/>
-        <a:font script="Viet" typeface="Times New Roman"/>
-        <a:font script="Uigh" typeface="Microsoft Uighur"/>
-        <a:font script="Geor" typeface="Sylfaen"/>
-      </a:majorFont>
-      <a:minorFont>
-        <a:latin typeface="Arial"/>
-        <a:ea typeface=""/>
-        <a:cs typeface=""/>
-        <a:font script="Jpan" typeface="ＭＳ Ｐゴシック"/>
-        <a:font script="Hang" typeface="맑은 고딕"/>
-        <a:font script="Hans" typeface="宋体"/>
-        <a:font script="Hant" typeface="新細明體"/>
-        <a:font script="Arab" typeface="Arial"/>
-        <a:font script="Hebr" typeface="Arial"/>
-        <a:font script="Thai" typeface="Cordia New"/>
-        <a:font script="Ethi" typeface="Nyala"/>
-        <a:font script="Beng" typeface="Vrinda"/>
-        <a:font script="Gujr" typeface="Shruti"/>
-        <a:font script="Khmr" typeface="DaunPenh"/>
-        <a:font script="Knda" typeface="Tunga"/>
-        <a:font script="Guru" typeface="Raavi"/>
-        <a:font script="Cans" typeface="Euphemia"/>
-        <a:font script="Cher" typeface="Plantagenet Cherokee"/>
-        <a:font script="Yiii" typeface="Microsoft Yi Baiti"/>
-        <a:font script="Tibt" typeface="Microsoft Himalaya"/>
-        <a:font script="Thaa" typeface="MV Boli"/>
-        <a:font script="Deva" typeface="Mangal"/>
-        <a:font script="Telu" typeface="Gautami"/>
-        <a:font script="Taml" typeface="Latha"/>
-        <a:font script="Syrc" typeface="Estrangelo Edessa"/>
-        <a:font script="Orya" typeface="Kalinga"/>
-        <a:font script="Mlym" typeface="Kartika"/>
-        <a:font script="Laoo" typeface="DokChampa"/>
-        <a:font script="Sinh" typeface="Iskoola Pota"/>
-        <a:font script="Mong" typeface="Mongolian Baiti"/>
-        <a:font script="Viet" typeface="Arial"/>
-        <a:font script="Uigh" typeface="Microsoft Uighur"/>
-        <a:font script="Geor" typeface="Sylfaen"/>
-      </a:minorFont>
-    </a:fontScheme>
-    <a:fmtScheme name="Office">
-      <a:fillStyleLst>
-        <a:solidFill>
-          <a:schemeClr val="phClr"/>
-        </a:solidFill>
-        <a:gradFill rotWithShape="1">
-          <a:gsLst>
-            <a:gs pos="0">
-              <a:schemeClr val="phClr">
-                <a:tint val="50000"/>
-                <a:satMod val="300000"/>
-              </a:schemeClr>
-            </a:gs>
-            <a:gs pos="35000">
-              <a:schemeClr val="phClr">
-                <a:tint val="37000"/>
-                <a:satMod val="300000"/>
-              </a:schemeClr>
-            </a:gs>
-            <a:gs pos="100000">
-              <a:schemeClr val="phClr">
-                <a:tint val="15000"/>
-                <a:satMod val="350000"/>
-              </a:schemeClr>
-            </a:gs>
-          </a:gsLst>
-          <a:lin ang="16200000" scaled="1"/>
-        </a:gradFill>
-        <a:gradFill rotWithShape="1">
-          <a:gsLst>
-            <a:gs pos="0">
-              <a:schemeClr val="phClr">
-                <a:tint val="100000"/>
-                <a:shade val="100000"/>
-                <a:satMod val="130000"/>
-              </a:schemeClr>
-            </a:gs>
-            <a:gs pos="100000">
-              <a:schemeClr val="phClr">
-                <a:tint val="50000"/>
-                <a:shade val="100000"/>
-                <a:satMod val="350000"/>
-              </a:schemeClr>
-            </a:gs>
-          </a:gsLst>
-          <a:lin ang="16200000" scaled="0"/>
-        </a:gradFill>
-      </a:fillStyleLst>
-      <a:lnStyleLst>
-        <a:ln w="9525" cap="flat" cmpd="sng" algn="ctr">
-          <a:solidFill>
-            <a:schemeClr val="phClr">
-              <a:shade val="95000"/>
-              <a:satMod val="105000"/>
-            </a:schemeClr>
-          </a:solidFill>
-          <a:prstDash val="solid"/>
-        </a:ln>
-        <a:ln w="25400" cap="flat" cmpd="sng" algn="ctr">
-          <a:solidFill>
-            <a:schemeClr val="phClr"/>
-          </a:solidFill>
-          <a:prstDash val="solid"/>
-        </a:ln>
-        <a:ln w="38100" cap="flat" cmpd="sng" algn="ctr">
-          <a:solidFill>
-            <a:schemeClr val="phClr"/>
-          </a:solidFill>
-          <a:prstDash val="solid"/>
-        </a:ln>
-      </a:lnStyleLst>
-      <a:effectStyleLst>
-        <a:effectStyle>
-          <a:effectLst>
-            <a:outerShdw blurRad="40000" dist="20000" dir="5400000" rotWithShape="0">
-              <a:srgbClr val="000000">
-                <a:alpha val="38000"/>
-              </a:srgbClr>
-            </a:outerShdw>
-          </a:effectLst>
-        </a:effectStyle>
-        <a:effectStyle>
-          <a:effectLst>
-            <a:outerShdw blurRad="40000" dist="23000" dir="5400000" rotWithShape="0">
-              <a:srgbClr val="000000">
-                <a:alpha val="35000"/>
-              </a:srgbClr>
-            </a:outerShdw>
-          </a:effectLst>
-        </a:effectStyle>
-        <a:effectStyle>
-          <a:effectLst>
-            <a:outerShdw blurRad="40000" dist="23000" dir="5400000" rotWithShape="0">
-              <a:srgbClr val="000000">
-                <a:alpha val="35000"/>
-              </a:srgbClr>
-            </a:outerShdw>
-          </a:effectLst>
-          <a:scene3d>
-            <a:camera prst="orthographicFront">
-              <a:rot lat="0" lon="0" rev="0"/>
-            </a:camera>
-            <a:lightRig rig="threePt" dir="t">
-              <a:rot lat="0" lon="0" rev="1200000"/>
-            </a:lightRig>
-          </a:scene3d>
-          <a:sp3d>
-            <a:bevelT w="63500" h="25400"/>
-          </a:sp3d>
-        </a:effectStyle>
-      </a:effectStyleLst>
-      <a:bgFillStyleLst>
-        <a:solidFill>
-          <a:schemeClr val="phClr"/>
-        </a:solidFill>
-        <a:gradFill rotWithShape="1">
-          <a:gsLst>
-            <a:gs pos="0">
-              <a:schemeClr val="phClr">
-                <a:tint val="40000"/>
-                <a:satMod val="350000"/>
-              </a:schemeClr>
-            </a:gs>
-            <a:gs pos="40000">
-              <a:schemeClr val="phClr">
-                <a:tint val="45000"/>
-                <a:shade val="99000"/>
-                <a:satMod val="350000"/>
-              </a:schemeClr>
-            </a:gs>
-            <a:gs pos="100000">
-              <a:schemeClr val="phClr">
-                <a:shade val="20000"/>
-                <a:satMod val="255000"/>
-              </a:schemeClr>
-            </a:gs>
-          </a:gsLst>
-          <a:path path="circle">
-            <a:fillToRect l="50000" t="-80000" r="50000" b="180000"/>
-          </a:path>
-        </a:gradFill>
-        <a:gradFill rotWithShape="1">
-          <a:gsLst>
-            <a:gs pos="0">
-              <a:schemeClr val="phClr">
-                <a:tint val="80000"/>
-                <a:satMod val="300000"/>
-              </a:schemeClr>
-            </a:gs>
-            <a:gs pos="100000">
-              <a:schemeClr val="phClr">
-                <a:shade val="30000"/>
-                <a:satMod val="200000"/>
-              </a:schemeClr>
-            </a:gs>
-          </a:gsLst>
-          <a:path path="circle">
-            <a:fillToRect l="50000" t="50000" r="50000" b="50000"/>
-          </a:path>
-        </a:gradFill>
-      </a:bgFillStyleLst>
-    </a:fmtScheme>
-  </a:themeElements>
-</a:theme>
 </file>